--- a/LCC/Java/02_再嚐Java Coffee_運算思維.pptx
+++ b/LCC/Java/02_再嚐Java Coffee_運算思維.pptx
@@ -856,7 +856,7 @@
           <a:p>
             <a:fld id="{1C04B068-0BC1-4366-925A-40167D424D2E}" type="datetimeFigureOut">
               <a:rPr lang="zh-TW" altLang="en-US" smtClean="0"/>
-              <a:t>2020/12/27</a:t>
+              <a:t>2021/9/24</a:t>
             </a:fld>
             <a:endParaRPr lang="zh-TW" altLang="en-US"/>
           </a:p>
@@ -1107,7 +1107,7 @@
           <a:p>
             <a:fld id="{1C04B068-0BC1-4366-925A-40167D424D2E}" type="datetimeFigureOut">
               <a:rPr lang="zh-TW" altLang="en-US" smtClean="0"/>
-              <a:t>2020/12/27</a:t>
+              <a:t>2021/9/24</a:t>
             </a:fld>
             <a:endParaRPr lang="zh-TW" altLang="en-US"/>
           </a:p>
@@ -1421,7 +1421,7 @@
           <a:p>
             <a:fld id="{1C04B068-0BC1-4366-925A-40167D424D2E}" type="datetimeFigureOut">
               <a:rPr lang="zh-TW" altLang="en-US" smtClean="0"/>
-              <a:t>2020/12/27</a:t>
+              <a:t>2021/9/24</a:t>
             </a:fld>
             <a:endParaRPr lang="zh-TW" altLang="en-US"/>
           </a:p>
@@ -1762,7 +1762,7 @@
           <a:p>
             <a:fld id="{1C04B068-0BC1-4366-925A-40167D424D2E}" type="datetimeFigureOut">
               <a:rPr lang="zh-TW" altLang="en-US" smtClean="0"/>
-              <a:t>2020/12/27</a:t>
+              <a:t>2021/9/24</a:t>
             </a:fld>
             <a:endParaRPr lang="zh-TW" altLang="en-US"/>
           </a:p>
@@ -2076,7 +2076,7 @@
           <a:p>
             <a:fld id="{1C04B068-0BC1-4366-925A-40167D424D2E}" type="datetimeFigureOut">
               <a:rPr lang="zh-TW" altLang="en-US" smtClean="0"/>
-              <a:t>2020/12/27</a:t>
+              <a:t>2021/9/24</a:t>
             </a:fld>
             <a:endParaRPr lang="zh-TW" altLang="en-US"/>
           </a:p>
@@ -2469,7 +2469,7 @@
           <a:p>
             <a:fld id="{1C04B068-0BC1-4366-925A-40167D424D2E}" type="datetimeFigureOut">
               <a:rPr lang="zh-TW" altLang="en-US" smtClean="0"/>
-              <a:t>2020/12/27</a:t>
+              <a:t>2021/9/24</a:t>
             </a:fld>
             <a:endParaRPr lang="zh-TW" altLang="en-US"/>
           </a:p>
@@ -2639,7 +2639,7 @@
           <a:p>
             <a:fld id="{1C04B068-0BC1-4366-925A-40167D424D2E}" type="datetimeFigureOut">
               <a:rPr lang="zh-TW" altLang="en-US" smtClean="0"/>
-              <a:t>2020/12/27</a:t>
+              <a:t>2021/9/24</a:t>
             </a:fld>
             <a:endParaRPr lang="zh-TW" altLang="en-US"/>
           </a:p>
@@ -2819,7 +2819,7 @@
           <a:p>
             <a:fld id="{1C04B068-0BC1-4366-925A-40167D424D2E}" type="datetimeFigureOut">
               <a:rPr lang="zh-TW" altLang="en-US" smtClean="0"/>
-              <a:t>2020/12/27</a:t>
+              <a:t>2021/9/24</a:t>
             </a:fld>
             <a:endParaRPr lang="zh-TW" altLang="en-US"/>
           </a:p>
@@ -2995,7 +2995,7 @@
           <a:p>
             <a:fld id="{1C04B068-0BC1-4366-925A-40167D424D2E}" type="datetimeFigureOut">
               <a:rPr lang="zh-TW" altLang="en-US" smtClean="0"/>
-              <a:t>2020/12/27</a:t>
+              <a:t>2021/9/24</a:t>
             </a:fld>
             <a:endParaRPr lang="zh-TW" altLang="en-US"/>
           </a:p>
@@ -3242,7 +3242,7 @@
           <a:p>
             <a:fld id="{1C04B068-0BC1-4366-925A-40167D424D2E}" type="datetimeFigureOut">
               <a:rPr lang="zh-TW" altLang="en-US" smtClean="0"/>
-              <a:t>2020/12/27</a:t>
+              <a:t>2021/9/24</a:t>
             </a:fld>
             <a:endParaRPr lang="zh-TW" altLang="en-US"/>
           </a:p>
@@ -3474,7 +3474,7 @@
           <a:p>
             <a:fld id="{1C04B068-0BC1-4366-925A-40167D424D2E}" type="datetimeFigureOut">
               <a:rPr lang="zh-TW" altLang="en-US" smtClean="0"/>
-              <a:t>2020/12/27</a:t>
+              <a:t>2021/9/24</a:t>
             </a:fld>
             <a:endParaRPr lang="zh-TW" altLang="en-US"/>
           </a:p>
@@ -3848,7 +3848,7 @@
           <a:p>
             <a:fld id="{1C04B068-0BC1-4366-925A-40167D424D2E}" type="datetimeFigureOut">
               <a:rPr lang="zh-TW" altLang="en-US" smtClean="0"/>
-              <a:t>2020/12/27</a:t>
+              <a:t>2021/9/24</a:t>
             </a:fld>
             <a:endParaRPr lang="zh-TW" altLang="en-US"/>
           </a:p>
@@ -3971,7 +3971,7 @@
           <a:p>
             <a:fld id="{1C04B068-0BC1-4366-925A-40167D424D2E}" type="datetimeFigureOut">
               <a:rPr lang="zh-TW" altLang="en-US" smtClean="0"/>
-              <a:t>2020/12/27</a:t>
+              <a:t>2021/9/24</a:t>
             </a:fld>
             <a:endParaRPr lang="zh-TW" altLang="en-US"/>
           </a:p>
@@ -4066,7 +4066,7 @@
           <a:p>
             <a:fld id="{1C04B068-0BC1-4366-925A-40167D424D2E}" type="datetimeFigureOut">
               <a:rPr lang="zh-TW" altLang="en-US" smtClean="0"/>
-              <a:t>2020/12/27</a:t>
+              <a:t>2021/9/24</a:t>
             </a:fld>
             <a:endParaRPr lang="zh-TW" altLang="en-US"/>
           </a:p>
@@ -4321,7 +4321,7 @@
           <a:p>
             <a:fld id="{1C04B068-0BC1-4366-925A-40167D424D2E}" type="datetimeFigureOut">
               <a:rPr lang="zh-TW" altLang="en-US" smtClean="0"/>
-              <a:t>2020/12/27</a:t>
+              <a:t>2021/9/24</a:t>
             </a:fld>
             <a:endParaRPr lang="zh-TW" altLang="en-US"/>
           </a:p>
@@ -4584,7 +4584,7 @@
           <a:p>
             <a:fld id="{1C04B068-0BC1-4366-925A-40167D424D2E}" type="datetimeFigureOut">
               <a:rPr lang="zh-TW" altLang="en-US" smtClean="0"/>
-              <a:t>2020/12/27</a:t>
+              <a:t>2021/9/24</a:t>
             </a:fld>
             <a:endParaRPr lang="zh-TW" altLang="en-US"/>
           </a:p>
@@ -5327,7 +5327,7 @@
           <a:p>
             <a:fld id="{1C04B068-0BC1-4366-925A-40167D424D2E}" type="datetimeFigureOut">
               <a:rPr lang="zh-TW" altLang="en-US" smtClean="0"/>
-              <a:t>2020/12/27</a:t>
+              <a:t>2021/9/24</a:t>
             </a:fld>
             <a:endParaRPr lang="zh-TW" altLang="en-US"/>
           </a:p>
@@ -5450,6 +5450,129 @@
           </a:extLst>
         </p:spPr>
       </p:pic>
+      <p:sp>
+        <p:nvSpPr>
+          <p:cNvPr id="19" name="矩形 18"/>
+          <p:cNvSpPr/>
+          <p:nvPr userDrawn="1"/>
+        </p:nvSpPr>
+        <p:spPr>
+          <a:xfrm>
+            <a:off x="379705" y="6488668"/>
+            <a:ext cx="2728632" cy="369332"/>
+          </a:xfrm>
+          <a:prstGeom prst="rect">
+            <a:avLst/>
+          </a:prstGeom>
+        </p:spPr>
+        <p:txBody>
+          <a:bodyPr wrap="none">
+            <a:spAutoFit/>
+          </a:bodyPr>
+          <a:lstStyle>
+            <a:defPPr>
+              <a:defRPr lang="en-US"/>
+            </a:defPPr>
+            <a:lvl1pPr marL="0" algn="l" defTabSz="457200" rtl="0" eaLnBrk="1" latinLnBrk="0" hangingPunct="1">
+              <a:defRPr sz="1800" kern="1200">
+                <a:solidFill>
+                  <a:schemeClr val="tx1"/>
+                </a:solidFill>
+                <a:latin typeface="+mn-lt"/>
+                <a:ea typeface="+mn-ea"/>
+                <a:cs typeface="+mn-cs"/>
+              </a:defRPr>
+            </a:lvl1pPr>
+            <a:lvl2pPr marL="457200" algn="l" defTabSz="457200" rtl="0" eaLnBrk="1" latinLnBrk="0" hangingPunct="1">
+              <a:defRPr sz="1800" kern="1200">
+                <a:solidFill>
+                  <a:schemeClr val="tx1"/>
+                </a:solidFill>
+                <a:latin typeface="+mn-lt"/>
+                <a:ea typeface="+mn-ea"/>
+                <a:cs typeface="+mn-cs"/>
+              </a:defRPr>
+            </a:lvl2pPr>
+            <a:lvl3pPr marL="914400" algn="l" defTabSz="457200" rtl="0" eaLnBrk="1" latinLnBrk="0" hangingPunct="1">
+              <a:defRPr sz="1800" kern="1200">
+                <a:solidFill>
+                  <a:schemeClr val="tx1"/>
+                </a:solidFill>
+                <a:latin typeface="+mn-lt"/>
+                <a:ea typeface="+mn-ea"/>
+                <a:cs typeface="+mn-cs"/>
+              </a:defRPr>
+            </a:lvl3pPr>
+            <a:lvl4pPr marL="1371600" algn="l" defTabSz="457200" rtl="0" eaLnBrk="1" latinLnBrk="0" hangingPunct="1">
+              <a:defRPr sz="1800" kern="1200">
+                <a:solidFill>
+                  <a:schemeClr val="tx1"/>
+                </a:solidFill>
+                <a:latin typeface="+mn-lt"/>
+                <a:ea typeface="+mn-ea"/>
+                <a:cs typeface="+mn-cs"/>
+              </a:defRPr>
+            </a:lvl4pPr>
+            <a:lvl5pPr marL="1828800" algn="l" defTabSz="457200" rtl="0" eaLnBrk="1" latinLnBrk="0" hangingPunct="1">
+              <a:defRPr sz="1800" kern="1200">
+                <a:solidFill>
+                  <a:schemeClr val="tx1"/>
+                </a:solidFill>
+                <a:latin typeface="+mn-lt"/>
+                <a:ea typeface="+mn-ea"/>
+                <a:cs typeface="+mn-cs"/>
+              </a:defRPr>
+            </a:lvl5pPr>
+            <a:lvl6pPr marL="2286000" algn="l" defTabSz="457200" rtl="0" eaLnBrk="1" latinLnBrk="0" hangingPunct="1">
+              <a:defRPr sz="1800" kern="1200">
+                <a:solidFill>
+                  <a:schemeClr val="tx1"/>
+                </a:solidFill>
+                <a:latin typeface="+mn-lt"/>
+                <a:ea typeface="+mn-ea"/>
+                <a:cs typeface="+mn-cs"/>
+              </a:defRPr>
+            </a:lvl6pPr>
+            <a:lvl7pPr marL="2743200" algn="l" defTabSz="457200" rtl="0" eaLnBrk="1" latinLnBrk="0" hangingPunct="1">
+              <a:defRPr sz="1800" kern="1200">
+                <a:solidFill>
+                  <a:schemeClr val="tx1"/>
+                </a:solidFill>
+                <a:latin typeface="+mn-lt"/>
+                <a:ea typeface="+mn-ea"/>
+                <a:cs typeface="+mn-cs"/>
+              </a:defRPr>
+            </a:lvl7pPr>
+            <a:lvl8pPr marL="3200400" algn="l" defTabSz="457200" rtl="0" eaLnBrk="1" latinLnBrk="0" hangingPunct="1">
+              <a:defRPr sz="1800" kern="1200">
+                <a:solidFill>
+                  <a:schemeClr val="tx1"/>
+                </a:solidFill>
+                <a:latin typeface="+mn-lt"/>
+                <a:ea typeface="+mn-ea"/>
+                <a:cs typeface="+mn-cs"/>
+              </a:defRPr>
+            </a:lvl8pPr>
+            <a:lvl9pPr marL="3657600" algn="l" defTabSz="457200" rtl="0" eaLnBrk="1" latinLnBrk="0" hangingPunct="1">
+              <a:defRPr sz="1800" kern="1200">
+                <a:solidFill>
+                  <a:schemeClr val="tx1"/>
+                </a:solidFill>
+                <a:latin typeface="+mn-lt"/>
+                <a:ea typeface="+mn-ea"/>
+                <a:cs typeface="+mn-cs"/>
+              </a:defRPr>
+            </a:lvl9pPr>
+          </a:lstStyle>
+          <a:p>
+            <a:r>
+              <a:rPr lang="zh-TW" altLang="en-US" dirty="0" smtClean="0"/>
+              <a:t>https://reurl.cc/522ARv</a:t>
+            </a:r>
+            <a:endParaRPr lang="zh-TW" altLang="en-US" dirty="0"/>
+          </a:p>
+        </p:txBody>
+      </p:sp>
     </p:spTree>
     <p:extLst>
       <p:ext uri="{BB962C8B-B14F-4D97-AF65-F5344CB8AC3E}">
@@ -5969,7 +6092,7 @@
             <a:pPr algn="r"/>
             <a:fld id="{DA74FC97-8647-474D-B375-8E81E8B358FB}" type="datetime4">
               <a:rPr lang="zh-TW" altLang="zh-TW"/>
-              <a:t>109年12月27日星期日</a:t>
+              <a:t>110年9月24日星期五</a:t>
             </a:fld>
             <a:endParaRPr lang="zh-TW" altLang="en-US" dirty="0"/>
           </a:p>
@@ -6468,11 +6591,7 @@
           <a:p>
             <a:r>
               <a:rPr lang="zh-TW" altLang="en-US" dirty="0" smtClean="0"/>
-              <a:t>練習一流程圖</a:t>
-            </a:r>
-            <a:r>
-              <a:rPr lang="zh-TW" altLang="en-US" dirty="0" smtClean="0"/>
-              <a:t>的畫法如右。</a:t>
+              <a:t>練習一流程圖的畫法如右。</a:t>
             </a:r>
             <a:endParaRPr lang="zh-TW" altLang="en-US" dirty="0"/>
           </a:p>

--- a/LCC/Java/02_再嚐Java Coffee_運算思維.pptx
+++ b/LCC/Java/02_再嚐Java Coffee_運算思維.pptx
@@ -856,7 +856,7 @@
           <a:p>
             <a:fld id="{1C04B068-0BC1-4366-925A-40167D424D2E}" type="datetimeFigureOut">
               <a:rPr lang="zh-TW" altLang="en-US" smtClean="0"/>
-              <a:t>2021/9/24</a:t>
+              <a:t>2022/1/12</a:t>
             </a:fld>
             <a:endParaRPr lang="zh-TW" altLang="en-US"/>
           </a:p>
@@ -1107,7 +1107,7 @@
           <a:p>
             <a:fld id="{1C04B068-0BC1-4366-925A-40167D424D2E}" type="datetimeFigureOut">
               <a:rPr lang="zh-TW" altLang="en-US" smtClean="0"/>
-              <a:t>2021/9/24</a:t>
+              <a:t>2022/1/12</a:t>
             </a:fld>
             <a:endParaRPr lang="zh-TW" altLang="en-US"/>
           </a:p>
@@ -1421,7 +1421,7 @@
           <a:p>
             <a:fld id="{1C04B068-0BC1-4366-925A-40167D424D2E}" type="datetimeFigureOut">
               <a:rPr lang="zh-TW" altLang="en-US" smtClean="0"/>
-              <a:t>2021/9/24</a:t>
+              <a:t>2022/1/12</a:t>
             </a:fld>
             <a:endParaRPr lang="zh-TW" altLang="en-US"/>
           </a:p>
@@ -1762,7 +1762,7 @@
           <a:p>
             <a:fld id="{1C04B068-0BC1-4366-925A-40167D424D2E}" type="datetimeFigureOut">
               <a:rPr lang="zh-TW" altLang="en-US" smtClean="0"/>
-              <a:t>2021/9/24</a:t>
+              <a:t>2022/1/12</a:t>
             </a:fld>
             <a:endParaRPr lang="zh-TW" altLang="en-US"/>
           </a:p>
@@ -2076,7 +2076,7 @@
           <a:p>
             <a:fld id="{1C04B068-0BC1-4366-925A-40167D424D2E}" type="datetimeFigureOut">
               <a:rPr lang="zh-TW" altLang="en-US" smtClean="0"/>
-              <a:t>2021/9/24</a:t>
+              <a:t>2022/1/12</a:t>
             </a:fld>
             <a:endParaRPr lang="zh-TW" altLang="en-US"/>
           </a:p>
@@ -2469,7 +2469,7 @@
           <a:p>
             <a:fld id="{1C04B068-0BC1-4366-925A-40167D424D2E}" type="datetimeFigureOut">
               <a:rPr lang="zh-TW" altLang="en-US" smtClean="0"/>
-              <a:t>2021/9/24</a:t>
+              <a:t>2022/1/12</a:t>
             </a:fld>
             <a:endParaRPr lang="zh-TW" altLang="en-US"/>
           </a:p>
@@ -2639,7 +2639,7 @@
           <a:p>
             <a:fld id="{1C04B068-0BC1-4366-925A-40167D424D2E}" type="datetimeFigureOut">
               <a:rPr lang="zh-TW" altLang="en-US" smtClean="0"/>
-              <a:t>2021/9/24</a:t>
+              <a:t>2022/1/12</a:t>
             </a:fld>
             <a:endParaRPr lang="zh-TW" altLang="en-US"/>
           </a:p>
@@ -2819,7 +2819,7 @@
           <a:p>
             <a:fld id="{1C04B068-0BC1-4366-925A-40167D424D2E}" type="datetimeFigureOut">
               <a:rPr lang="zh-TW" altLang="en-US" smtClean="0"/>
-              <a:t>2021/9/24</a:t>
+              <a:t>2022/1/12</a:t>
             </a:fld>
             <a:endParaRPr lang="zh-TW" altLang="en-US"/>
           </a:p>
@@ -2995,7 +2995,7 @@
           <a:p>
             <a:fld id="{1C04B068-0BC1-4366-925A-40167D424D2E}" type="datetimeFigureOut">
               <a:rPr lang="zh-TW" altLang="en-US" smtClean="0"/>
-              <a:t>2021/9/24</a:t>
+              <a:t>2022/1/12</a:t>
             </a:fld>
             <a:endParaRPr lang="zh-TW" altLang="en-US"/>
           </a:p>
@@ -3242,7 +3242,7 @@
           <a:p>
             <a:fld id="{1C04B068-0BC1-4366-925A-40167D424D2E}" type="datetimeFigureOut">
               <a:rPr lang="zh-TW" altLang="en-US" smtClean="0"/>
-              <a:t>2021/9/24</a:t>
+              <a:t>2022/1/12</a:t>
             </a:fld>
             <a:endParaRPr lang="zh-TW" altLang="en-US"/>
           </a:p>
@@ -3474,7 +3474,7 @@
           <a:p>
             <a:fld id="{1C04B068-0BC1-4366-925A-40167D424D2E}" type="datetimeFigureOut">
               <a:rPr lang="zh-TW" altLang="en-US" smtClean="0"/>
-              <a:t>2021/9/24</a:t>
+              <a:t>2022/1/12</a:t>
             </a:fld>
             <a:endParaRPr lang="zh-TW" altLang="en-US"/>
           </a:p>
@@ -3848,7 +3848,7 @@
           <a:p>
             <a:fld id="{1C04B068-0BC1-4366-925A-40167D424D2E}" type="datetimeFigureOut">
               <a:rPr lang="zh-TW" altLang="en-US" smtClean="0"/>
-              <a:t>2021/9/24</a:t>
+              <a:t>2022/1/12</a:t>
             </a:fld>
             <a:endParaRPr lang="zh-TW" altLang="en-US"/>
           </a:p>
@@ -3971,7 +3971,7 @@
           <a:p>
             <a:fld id="{1C04B068-0BC1-4366-925A-40167D424D2E}" type="datetimeFigureOut">
               <a:rPr lang="zh-TW" altLang="en-US" smtClean="0"/>
-              <a:t>2021/9/24</a:t>
+              <a:t>2022/1/12</a:t>
             </a:fld>
             <a:endParaRPr lang="zh-TW" altLang="en-US"/>
           </a:p>
@@ -4066,7 +4066,7 @@
           <a:p>
             <a:fld id="{1C04B068-0BC1-4366-925A-40167D424D2E}" type="datetimeFigureOut">
               <a:rPr lang="zh-TW" altLang="en-US" smtClean="0"/>
-              <a:t>2021/9/24</a:t>
+              <a:t>2022/1/12</a:t>
             </a:fld>
             <a:endParaRPr lang="zh-TW" altLang="en-US"/>
           </a:p>
@@ -4321,7 +4321,7 @@
           <a:p>
             <a:fld id="{1C04B068-0BC1-4366-925A-40167D424D2E}" type="datetimeFigureOut">
               <a:rPr lang="zh-TW" altLang="en-US" smtClean="0"/>
-              <a:t>2021/9/24</a:t>
+              <a:t>2022/1/12</a:t>
             </a:fld>
             <a:endParaRPr lang="zh-TW" altLang="en-US"/>
           </a:p>
@@ -4584,7 +4584,7 @@
           <a:p>
             <a:fld id="{1C04B068-0BC1-4366-925A-40167D424D2E}" type="datetimeFigureOut">
               <a:rPr lang="zh-TW" altLang="en-US" smtClean="0"/>
-              <a:t>2021/9/24</a:t>
+              <a:t>2022/1/12</a:t>
             </a:fld>
             <a:endParaRPr lang="zh-TW" altLang="en-US"/>
           </a:p>
@@ -5327,7 +5327,7 @@
           <a:p>
             <a:fld id="{1C04B068-0BC1-4366-925A-40167D424D2E}" type="datetimeFigureOut">
               <a:rPr lang="zh-TW" altLang="en-US" smtClean="0"/>
-              <a:t>2021/9/24</a:t>
+              <a:t>2022/1/12</a:t>
             </a:fld>
             <a:endParaRPr lang="zh-TW" altLang="en-US"/>
           </a:p>
@@ -5459,7 +5459,7 @@
         <p:spPr>
           <a:xfrm>
             <a:off x="379705" y="6488668"/>
-            <a:ext cx="2728632" cy="369332"/>
+            <a:ext cx="2800767" cy="369332"/>
           </a:xfrm>
           <a:prstGeom prst="rect">
             <a:avLst/>
@@ -5566,8 +5566,8 @@
           </a:lstStyle>
           <a:p>
             <a:r>
-              <a:rPr lang="zh-TW" altLang="en-US" dirty="0" smtClean="0"/>
-              <a:t>https://reurl.cc/522ARv</a:t>
+              <a:rPr lang="fr-FR" altLang="zh-TW" dirty="0" smtClean="0"/>
+              <a:t>https://reurl.cc/2Dom14</a:t>
             </a:r>
             <a:endParaRPr lang="zh-TW" altLang="en-US" dirty="0"/>
           </a:p>
@@ -6092,7 +6092,7 @@
             <a:pPr algn="r"/>
             <a:fld id="{DA74FC97-8647-474D-B375-8E81E8B358FB}" type="datetime4">
               <a:rPr lang="zh-TW" altLang="zh-TW"/>
-              <a:t>110年9月24日星期五</a:t>
+              <a:t>111年1月12日星期三</a:t>
             </a:fld>
             <a:endParaRPr lang="zh-TW" altLang="en-US" dirty="0"/>
           </a:p>
@@ -6139,6 +6139,159 @@
           </a:extLst>
         </p:spPr>
       </p:pic>
+      <p:pic>
+        <p:nvPicPr>
+          <p:cNvPr id="5" name="圖片 4"/>
+          <p:cNvPicPr>
+            <a:picLocks noChangeAspect="1"/>
+          </p:cNvPicPr>
+          <p:nvPr/>
+        </p:nvPicPr>
+        <p:blipFill>
+          <a:blip r:embed="rId3">
+            <a:extLst>
+              <a:ext uri="{28A0092B-C50C-407E-A947-70E740481C1C}">
+                <a14:useLocalDpi xmlns:a14="http://schemas.microsoft.com/office/drawing/2010/main" val="0"/>
+              </a:ext>
+            </a:extLst>
+          </a:blip>
+          <a:stretch>
+            <a:fillRect/>
+          </a:stretch>
+        </p:blipFill>
+        <p:spPr>
+          <a:xfrm>
+            <a:off x="927354" y="457267"/>
+            <a:ext cx="1428750" cy="1428750"/>
+          </a:xfrm>
+          <a:prstGeom prst="rect">
+            <a:avLst/>
+          </a:prstGeom>
+        </p:spPr>
+      </p:pic>
+      <p:sp>
+        <p:nvSpPr>
+          <p:cNvPr id="6" name="矩形 5"/>
+          <p:cNvSpPr/>
+          <p:nvPr/>
+        </p:nvSpPr>
+        <p:spPr>
+          <a:xfrm>
+            <a:off x="827704" y="87935"/>
+            <a:ext cx="2800767" cy="369332"/>
+          </a:xfrm>
+          <a:prstGeom prst="rect">
+            <a:avLst/>
+          </a:prstGeom>
+        </p:spPr>
+        <p:txBody>
+          <a:bodyPr wrap="none">
+            <a:spAutoFit/>
+          </a:bodyPr>
+          <a:lstStyle>
+            <a:defPPr>
+              <a:defRPr lang="en-US"/>
+            </a:defPPr>
+            <a:lvl1pPr marL="0" algn="l" defTabSz="457200" rtl="0" eaLnBrk="1" latinLnBrk="0" hangingPunct="1">
+              <a:defRPr sz="1800" kern="1200">
+                <a:solidFill>
+                  <a:schemeClr val="tx1"/>
+                </a:solidFill>
+                <a:latin typeface="+mn-lt"/>
+                <a:ea typeface="+mn-ea"/>
+                <a:cs typeface="+mn-cs"/>
+              </a:defRPr>
+            </a:lvl1pPr>
+            <a:lvl2pPr marL="457200" algn="l" defTabSz="457200" rtl="0" eaLnBrk="1" latinLnBrk="0" hangingPunct="1">
+              <a:defRPr sz="1800" kern="1200">
+                <a:solidFill>
+                  <a:schemeClr val="tx1"/>
+                </a:solidFill>
+                <a:latin typeface="+mn-lt"/>
+                <a:ea typeface="+mn-ea"/>
+                <a:cs typeface="+mn-cs"/>
+              </a:defRPr>
+            </a:lvl2pPr>
+            <a:lvl3pPr marL="914400" algn="l" defTabSz="457200" rtl="0" eaLnBrk="1" latinLnBrk="0" hangingPunct="1">
+              <a:defRPr sz="1800" kern="1200">
+                <a:solidFill>
+                  <a:schemeClr val="tx1"/>
+                </a:solidFill>
+                <a:latin typeface="+mn-lt"/>
+                <a:ea typeface="+mn-ea"/>
+                <a:cs typeface="+mn-cs"/>
+              </a:defRPr>
+            </a:lvl3pPr>
+            <a:lvl4pPr marL="1371600" algn="l" defTabSz="457200" rtl="0" eaLnBrk="1" latinLnBrk="0" hangingPunct="1">
+              <a:defRPr sz="1800" kern="1200">
+                <a:solidFill>
+                  <a:schemeClr val="tx1"/>
+                </a:solidFill>
+                <a:latin typeface="+mn-lt"/>
+                <a:ea typeface="+mn-ea"/>
+                <a:cs typeface="+mn-cs"/>
+              </a:defRPr>
+            </a:lvl4pPr>
+            <a:lvl5pPr marL="1828800" algn="l" defTabSz="457200" rtl="0" eaLnBrk="1" latinLnBrk="0" hangingPunct="1">
+              <a:defRPr sz="1800" kern="1200">
+                <a:solidFill>
+                  <a:schemeClr val="tx1"/>
+                </a:solidFill>
+                <a:latin typeface="+mn-lt"/>
+                <a:ea typeface="+mn-ea"/>
+                <a:cs typeface="+mn-cs"/>
+              </a:defRPr>
+            </a:lvl5pPr>
+            <a:lvl6pPr marL="2286000" algn="l" defTabSz="457200" rtl="0" eaLnBrk="1" latinLnBrk="0" hangingPunct="1">
+              <a:defRPr sz="1800" kern="1200">
+                <a:solidFill>
+                  <a:schemeClr val="tx1"/>
+                </a:solidFill>
+                <a:latin typeface="+mn-lt"/>
+                <a:ea typeface="+mn-ea"/>
+                <a:cs typeface="+mn-cs"/>
+              </a:defRPr>
+            </a:lvl6pPr>
+            <a:lvl7pPr marL="2743200" algn="l" defTabSz="457200" rtl="0" eaLnBrk="1" latinLnBrk="0" hangingPunct="1">
+              <a:defRPr sz="1800" kern="1200">
+                <a:solidFill>
+                  <a:schemeClr val="tx1"/>
+                </a:solidFill>
+                <a:latin typeface="+mn-lt"/>
+                <a:ea typeface="+mn-ea"/>
+                <a:cs typeface="+mn-cs"/>
+              </a:defRPr>
+            </a:lvl7pPr>
+            <a:lvl8pPr marL="3200400" algn="l" defTabSz="457200" rtl="0" eaLnBrk="1" latinLnBrk="0" hangingPunct="1">
+              <a:defRPr sz="1800" kern="1200">
+                <a:solidFill>
+                  <a:schemeClr val="tx1"/>
+                </a:solidFill>
+                <a:latin typeface="+mn-lt"/>
+                <a:ea typeface="+mn-ea"/>
+                <a:cs typeface="+mn-cs"/>
+              </a:defRPr>
+            </a:lvl8pPr>
+            <a:lvl9pPr marL="3657600" algn="l" defTabSz="457200" rtl="0" eaLnBrk="1" latinLnBrk="0" hangingPunct="1">
+              <a:defRPr sz="1800" kern="1200">
+                <a:solidFill>
+                  <a:schemeClr val="tx1"/>
+                </a:solidFill>
+                <a:latin typeface="+mn-lt"/>
+                <a:ea typeface="+mn-ea"/>
+                <a:cs typeface="+mn-cs"/>
+              </a:defRPr>
+            </a:lvl9pPr>
+          </a:lstStyle>
+          <a:p>
+            <a:r>
+              <a:rPr lang="fr-FR" altLang="zh-TW" dirty="0" smtClean="0"/>
+              <a:t>https://reurl.cc/2Dom14</a:t>
+            </a:r>
+            <a:endParaRPr lang="zh-TW" altLang="en-US" dirty="0"/>
+          </a:p>
+        </p:txBody>
+      </p:sp>
     </p:spTree>
     <p:extLst>
       <p:ext uri="{BB962C8B-B14F-4D97-AF65-F5344CB8AC3E}">

--- a/LCC/Java/02_再嚐Java Coffee_運算思維.pptx
+++ b/LCC/Java/02_再嚐Java Coffee_運算思維.pptx
@@ -6,17 +6,18 @@
   </p:sldMasterIdLst>
   <p:sldIdLst>
     <p:sldId id="256" r:id="rId2"/>
-    <p:sldId id="257" r:id="rId3"/>
-    <p:sldId id="258" r:id="rId4"/>
-    <p:sldId id="259" r:id="rId5"/>
-    <p:sldId id="260" r:id="rId6"/>
-    <p:sldId id="264" r:id="rId7"/>
-    <p:sldId id="270" r:id="rId8"/>
-    <p:sldId id="271" r:id="rId9"/>
-    <p:sldId id="261" r:id="rId10"/>
-    <p:sldId id="266" r:id="rId11"/>
-    <p:sldId id="267" r:id="rId12"/>
-    <p:sldId id="272" r:id="rId13"/>
+    <p:sldId id="273" r:id="rId3"/>
+    <p:sldId id="257" r:id="rId4"/>
+    <p:sldId id="258" r:id="rId5"/>
+    <p:sldId id="259" r:id="rId6"/>
+    <p:sldId id="260" r:id="rId7"/>
+    <p:sldId id="264" r:id="rId8"/>
+    <p:sldId id="270" r:id="rId9"/>
+    <p:sldId id="271" r:id="rId10"/>
+    <p:sldId id="261" r:id="rId11"/>
+    <p:sldId id="266" r:id="rId12"/>
+    <p:sldId id="267" r:id="rId13"/>
+    <p:sldId id="272" r:id="rId14"/>
   </p:sldIdLst>
   <p:sldSz cx="12192000" cy="6858000"/>
   <p:notesSz cx="6858000" cy="9144000"/>
@@ -856,7 +857,7 @@
           <a:p>
             <a:fld id="{1C04B068-0BC1-4366-925A-40167D424D2E}" type="datetimeFigureOut">
               <a:rPr lang="zh-TW" altLang="en-US" smtClean="0"/>
-              <a:t>2022/1/12</a:t>
+              <a:t>2022/6/12</a:t>
             </a:fld>
             <a:endParaRPr lang="zh-TW" altLang="en-US"/>
           </a:p>
@@ -1107,7 +1108,7 @@
           <a:p>
             <a:fld id="{1C04B068-0BC1-4366-925A-40167D424D2E}" type="datetimeFigureOut">
               <a:rPr lang="zh-TW" altLang="en-US" smtClean="0"/>
-              <a:t>2022/1/12</a:t>
+              <a:t>2022/6/12</a:t>
             </a:fld>
             <a:endParaRPr lang="zh-TW" altLang="en-US"/>
           </a:p>
@@ -1421,7 +1422,7 @@
           <a:p>
             <a:fld id="{1C04B068-0BC1-4366-925A-40167D424D2E}" type="datetimeFigureOut">
               <a:rPr lang="zh-TW" altLang="en-US" smtClean="0"/>
-              <a:t>2022/1/12</a:t>
+              <a:t>2022/6/12</a:t>
             </a:fld>
             <a:endParaRPr lang="zh-TW" altLang="en-US"/>
           </a:p>
@@ -1762,7 +1763,7 @@
           <a:p>
             <a:fld id="{1C04B068-0BC1-4366-925A-40167D424D2E}" type="datetimeFigureOut">
               <a:rPr lang="zh-TW" altLang="en-US" smtClean="0"/>
-              <a:t>2022/1/12</a:t>
+              <a:t>2022/6/12</a:t>
             </a:fld>
             <a:endParaRPr lang="zh-TW" altLang="en-US"/>
           </a:p>
@@ -2076,7 +2077,7 @@
           <a:p>
             <a:fld id="{1C04B068-0BC1-4366-925A-40167D424D2E}" type="datetimeFigureOut">
               <a:rPr lang="zh-TW" altLang="en-US" smtClean="0"/>
-              <a:t>2022/1/12</a:t>
+              <a:t>2022/6/12</a:t>
             </a:fld>
             <a:endParaRPr lang="zh-TW" altLang="en-US"/>
           </a:p>
@@ -2469,7 +2470,7 @@
           <a:p>
             <a:fld id="{1C04B068-0BC1-4366-925A-40167D424D2E}" type="datetimeFigureOut">
               <a:rPr lang="zh-TW" altLang="en-US" smtClean="0"/>
-              <a:t>2022/1/12</a:t>
+              <a:t>2022/6/12</a:t>
             </a:fld>
             <a:endParaRPr lang="zh-TW" altLang="en-US"/>
           </a:p>
@@ -2639,7 +2640,7 @@
           <a:p>
             <a:fld id="{1C04B068-0BC1-4366-925A-40167D424D2E}" type="datetimeFigureOut">
               <a:rPr lang="zh-TW" altLang="en-US" smtClean="0"/>
-              <a:t>2022/1/12</a:t>
+              <a:t>2022/6/12</a:t>
             </a:fld>
             <a:endParaRPr lang="zh-TW" altLang="en-US"/>
           </a:p>
@@ -2819,7 +2820,7 @@
           <a:p>
             <a:fld id="{1C04B068-0BC1-4366-925A-40167D424D2E}" type="datetimeFigureOut">
               <a:rPr lang="zh-TW" altLang="en-US" smtClean="0"/>
-              <a:t>2022/1/12</a:t>
+              <a:t>2022/6/12</a:t>
             </a:fld>
             <a:endParaRPr lang="zh-TW" altLang="en-US"/>
           </a:p>
@@ -2995,7 +2996,7 @@
           <a:p>
             <a:fld id="{1C04B068-0BC1-4366-925A-40167D424D2E}" type="datetimeFigureOut">
               <a:rPr lang="zh-TW" altLang="en-US" smtClean="0"/>
-              <a:t>2022/1/12</a:t>
+              <a:t>2022/6/12</a:t>
             </a:fld>
             <a:endParaRPr lang="zh-TW" altLang="en-US"/>
           </a:p>
@@ -3242,7 +3243,7 @@
           <a:p>
             <a:fld id="{1C04B068-0BC1-4366-925A-40167D424D2E}" type="datetimeFigureOut">
               <a:rPr lang="zh-TW" altLang="en-US" smtClean="0"/>
-              <a:t>2022/1/12</a:t>
+              <a:t>2022/6/12</a:t>
             </a:fld>
             <a:endParaRPr lang="zh-TW" altLang="en-US"/>
           </a:p>
@@ -3474,7 +3475,7 @@
           <a:p>
             <a:fld id="{1C04B068-0BC1-4366-925A-40167D424D2E}" type="datetimeFigureOut">
               <a:rPr lang="zh-TW" altLang="en-US" smtClean="0"/>
-              <a:t>2022/1/12</a:t>
+              <a:t>2022/6/12</a:t>
             </a:fld>
             <a:endParaRPr lang="zh-TW" altLang="en-US"/>
           </a:p>
@@ -3848,7 +3849,7 @@
           <a:p>
             <a:fld id="{1C04B068-0BC1-4366-925A-40167D424D2E}" type="datetimeFigureOut">
               <a:rPr lang="zh-TW" altLang="en-US" smtClean="0"/>
-              <a:t>2022/1/12</a:t>
+              <a:t>2022/6/12</a:t>
             </a:fld>
             <a:endParaRPr lang="zh-TW" altLang="en-US"/>
           </a:p>
@@ -3971,7 +3972,7 @@
           <a:p>
             <a:fld id="{1C04B068-0BC1-4366-925A-40167D424D2E}" type="datetimeFigureOut">
               <a:rPr lang="zh-TW" altLang="en-US" smtClean="0"/>
-              <a:t>2022/1/12</a:t>
+              <a:t>2022/6/12</a:t>
             </a:fld>
             <a:endParaRPr lang="zh-TW" altLang="en-US"/>
           </a:p>
@@ -4066,7 +4067,7 @@
           <a:p>
             <a:fld id="{1C04B068-0BC1-4366-925A-40167D424D2E}" type="datetimeFigureOut">
               <a:rPr lang="zh-TW" altLang="en-US" smtClean="0"/>
-              <a:t>2022/1/12</a:t>
+              <a:t>2022/6/12</a:t>
             </a:fld>
             <a:endParaRPr lang="zh-TW" altLang="en-US"/>
           </a:p>
@@ -4321,7 +4322,7 @@
           <a:p>
             <a:fld id="{1C04B068-0BC1-4366-925A-40167D424D2E}" type="datetimeFigureOut">
               <a:rPr lang="zh-TW" altLang="en-US" smtClean="0"/>
-              <a:t>2022/1/12</a:t>
+              <a:t>2022/6/12</a:t>
             </a:fld>
             <a:endParaRPr lang="zh-TW" altLang="en-US"/>
           </a:p>
@@ -4584,7 +4585,7 @@
           <a:p>
             <a:fld id="{1C04B068-0BC1-4366-925A-40167D424D2E}" type="datetimeFigureOut">
               <a:rPr lang="zh-TW" altLang="en-US" smtClean="0"/>
-              <a:t>2022/1/12</a:t>
+              <a:t>2022/6/12</a:t>
             </a:fld>
             <a:endParaRPr lang="zh-TW" altLang="en-US"/>
           </a:p>
@@ -5327,7 +5328,7 @@
           <a:p>
             <a:fld id="{1C04B068-0BC1-4366-925A-40167D424D2E}" type="datetimeFigureOut">
               <a:rPr lang="zh-TW" altLang="en-US" smtClean="0"/>
-              <a:t>2022/1/12</a:t>
+              <a:t>2022/6/12</a:t>
             </a:fld>
             <a:endParaRPr lang="zh-TW" altLang="en-US"/>
           </a:p>
@@ -6092,7 +6093,7 @@
             <a:pPr algn="r"/>
             <a:fld id="{DA74FC97-8647-474D-B375-8E81E8B358FB}" type="datetime4">
               <a:rPr lang="zh-TW" altLang="zh-TW"/>
-              <a:t>111年1月12日星期三</a:t>
+              <a:t>111年6月12日星期日</a:t>
             </a:fld>
             <a:endParaRPr lang="zh-TW" altLang="en-US" dirty="0"/>
           </a:p>
@@ -6346,26 +6347,7 @@
           <a:p>
             <a:r>
               <a:rPr lang="zh-TW" altLang="en-US" dirty="0" smtClean="0"/>
-              <a:t>運算思維</a:t>
-            </a:r>
-            <a:r>
-              <a:rPr lang="en-US" altLang="zh-TW" dirty="0" smtClean="0"/>
-              <a:t/>
-            </a:r>
-            <a:br>
-              <a:rPr lang="en-US" altLang="zh-TW" dirty="0" smtClean="0"/>
-            </a:br>
-            <a:r>
-              <a:rPr lang="en-US" altLang="zh-TW" dirty="0"/>
-              <a:t>	</a:t>
-            </a:r>
-            <a:r>
-              <a:rPr lang="en-US" altLang="zh-TW" dirty="0" smtClean="0"/>
-              <a:t>	--</a:t>
-            </a:r>
-            <a:r>
-              <a:rPr lang="zh-TW" altLang="en-US" dirty="0" smtClean="0"/>
-              <a:t>解題過程</a:t>
+              <a:t>練習三</a:t>
             </a:r>
             <a:endParaRPr lang="zh-TW" altLang="en-US" dirty="0"/>
           </a:p>
@@ -6383,114 +6365,31 @@
         </p:nvSpPr>
         <p:spPr/>
         <p:txBody>
-          <a:bodyPr>
-            <a:normAutofit/>
-          </a:bodyPr>
+          <a:bodyPr/>
           <a:lstStyle/>
           <a:p>
             <a:r>
               <a:rPr lang="zh-TW" altLang="en-US" dirty="0" smtClean="0"/>
-              <a:t>拆解問題</a:t>
-            </a:r>
-            <a:r>
-              <a:rPr lang="en-US" altLang="zh-TW" dirty="0" smtClean="0"/>
-              <a:t>(Decomposition)</a:t>
-            </a:r>
-          </a:p>
-          <a:p>
-            <a:pPr lvl="1"/>
-            <a:r>
-              <a:rPr lang="zh-TW" altLang="en-US" dirty="0"/>
-              <a:t>將資料或問題拆解成更小的部分</a:t>
-            </a:r>
-            <a:r>
-              <a:rPr lang="en-US" altLang="zh-TW" dirty="0" smtClean="0"/>
-              <a:t>(</a:t>
-            </a:r>
+              <a:t>給你十個數字，請找出最大的數字是多少？</a:t>
+            </a:r>
+            <a:endParaRPr lang="en-US" altLang="zh-TW" dirty="0" smtClean="0"/>
+          </a:p>
+          <a:p>
+            <a:endParaRPr lang="en-US" altLang="zh-TW" dirty="0"/>
+          </a:p>
+          <a:p>
             <a:r>
               <a:rPr lang="zh-TW" altLang="en-US" dirty="0" smtClean="0"/>
-              <a:t>簡化思考</a:t>
-            </a:r>
-            <a:r>
-              <a:rPr lang="en-US" altLang="zh-TW" dirty="0" smtClean="0"/>
-              <a:t>)</a:t>
-            </a:r>
-          </a:p>
-          <a:p>
-            <a:r>
-              <a:rPr lang="zh-TW" altLang="en-US" dirty="0"/>
-              <a:t>發現</a:t>
-            </a:r>
-            <a:r>
-              <a:rPr lang="zh-TW" altLang="en-US" dirty="0" smtClean="0"/>
-              <a:t>規律</a:t>
-            </a:r>
-            <a:r>
-              <a:rPr lang="en-US" altLang="zh-TW" dirty="0" smtClean="0"/>
-              <a:t>(</a:t>
-            </a:r>
-            <a:r>
-              <a:rPr lang="en-US" altLang="zh-TW" dirty="0" err="1" smtClean="0"/>
-              <a:t>Partten</a:t>
-            </a:r>
-            <a:r>
-              <a:rPr lang="en-US" altLang="zh-TW" dirty="0" smtClean="0"/>
-              <a:t> Recognition)</a:t>
-            </a:r>
-          </a:p>
-          <a:p>
-            <a:pPr lvl="1"/>
-            <a:r>
-              <a:rPr lang="zh-TW" altLang="en-US" dirty="0"/>
-              <a:t>觀察資料的模式、趨勢、或是規則等現象。</a:t>
-            </a:r>
-            <a:endParaRPr lang="en-US" altLang="zh-TW" dirty="0" smtClean="0"/>
-          </a:p>
-          <a:p>
-            <a:r>
-              <a:rPr lang="zh-TW" altLang="en-US" dirty="0" smtClean="0"/>
-              <a:t>歸納概念</a:t>
-            </a:r>
-            <a:r>
-              <a:rPr lang="en-US" altLang="zh-TW" dirty="0" smtClean="0"/>
-              <a:t>(Abstraction)</a:t>
-            </a:r>
-          </a:p>
-          <a:p>
-            <a:pPr lvl="1"/>
-            <a:r>
-              <a:rPr lang="zh-TW" altLang="en-US" dirty="0"/>
-              <a:t>歸納找出一般性通則</a:t>
-            </a:r>
-            <a:endParaRPr lang="en-US" altLang="zh-TW" dirty="0" smtClean="0"/>
-          </a:p>
-          <a:p>
-            <a:r>
-              <a:rPr lang="zh-TW" altLang="en-US" dirty="0"/>
-              <a:t>設計</a:t>
-            </a:r>
-            <a:r>
-              <a:rPr lang="zh-TW" altLang="en-US" dirty="0" smtClean="0"/>
-              <a:t>演算</a:t>
-            </a:r>
-            <a:r>
-              <a:rPr lang="en-US" altLang="zh-TW" dirty="0" smtClean="0"/>
-              <a:t>(Algorithm Design)</a:t>
-            </a:r>
-          </a:p>
-          <a:p>
-            <a:pPr lvl="1"/>
-            <a:r>
-              <a:rPr lang="zh-TW" altLang="en-US" dirty="0"/>
-              <a:t>建立一個解決問題的步驟</a:t>
-            </a:r>
+              <a:t>人怎麼思考？拆解成小步驟。</a:t>
+            </a:r>
+            <a:endParaRPr lang="zh-TW" altLang="en-US" dirty="0"/>
           </a:p>
         </p:txBody>
       </p:sp>
     </p:spTree>
     <p:extLst>
       <p:ext uri="{BB962C8B-B14F-4D97-AF65-F5344CB8AC3E}">
-        <p14:creationId xmlns:p14="http://schemas.microsoft.com/office/powerpoint/2010/main" val="892791174"/>
+        <p14:creationId xmlns:p14="http://schemas.microsoft.com/office/powerpoint/2010/main" val="3596690339"/>
       </p:ext>
     </p:extLst>
   </p:cSld>
@@ -6541,6 +6440,201 @@
           <a:p>
             <a:r>
               <a:rPr lang="zh-TW" altLang="en-US" dirty="0" smtClean="0"/>
+              <a:t>運算思維</a:t>
+            </a:r>
+            <a:r>
+              <a:rPr lang="en-US" altLang="zh-TW" dirty="0" smtClean="0"/>
+              <a:t/>
+            </a:r>
+            <a:br>
+              <a:rPr lang="en-US" altLang="zh-TW" dirty="0" smtClean="0"/>
+            </a:br>
+            <a:r>
+              <a:rPr lang="en-US" altLang="zh-TW" dirty="0"/>
+              <a:t>	</a:t>
+            </a:r>
+            <a:r>
+              <a:rPr lang="en-US" altLang="zh-TW" dirty="0" smtClean="0"/>
+              <a:t>	--</a:t>
+            </a:r>
+            <a:r>
+              <a:rPr lang="zh-TW" altLang="en-US" dirty="0" smtClean="0"/>
+              <a:t>解題過程</a:t>
+            </a:r>
+            <a:endParaRPr lang="zh-TW" altLang="en-US" dirty="0"/>
+          </a:p>
+        </p:txBody>
+      </p:sp>
+      <p:sp>
+        <p:nvSpPr>
+          <p:cNvPr id="3" name="內容版面配置區 2"/>
+          <p:cNvSpPr>
+            <a:spLocks noGrp="1"/>
+          </p:cNvSpPr>
+          <p:nvPr>
+            <p:ph idx="1"/>
+          </p:nvPr>
+        </p:nvSpPr>
+        <p:spPr/>
+        <p:txBody>
+          <a:bodyPr>
+            <a:normAutofit/>
+          </a:bodyPr>
+          <a:lstStyle/>
+          <a:p>
+            <a:r>
+              <a:rPr lang="zh-TW" altLang="en-US" dirty="0" smtClean="0"/>
+              <a:t>拆解問題</a:t>
+            </a:r>
+            <a:r>
+              <a:rPr lang="en-US" altLang="zh-TW" dirty="0" smtClean="0"/>
+              <a:t>(Decomposition)</a:t>
+            </a:r>
+          </a:p>
+          <a:p>
+            <a:pPr lvl="1"/>
+            <a:r>
+              <a:rPr lang="zh-TW" altLang="en-US" dirty="0"/>
+              <a:t>將資料或問題拆解成更小的部分</a:t>
+            </a:r>
+            <a:r>
+              <a:rPr lang="en-US" altLang="zh-TW" dirty="0" smtClean="0"/>
+              <a:t>(</a:t>
+            </a:r>
+            <a:r>
+              <a:rPr lang="zh-TW" altLang="en-US" dirty="0" smtClean="0"/>
+              <a:t>簡化思考</a:t>
+            </a:r>
+            <a:r>
+              <a:rPr lang="en-US" altLang="zh-TW" dirty="0" smtClean="0"/>
+              <a:t>)</a:t>
+            </a:r>
+          </a:p>
+          <a:p>
+            <a:r>
+              <a:rPr lang="zh-TW" altLang="en-US" dirty="0"/>
+              <a:t>發現</a:t>
+            </a:r>
+            <a:r>
+              <a:rPr lang="zh-TW" altLang="en-US" dirty="0" smtClean="0"/>
+              <a:t>規律</a:t>
+            </a:r>
+            <a:r>
+              <a:rPr lang="en-US" altLang="zh-TW" dirty="0" smtClean="0"/>
+              <a:t>(</a:t>
+            </a:r>
+            <a:r>
+              <a:rPr lang="en-US" altLang="zh-TW" dirty="0" err="1" smtClean="0"/>
+              <a:t>Partten</a:t>
+            </a:r>
+            <a:r>
+              <a:rPr lang="en-US" altLang="zh-TW" dirty="0" smtClean="0"/>
+              <a:t> Recognition)</a:t>
+            </a:r>
+          </a:p>
+          <a:p>
+            <a:pPr lvl="1"/>
+            <a:r>
+              <a:rPr lang="zh-TW" altLang="en-US" dirty="0"/>
+              <a:t>觀察資料的模式、趨勢、或是規則等現象。</a:t>
+            </a:r>
+            <a:endParaRPr lang="en-US" altLang="zh-TW" dirty="0" smtClean="0"/>
+          </a:p>
+          <a:p>
+            <a:r>
+              <a:rPr lang="zh-TW" altLang="en-US" dirty="0" smtClean="0"/>
+              <a:t>歸納概念</a:t>
+            </a:r>
+            <a:r>
+              <a:rPr lang="en-US" altLang="zh-TW" dirty="0" smtClean="0"/>
+              <a:t>(Abstraction)</a:t>
+            </a:r>
+          </a:p>
+          <a:p>
+            <a:pPr lvl="1"/>
+            <a:r>
+              <a:rPr lang="zh-TW" altLang="en-US" dirty="0"/>
+              <a:t>歸納找出一般性通則</a:t>
+            </a:r>
+            <a:endParaRPr lang="en-US" altLang="zh-TW" dirty="0" smtClean="0"/>
+          </a:p>
+          <a:p>
+            <a:r>
+              <a:rPr lang="zh-TW" altLang="en-US" dirty="0"/>
+              <a:t>設計</a:t>
+            </a:r>
+            <a:r>
+              <a:rPr lang="zh-TW" altLang="en-US" dirty="0" smtClean="0"/>
+              <a:t>演算</a:t>
+            </a:r>
+            <a:r>
+              <a:rPr lang="en-US" altLang="zh-TW" dirty="0" smtClean="0"/>
+              <a:t>(Algorithm Design)</a:t>
+            </a:r>
+          </a:p>
+          <a:p>
+            <a:pPr lvl="1"/>
+            <a:r>
+              <a:rPr lang="zh-TW" altLang="en-US" dirty="0"/>
+              <a:t>建立一個解決問題的步驟</a:t>
+            </a:r>
+          </a:p>
+        </p:txBody>
+      </p:sp>
+    </p:spTree>
+    <p:extLst>
+      <p:ext uri="{BB962C8B-B14F-4D97-AF65-F5344CB8AC3E}">
+        <p14:creationId xmlns:p14="http://schemas.microsoft.com/office/powerpoint/2010/main" val="892791174"/>
+      </p:ext>
+    </p:extLst>
+  </p:cSld>
+  <p:clrMapOvr>
+    <a:masterClrMapping/>
+  </p:clrMapOvr>
+  <p:timing>
+    <p:tnLst>
+      <p:par>
+        <p:cTn id="1" dur="indefinite" restart="never" nodeType="tmRoot"/>
+      </p:par>
+    </p:tnLst>
+  </p:timing>
+</p:sld>
+</file>
+
+<file path=ppt/slides/slide12.xml><?xml version="1.0" encoding="utf-8"?>
+<p:sld xmlns:a="http://schemas.openxmlformats.org/drawingml/2006/main" xmlns:r="http://schemas.openxmlformats.org/officeDocument/2006/relationships" xmlns:p="http://schemas.openxmlformats.org/presentationml/2006/main">
+  <p:cSld>
+    <p:spTree>
+      <p:nvGrpSpPr>
+        <p:cNvPr id="1" name=""/>
+        <p:cNvGrpSpPr/>
+        <p:nvPr/>
+      </p:nvGrpSpPr>
+      <p:grpSpPr>
+        <a:xfrm>
+          <a:off x="0" y="0"/>
+          <a:ext cx="0" cy="0"/>
+          <a:chOff x="0" y="0"/>
+          <a:chExt cx="0" cy="0"/>
+        </a:xfrm>
+      </p:grpSpPr>
+      <p:sp>
+        <p:nvSpPr>
+          <p:cNvPr id="2" name="標題 1"/>
+          <p:cNvSpPr>
+            <a:spLocks noGrp="1"/>
+          </p:cNvSpPr>
+          <p:nvPr>
+            <p:ph type="title"/>
+          </p:nvPr>
+        </p:nvSpPr>
+        <p:spPr/>
+        <p:txBody>
+          <a:bodyPr/>
+          <a:lstStyle/>
+          <a:p>
+            <a:r>
+              <a:rPr lang="zh-TW" altLang="en-US" dirty="0" smtClean="0"/>
               <a:t>電腦的基本運算有哪些？</a:t>
             </a:r>
             <a:endParaRPr lang="zh-TW" altLang="en-US" dirty="0"/>
@@ -6687,7 +6781,7 @@
 </p:sld>
 </file>
 
-<file path=ppt/slides/slide12.xml><?xml version="1.0" encoding="utf-8"?>
+<file path=ppt/slides/slide13.xml><?xml version="1.0" encoding="utf-8"?>
 <p:sld xmlns:a="http://schemas.openxmlformats.org/drawingml/2006/main" xmlns:r="http://schemas.openxmlformats.org/officeDocument/2006/relationships" xmlns:p="http://schemas.openxmlformats.org/presentationml/2006/main">
   <p:cSld>
     <p:spTree>
@@ -9735,6 +9829,879 @@
       </p:grpSpPr>
       <p:sp>
         <p:nvSpPr>
+          <p:cNvPr id="16" name="圓角矩形 15"/>
+          <p:cNvSpPr/>
+          <p:nvPr/>
+        </p:nvSpPr>
+        <p:spPr>
+          <a:xfrm>
+            <a:off x="3986944" y="4737397"/>
+            <a:ext cx="2924954" cy="1835454"/>
+          </a:xfrm>
+          <a:prstGeom prst="roundRect">
+            <a:avLst/>
+          </a:prstGeom>
+          <a:solidFill>
+            <a:srgbClr val="F94DDC">
+              <a:alpha val="41961"/>
+            </a:srgbClr>
+          </a:solidFill>
+        </p:spPr>
+        <p:style>
+          <a:lnRef idx="2">
+            <a:schemeClr val="accent1">
+              <a:shade val="50000"/>
+            </a:schemeClr>
+          </a:lnRef>
+          <a:fillRef idx="1">
+            <a:schemeClr val="accent1"/>
+          </a:fillRef>
+          <a:effectRef idx="0">
+            <a:schemeClr val="accent1"/>
+          </a:effectRef>
+          <a:fontRef idx="minor">
+            <a:schemeClr val="lt1"/>
+          </a:fontRef>
+        </p:style>
+        <p:txBody>
+          <a:bodyPr rtlCol="0" anchor="ctr"/>
+          <a:lstStyle/>
+          <a:p>
+            <a:pPr algn="ctr"/>
+            <a:endParaRPr lang="zh-TW" altLang="en-US"/>
+          </a:p>
+        </p:txBody>
+      </p:sp>
+      <p:sp>
+        <p:nvSpPr>
+          <p:cNvPr id="15" name="圓角矩形 14"/>
+          <p:cNvSpPr/>
+          <p:nvPr/>
+        </p:nvSpPr>
+        <p:spPr>
+          <a:xfrm>
+            <a:off x="3985853" y="1539925"/>
+            <a:ext cx="2926045" cy="2735239"/>
+          </a:xfrm>
+          <a:prstGeom prst="roundRect">
+            <a:avLst/>
+          </a:prstGeom>
+          <a:solidFill>
+            <a:srgbClr val="F94DDC">
+              <a:alpha val="41961"/>
+            </a:srgbClr>
+          </a:solidFill>
+        </p:spPr>
+        <p:style>
+          <a:lnRef idx="2">
+            <a:schemeClr val="accent1">
+              <a:shade val="50000"/>
+            </a:schemeClr>
+          </a:lnRef>
+          <a:fillRef idx="1">
+            <a:schemeClr val="accent1"/>
+          </a:fillRef>
+          <a:effectRef idx="0">
+            <a:schemeClr val="accent1"/>
+          </a:effectRef>
+          <a:fontRef idx="minor">
+            <a:schemeClr val="lt1"/>
+          </a:fontRef>
+        </p:style>
+        <p:txBody>
+          <a:bodyPr rtlCol="0" anchor="ctr"/>
+          <a:lstStyle/>
+          <a:p>
+            <a:pPr algn="ctr"/>
+            <a:endParaRPr lang="zh-TW" altLang="en-US"/>
+          </a:p>
+        </p:txBody>
+      </p:sp>
+      <p:sp>
+        <p:nvSpPr>
+          <p:cNvPr id="14" name="圓角矩形 13"/>
+          <p:cNvSpPr/>
+          <p:nvPr/>
+        </p:nvSpPr>
+        <p:spPr>
+          <a:xfrm>
+            <a:off x="7271788" y="1930400"/>
+            <a:ext cx="2057400" cy="3812032"/>
+          </a:xfrm>
+          <a:prstGeom prst="roundRect">
+            <a:avLst/>
+          </a:prstGeom>
+          <a:solidFill>
+            <a:srgbClr val="06D8E2">
+              <a:alpha val="41961"/>
+            </a:srgbClr>
+          </a:solidFill>
+        </p:spPr>
+        <p:style>
+          <a:lnRef idx="2">
+            <a:schemeClr val="accent1">
+              <a:shade val="50000"/>
+            </a:schemeClr>
+          </a:lnRef>
+          <a:fillRef idx="1">
+            <a:schemeClr val="accent1"/>
+          </a:fillRef>
+          <a:effectRef idx="0">
+            <a:schemeClr val="accent1"/>
+          </a:effectRef>
+          <a:fontRef idx="minor">
+            <a:schemeClr val="lt1"/>
+          </a:fontRef>
+        </p:style>
+        <p:txBody>
+          <a:bodyPr rtlCol="0" anchor="ctr"/>
+          <a:lstStyle/>
+          <a:p>
+            <a:pPr algn="ctr"/>
+            <a:endParaRPr lang="zh-TW" altLang="en-US"/>
+          </a:p>
+        </p:txBody>
+      </p:sp>
+      <p:sp>
+        <p:nvSpPr>
+          <p:cNvPr id="12" name="圓角矩形 11"/>
+          <p:cNvSpPr/>
+          <p:nvPr/>
+        </p:nvSpPr>
+        <p:spPr>
+          <a:xfrm>
+            <a:off x="1444752" y="1930400"/>
+            <a:ext cx="2057400" cy="3812032"/>
+          </a:xfrm>
+          <a:prstGeom prst="roundRect">
+            <a:avLst/>
+          </a:prstGeom>
+          <a:solidFill>
+            <a:srgbClr val="A2DF09">
+              <a:alpha val="41961"/>
+            </a:srgbClr>
+          </a:solidFill>
+        </p:spPr>
+        <p:style>
+          <a:lnRef idx="2">
+            <a:schemeClr val="accent1">
+              <a:shade val="50000"/>
+            </a:schemeClr>
+          </a:lnRef>
+          <a:fillRef idx="1">
+            <a:schemeClr val="accent1"/>
+          </a:fillRef>
+          <a:effectRef idx="0">
+            <a:schemeClr val="accent1"/>
+          </a:effectRef>
+          <a:fontRef idx="minor">
+            <a:schemeClr val="lt1"/>
+          </a:fontRef>
+        </p:style>
+        <p:txBody>
+          <a:bodyPr rtlCol="0" anchor="ctr"/>
+          <a:lstStyle/>
+          <a:p>
+            <a:pPr algn="ctr"/>
+            <a:endParaRPr lang="zh-TW" altLang="en-US"/>
+          </a:p>
+        </p:txBody>
+      </p:sp>
+      <p:sp>
+        <p:nvSpPr>
+          <p:cNvPr id="2" name="標題 1"/>
+          <p:cNvSpPr>
+            <a:spLocks noGrp="1"/>
+          </p:cNvSpPr>
+          <p:nvPr>
+            <p:ph type="title"/>
+          </p:nvPr>
+        </p:nvSpPr>
+        <p:spPr/>
+        <p:txBody>
+          <a:bodyPr/>
+          <a:lstStyle/>
+          <a:p>
+            <a:r>
+              <a:rPr lang="zh-TW" altLang="en-US" dirty="0" smtClean="0"/>
+              <a:t>先認識電腦</a:t>
+            </a:r>
+            <a:endParaRPr lang="zh-TW" altLang="en-US" dirty="0"/>
+          </a:p>
+        </p:txBody>
+      </p:sp>
+      <p:pic>
+        <p:nvPicPr>
+          <p:cNvPr id="5" name="圖片 4"/>
+          <p:cNvPicPr>
+            <a:picLocks noChangeAspect="1"/>
+          </p:cNvPicPr>
+          <p:nvPr/>
+        </p:nvPicPr>
+        <p:blipFill>
+          <a:blip r:embed="rId2">
+            <a:extLst>
+              <a:ext uri="{28A0092B-C50C-407E-A947-70E740481C1C}">
+                <a14:useLocalDpi xmlns:a14="http://schemas.microsoft.com/office/drawing/2010/main" val="0"/>
+              </a:ext>
+            </a:extLst>
+          </a:blip>
+          <a:stretch>
+            <a:fillRect/>
+          </a:stretch>
+        </p:blipFill>
+        <p:spPr>
+          <a:xfrm>
+            <a:off x="1825946" y="3083880"/>
+            <a:ext cx="1505070" cy="1523289"/>
+          </a:xfrm>
+          <a:prstGeom prst="rect">
+            <a:avLst/>
+          </a:prstGeom>
+        </p:spPr>
+      </p:pic>
+      <p:pic>
+        <p:nvPicPr>
+          <p:cNvPr id="6" name="圖片 5"/>
+          <p:cNvPicPr>
+            <a:picLocks noChangeAspect="1"/>
+          </p:cNvPicPr>
+          <p:nvPr/>
+        </p:nvPicPr>
+        <p:blipFill>
+          <a:blip r:embed="rId3" cstate="print">
+            <a:extLst>
+              <a:ext uri="{28A0092B-C50C-407E-A947-70E740481C1C}">
+                <a14:useLocalDpi xmlns:a14="http://schemas.microsoft.com/office/drawing/2010/main" val="0"/>
+              </a:ext>
+            </a:extLst>
+          </a:blip>
+          <a:stretch>
+            <a:fillRect/>
+          </a:stretch>
+        </p:blipFill>
+        <p:spPr>
+          <a:xfrm>
+            <a:off x="1993362" y="2273742"/>
+            <a:ext cx="881042" cy="881042"/>
+          </a:xfrm>
+          <a:prstGeom prst="rect">
+            <a:avLst/>
+          </a:prstGeom>
+        </p:spPr>
+      </p:pic>
+      <p:pic>
+        <p:nvPicPr>
+          <p:cNvPr id="7" name="圖片 6"/>
+          <p:cNvPicPr>
+            <a:picLocks noChangeAspect="1"/>
+          </p:cNvPicPr>
+          <p:nvPr/>
+        </p:nvPicPr>
+        <p:blipFill>
+          <a:blip r:embed="rId4">
+            <a:extLst>
+              <a:ext uri="{28A0092B-C50C-407E-A947-70E740481C1C}">
+                <a14:useLocalDpi xmlns:a14="http://schemas.microsoft.com/office/drawing/2010/main" val="0"/>
+              </a:ext>
+            </a:extLst>
+          </a:blip>
+          <a:stretch>
+            <a:fillRect/>
+          </a:stretch>
+        </p:blipFill>
+        <p:spPr>
+          <a:xfrm>
+            <a:off x="7619464" y="2279759"/>
+            <a:ext cx="1219370" cy="1219370"/>
+          </a:xfrm>
+          <a:prstGeom prst="rect">
+            <a:avLst/>
+          </a:prstGeom>
+        </p:spPr>
+      </p:pic>
+      <p:pic>
+        <p:nvPicPr>
+          <p:cNvPr id="8" name="圖片 7"/>
+          <p:cNvPicPr>
+            <a:picLocks noChangeAspect="1"/>
+          </p:cNvPicPr>
+          <p:nvPr/>
+        </p:nvPicPr>
+        <p:blipFill>
+          <a:blip r:embed="rId5">
+            <a:extLst>
+              <a:ext uri="{28A0092B-C50C-407E-A947-70E740481C1C}">
+                <a14:useLocalDpi xmlns:a14="http://schemas.microsoft.com/office/drawing/2010/main" val="0"/>
+              </a:ext>
+            </a:extLst>
+          </a:blip>
+          <a:stretch>
+            <a:fillRect/>
+          </a:stretch>
+        </p:blipFill>
+        <p:spPr>
+          <a:xfrm>
+            <a:off x="2037498" y="4194346"/>
+            <a:ext cx="942587" cy="942587"/>
+          </a:xfrm>
+          <a:prstGeom prst="rect">
+            <a:avLst/>
+          </a:prstGeom>
+        </p:spPr>
+      </p:pic>
+      <p:pic>
+        <p:nvPicPr>
+          <p:cNvPr id="9" name="圖片 8"/>
+          <p:cNvPicPr>
+            <a:picLocks noChangeAspect="1"/>
+          </p:cNvPicPr>
+          <p:nvPr/>
+        </p:nvPicPr>
+        <p:blipFill>
+          <a:blip r:embed="rId6">
+            <a:extLst>
+              <a:ext uri="{28A0092B-C50C-407E-A947-70E740481C1C}">
+                <a14:useLocalDpi xmlns:a14="http://schemas.microsoft.com/office/drawing/2010/main" val="0"/>
+              </a:ext>
+            </a:extLst>
+          </a:blip>
+          <a:stretch>
+            <a:fillRect/>
+          </a:stretch>
+        </p:blipFill>
+        <p:spPr>
+          <a:xfrm>
+            <a:off x="7724030" y="3435297"/>
+            <a:ext cx="1171873" cy="1171873"/>
+          </a:xfrm>
+          <a:prstGeom prst="rect">
+            <a:avLst/>
+          </a:prstGeom>
+        </p:spPr>
+      </p:pic>
+      <p:pic>
+        <p:nvPicPr>
+          <p:cNvPr id="10" name="圖片 9"/>
+          <p:cNvPicPr>
+            <a:picLocks noChangeAspect="1"/>
+          </p:cNvPicPr>
+          <p:nvPr/>
+        </p:nvPicPr>
+        <p:blipFill>
+          <a:blip r:embed="rId7" cstate="print">
+            <a:extLst>
+              <a:ext uri="{28A0092B-C50C-407E-A947-70E740481C1C}">
+                <a14:useLocalDpi xmlns:a14="http://schemas.microsoft.com/office/drawing/2010/main" val="0"/>
+              </a:ext>
+            </a:extLst>
+          </a:blip>
+          <a:stretch>
+            <a:fillRect/>
+          </a:stretch>
+        </p:blipFill>
+        <p:spPr>
+          <a:xfrm>
+            <a:off x="4736727" y="5091213"/>
+            <a:ext cx="1019973" cy="1019973"/>
+          </a:xfrm>
+          <a:prstGeom prst="rect">
+            <a:avLst/>
+          </a:prstGeom>
+        </p:spPr>
+      </p:pic>
+      <p:pic>
+        <p:nvPicPr>
+          <p:cNvPr id="11" name="圖片 10"/>
+          <p:cNvPicPr>
+            <a:picLocks noChangeAspect="1"/>
+          </p:cNvPicPr>
+          <p:nvPr/>
+        </p:nvPicPr>
+        <p:blipFill>
+          <a:blip r:embed="rId8" cstate="print">
+            <a:extLst>
+              <a:ext uri="{28A0092B-C50C-407E-A947-70E740481C1C}">
+                <a14:useLocalDpi xmlns:a14="http://schemas.microsoft.com/office/drawing/2010/main" val="0"/>
+              </a:ext>
+            </a:extLst>
+          </a:blip>
+          <a:stretch>
+            <a:fillRect/>
+          </a:stretch>
+        </p:blipFill>
+        <p:spPr>
+          <a:xfrm>
+            <a:off x="5780441" y="5061861"/>
+            <a:ext cx="1049325" cy="1049325"/>
+          </a:xfrm>
+          <a:prstGeom prst="rect">
+            <a:avLst/>
+          </a:prstGeom>
+        </p:spPr>
+      </p:pic>
+      <p:pic>
+        <p:nvPicPr>
+          <p:cNvPr id="1026" name="Picture 2" descr="https://img.technews.tw/wp-content/uploads/2021/11/08153913/shutterstock_1978792358-624x413.jpg"/>
+          <p:cNvPicPr>
+            <a:picLocks noChangeAspect="1" noChangeArrowheads="1"/>
+          </p:cNvPicPr>
+          <p:nvPr/>
+        </p:nvPicPr>
+        <p:blipFill>
+          <a:blip r:embed="rId9" cstate="print">
+            <a:extLst>
+              <a:ext uri="{BEBA8EAE-BF5A-486C-A8C5-ECC9F3942E4B}">
+                <a14:imgProps xmlns:a14="http://schemas.microsoft.com/office/drawing/2010/main">
+                  <a14:imgLayer r:embed="rId10">
+                    <a14:imgEffect>
+                      <a14:backgroundRemoval t="242" b="98063" l="0" r="99840"/>
+                    </a14:imgEffect>
+                  </a14:imgLayer>
+                </a14:imgProps>
+              </a:ext>
+              <a:ext uri="{28A0092B-C50C-407E-A947-70E740481C1C}">
+                <a14:useLocalDpi xmlns:a14="http://schemas.microsoft.com/office/drawing/2010/main" val="0"/>
+              </a:ext>
+            </a:extLst>
+          </a:blip>
+          <a:srcRect/>
+          <a:stretch>
+            <a:fillRect/>
+          </a:stretch>
+        </p:blipFill>
+        <p:spPr bwMode="auto">
+          <a:xfrm>
+            <a:off x="3843613" y="4899469"/>
+            <a:ext cx="1400573" cy="926982"/>
+          </a:xfrm>
+          <a:prstGeom prst="rect">
+            <a:avLst/>
+          </a:prstGeom>
+          <a:noFill/>
+          <a:extLst>
+            <a:ext uri="{909E8E84-426E-40DD-AFC4-6F175D3DCCD1}">
+              <a14:hiddenFill xmlns:a14="http://schemas.microsoft.com/office/drawing/2010/main">
+                <a:solidFill>
+                  <a:srgbClr val="FFFFFF"/>
+                </a:solidFill>
+              </a14:hiddenFill>
+            </a:ext>
+          </a:extLst>
+        </p:spPr>
+      </p:pic>
+      <p:sp>
+        <p:nvSpPr>
+          <p:cNvPr id="13" name="文字方塊 12"/>
+          <p:cNvSpPr txBox="1"/>
+          <p:nvPr/>
+        </p:nvSpPr>
+        <p:spPr>
+          <a:xfrm>
+            <a:off x="1771965" y="5197945"/>
+            <a:ext cx="1415772" cy="461665"/>
+          </a:xfrm>
+          <a:prstGeom prst="rect">
+            <a:avLst/>
+          </a:prstGeom>
+          <a:noFill/>
+        </p:spPr>
+        <p:txBody>
+          <a:bodyPr wrap="none" rtlCol="0">
+            <a:spAutoFit/>
+          </a:bodyPr>
+          <a:lstStyle/>
+          <a:p>
+            <a:r>
+              <a:rPr lang="zh-TW" altLang="en-US" sz="2400" b="1" dirty="0" smtClean="0"/>
+              <a:t>輸入單元</a:t>
+            </a:r>
+            <a:endParaRPr lang="zh-TW" altLang="en-US" sz="2400" b="1" dirty="0"/>
+          </a:p>
+        </p:txBody>
+      </p:sp>
+      <p:sp>
+        <p:nvSpPr>
+          <p:cNvPr id="18" name="文字方塊 17"/>
+          <p:cNvSpPr txBox="1"/>
+          <p:nvPr/>
+        </p:nvSpPr>
+        <p:spPr>
+          <a:xfrm>
+            <a:off x="7660270" y="5067859"/>
+            <a:ext cx="1415772" cy="461665"/>
+          </a:xfrm>
+          <a:prstGeom prst="rect">
+            <a:avLst/>
+          </a:prstGeom>
+          <a:noFill/>
+        </p:spPr>
+        <p:txBody>
+          <a:bodyPr wrap="none" rtlCol="0">
+            <a:spAutoFit/>
+          </a:bodyPr>
+          <a:lstStyle/>
+          <a:p>
+            <a:r>
+              <a:rPr lang="zh-TW" altLang="en-US" sz="2400" b="1" dirty="0" smtClean="0"/>
+              <a:t>輸出單元</a:t>
+            </a:r>
+            <a:endParaRPr lang="zh-TW" altLang="en-US" sz="2400" b="1" dirty="0"/>
+          </a:p>
+        </p:txBody>
+      </p:sp>
+      <p:sp>
+        <p:nvSpPr>
+          <p:cNvPr id="19" name="文字方塊 18"/>
+          <p:cNvSpPr txBox="1"/>
+          <p:nvPr/>
+        </p:nvSpPr>
+        <p:spPr>
+          <a:xfrm>
+            <a:off x="4757641" y="6111186"/>
+            <a:ext cx="1415772" cy="461665"/>
+          </a:xfrm>
+          <a:prstGeom prst="rect">
+            <a:avLst/>
+          </a:prstGeom>
+          <a:noFill/>
+        </p:spPr>
+        <p:txBody>
+          <a:bodyPr wrap="none" rtlCol="0">
+            <a:spAutoFit/>
+          </a:bodyPr>
+          <a:lstStyle/>
+          <a:p>
+            <a:r>
+              <a:rPr lang="zh-TW" altLang="en-US" sz="2400" b="1" dirty="0" smtClean="0"/>
+              <a:t>記憶單元</a:t>
+            </a:r>
+            <a:endParaRPr lang="zh-TW" altLang="en-US" sz="2400" b="1" dirty="0"/>
+          </a:p>
+        </p:txBody>
+      </p:sp>
+      <p:sp>
+        <p:nvSpPr>
+          <p:cNvPr id="20" name="文字方塊 19"/>
+          <p:cNvSpPr txBox="1"/>
+          <p:nvPr/>
+        </p:nvSpPr>
+        <p:spPr>
+          <a:xfrm>
+            <a:off x="4680410" y="1634963"/>
+            <a:ext cx="1415772" cy="461665"/>
+          </a:xfrm>
+          <a:prstGeom prst="rect">
+            <a:avLst/>
+          </a:prstGeom>
+          <a:noFill/>
+        </p:spPr>
+        <p:txBody>
+          <a:bodyPr wrap="none" rtlCol="0">
+            <a:spAutoFit/>
+          </a:bodyPr>
+          <a:lstStyle/>
+          <a:p>
+            <a:r>
+              <a:rPr lang="zh-TW" altLang="en-US" sz="2400" b="1" dirty="0" smtClean="0"/>
+              <a:t>控制單元</a:t>
+            </a:r>
+            <a:endParaRPr lang="zh-TW" altLang="en-US" sz="2400" b="1" dirty="0"/>
+          </a:p>
+        </p:txBody>
+      </p:sp>
+      <p:sp>
+        <p:nvSpPr>
+          <p:cNvPr id="21" name="文字方塊 20"/>
+          <p:cNvSpPr txBox="1"/>
+          <p:nvPr/>
+        </p:nvSpPr>
+        <p:spPr>
+          <a:xfrm>
+            <a:off x="4361198" y="3620830"/>
+            <a:ext cx="2339102" cy="461665"/>
+          </a:xfrm>
+          <a:prstGeom prst="rect">
+            <a:avLst/>
+          </a:prstGeom>
+          <a:noFill/>
+        </p:spPr>
+        <p:txBody>
+          <a:bodyPr wrap="none" rtlCol="0">
+            <a:spAutoFit/>
+          </a:bodyPr>
+          <a:lstStyle/>
+          <a:p>
+            <a:r>
+              <a:rPr lang="zh-TW" altLang="en-US" sz="2400" b="1" dirty="0" smtClean="0"/>
+              <a:t>算術與邏輯單元</a:t>
+            </a:r>
+            <a:endParaRPr lang="zh-TW" altLang="en-US" sz="2400" b="1" dirty="0"/>
+          </a:p>
+        </p:txBody>
+      </p:sp>
+      <p:sp>
+        <p:nvSpPr>
+          <p:cNvPr id="17" name="向右箭號 16"/>
+          <p:cNvSpPr/>
+          <p:nvPr/>
+        </p:nvSpPr>
+        <p:spPr>
+          <a:xfrm>
+            <a:off x="3400806" y="3100571"/>
+            <a:ext cx="724094" cy="512064"/>
+          </a:xfrm>
+          <a:prstGeom prst="rightArrow">
+            <a:avLst/>
+          </a:prstGeom>
+          <a:solidFill>
+            <a:srgbClr val="FF0000"/>
+          </a:solidFill>
+          <a:ln>
+            <a:solidFill>
+              <a:srgbClr val="FF0000"/>
+            </a:solidFill>
+          </a:ln>
+        </p:spPr>
+        <p:style>
+          <a:lnRef idx="2">
+            <a:schemeClr val="accent1">
+              <a:shade val="50000"/>
+            </a:schemeClr>
+          </a:lnRef>
+          <a:fillRef idx="1">
+            <a:schemeClr val="accent1"/>
+          </a:fillRef>
+          <a:effectRef idx="0">
+            <a:schemeClr val="accent1"/>
+          </a:effectRef>
+          <a:fontRef idx="minor">
+            <a:schemeClr val="lt1"/>
+          </a:fontRef>
+        </p:style>
+        <p:txBody>
+          <a:bodyPr rtlCol="0" anchor="ctr"/>
+          <a:lstStyle/>
+          <a:p>
+            <a:pPr algn="ctr"/>
+            <a:endParaRPr lang="zh-TW" altLang="en-US"/>
+          </a:p>
+        </p:txBody>
+      </p:sp>
+      <p:sp>
+        <p:nvSpPr>
+          <p:cNvPr id="23" name="向右箭號 22"/>
+          <p:cNvSpPr/>
+          <p:nvPr/>
+        </p:nvSpPr>
+        <p:spPr>
+          <a:xfrm>
+            <a:off x="6736030" y="3088268"/>
+            <a:ext cx="724094" cy="512064"/>
+          </a:xfrm>
+          <a:prstGeom prst="rightArrow">
+            <a:avLst/>
+          </a:prstGeom>
+          <a:solidFill>
+            <a:srgbClr val="FF0000"/>
+          </a:solidFill>
+          <a:ln>
+            <a:solidFill>
+              <a:srgbClr val="FF0000"/>
+            </a:solidFill>
+          </a:ln>
+        </p:spPr>
+        <p:style>
+          <a:lnRef idx="2">
+            <a:schemeClr val="accent1">
+              <a:shade val="50000"/>
+            </a:schemeClr>
+          </a:lnRef>
+          <a:fillRef idx="1">
+            <a:schemeClr val="accent1"/>
+          </a:fillRef>
+          <a:effectRef idx="0">
+            <a:schemeClr val="accent1"/>
+          </a:effectRef>
+          <a:fontRef idx="minor">
+            <a:schemeClr val="lt1"/>
+          </a:fontRef>
+        </p:style>
+        <p:txBody>
+          <a:bodyPr rtlCol="0" anchor="ctr"/>
+          <a:lstStyle/>
+          <a:p>
+            <a:pPr algn="ctr"/>
+            <a:endParaRPr lang="zh-TW" altLang="en-US"/>
+          </a:p>
+        </p:txBody>
+      </p:sp>
+      <p:sp>
+        <p:nvSpPr>
+          <p:cNvPr id="22" name="上-下雙向箭號 21"/>
+          <p:cNvSpPr/>
+          <p:nvPr/>
+        </p:nvSpPr>
+        <p:spPr>
+          <a:xfrm>
+            <a:off x="5198663" y="4021234"/>
+            <a:ext cx="533728" cy="897815"/>
+          </a:xfrm>
+          <a:prstGeom prst="upDownArrow">
+            <a:avLst/>
+          </a:prstGeom>
+          <a:solidFill>
+            <a:srgbClr val="FF0000"/>
+          </a:solidFill>
+          <a:ln>
+            <a:solidFill>
+              <a:srgbClr val="FF0000"/>
+            </a:solidFill>
+          </a:ln>
+        </p:spPr>
+        <p:style>
+          <a:lnRef idx="2">
+            <a:schemeClr val="accent1">
+              <a:shade val="50000"/>
+            </a:schemeClr>
+          </a:lnRef>
+          <a:fillRef idx="1">
+            <a:schemeClr val="accent1"/>
+          </a:fillRef>
+          <a:effectRef idx="0">
+            <a:schemeClr val="accent1"/>
+          </a:effectRef>
+          <a:fontRef idx="minor">
+            <a:schemeClr val="lt1"/>
+          </a:fontRef>
+        </p:style>
+        <p:txBody>
+          <a:bodyPr rtlCol="0" anchor="ctr"/>
+          <a:lstStyle/>
+          <a:p>
+            <a:pPr algn="ctr"/>
+            <a:endParaRPr lang="zh-TW" altLang="en-US"/>
+          </a:p>
+        </p:txBody>
+      </p:sp>
+      <p:sp>
+        <p:nvSpPr>
+          <p:cNvPr id="27" name="弧形 26"/>
+          <p:cNvSpPr/>
+          <p:nvPr/>
+        </p:nvSpPr>
+        <p:spPr>
+          <a:xfrm>
+            <a:off x="4732815" y="2152504"/>
+            <a:ext cx="1432120" cy="1191796"/>
+          </a:xfrm>
+          <a:prstGeom prst="arc">
+            <a:avLst>
+              <a:gd name="adj1" fmla="val 2541222"/>
+              <a:gd name="adj2" fmla="val 311641"/>
+            </a:avLst>
+          </a:prstGeom>
+          <a:ln w="219075">
+            <a:solidFill>
+              <a:srgbClr val="00FF00">
+                <a:alpha val="47843"/>
+              </a:srgbClr>
+            </a:solidFill>
+            <a:headEnd type="triangle"/>
+            <a:tailEnd type="none" w="lg" len="lg"/>
+          </a:ln>
+        </p:spPr>
+        <p:style>
+          <a:lnRef idx="1">
+            <a:schemeClr val="accent1"/>
+          </a:lnRef>
+          <a:fillRef idx="0">
+            <a:schemeClr val="accent1"/>
+          </a:fillRef>
+          <a:effectRef idx="0">
+            <a:schemeClr val="accent1"/>
+          </a:effectRef>
+          <a:fontRef idx="minor">
+            <a:schemeClr val="tx1"/>
+          </a:fontRef>
+        </p:style>
+        <p:txBody>
+          <a:bodyPr rtlCol="0" anchor="ctr"/>
+          <a:lstStyle/>
+          <a:p>
+            <a:pPr algn="ctr"/>
+            <a:endParaRPr lang="zh-TW" altLang="en-US"/>
+          </a:p>
+        </p:txBody>
+      </p:sp>
+      <p:pic>
+        <p:nvPicPr>
+          <p:cNvPr id="25" name="圖片 24"/>
+          <p:cNvPicPr>
+            <a:picLocks noChangeAspect="1"/>
+          </p:cNvPicPr>
+          <p:nvPr/>
+        </p:nvPicPr>
+        <p:blipFill>
+          <a:blip r:embed="rId11">
+            <a:extLst>
+              <a:ext uri="{BEBA8EAE-BF5A-486C-A8C5-ECC9F3942E4B}">
+                <a14:imgProps xmlns:a14="http://schemas.microsoft.com/office/drawing/2010/main">
+                  <a14:imgLayer r:embed="rId12">
+                    <a14:imgEffect>
+                      <a14:backgroundRemoval t="1087" b="98913" l="730" r="97810"/>
+                    </a14:imgEffect>
+                  </a14:imgLayer>
+                </a14:imgProps>
+              </a:ext>
+            </a:extLst>
+          </a:blip>
+          <a:stretch>
+            <a:fillRect/>
+          </a:stretch>
+        </p:blipFill>
+        <p:spPr>
+          <a:xfrm>
+            <a:off x="4683572" y="2279759"/>
+            <a:ext cx="1428992" cy="959615"/>
+          </a:xfrm>
+          <a:prstGeom prst="rect">
+            <a:avLst/>
+          </a:prstGeom>
+        </p:spPr>
+      </p:pic>
+    </p:spTree>
+    <p:extLst>
+      <p:ext uri="{BB962C8B-B14F-4D97-AF65-F5344CB8AC3E}">
+        <p14:creationId xmlns:p14="http://schemas.microsoft.com/office/powerpoint/2010/main" val="3767352449"/>
+      </p:ext>
+    </p:extLst>
+  </p:cSld>
+  <p:clrMapOvr>
+    <a:masterClrMapping/>
+  </p:clrMapOvr>
+</p:sld>
+</file>
+
+<file path=ppt/slides/slide3.xml><?xml version="1.0" encoding="utf-8"?>
+<p:sld xmlns:a="http://schemas.openxmlformats.org/drawingml/2006/main" xmlns:r="http://schemas.openxmlformats.org/officeDocument/2006/relationships" xmlns:p="http://schemas.openxmlformats.org/presentationml/2006/main">
+  <p:cSld>
+    <p:spTree>
+      <p:nvGrpSpPr>
+        <p:cNvPr id="1" name=""/>
+        <p:cNvGrpSpPr/>
+        <p:nvPr/>
+      </p:nvGrpSpPr>
+      <p:grpSpPr>
+        <a:xfrm>
+          <a:off x="0" y="0"/>
+          <a:ext cx="0" cy="0"/>
+          <a:chOff x="0" y="0"/>
+          <a:chExt cx="0" cy="0"/>
+        </a:xfrm>
+      </p:grpSpPr>
+      <p:sp>
+        <p:nvSpPr>
           <p:cNvPr id="2" name="標題 1"/>
           <p:cNvSpPr>
             <a:spLocks noGrp="1"/>
@@ -10063,183 +11030,6 @@
 </p:sld>
 </file>
 
-<file path=ppt/slides/slide3.xml><?xml version="1.0" encoding="utf-8"?>
-<p:sld xmlns:a="http://schemas.openxmlformats.org/drawingml/2006/main" xmlns:r="http://schemas.openxmlformats.org/officeDocument/2006/relationships" xmlns:p="http://schemas.openxmlformats.org/presentationml/2006/main">
-  <p:cSld>
-    <p:spTree>
-      <p:nvGrpSpPr>
-        <p:cNvPr id="1" name=""/>
-        <p:cNvGrpSpPr/>
-        <p:nvPr/>
-      </p:nvGrpSpPr>
-      <p:grpSpPr>
-        <a:xfrm>
-          <a:off x="0" y="0"/>
-          <a:ext cx="0" cy="0"/>
-          <a:chOff x="0" y="0"/>
-          <a:chExt cx="0" cy="0"/>
-        </a:xfrm>
-      </p:grpSpPr>
-      <p:sp>
-        <p:nvSpPr>
-          <p:cNvPr id="2" name="標題 1"/>
-          <p:cNvSpPr>
-            <a:spLocks noGrp="1"/>
-          </p:cNvSpPr>
-          <p:nvPr>
-            <p:ph type="title"/>
-          </p:nvPr>
-        </p:nvSpPr>
-        <p:spPr/>
-        <p:txBody>
-          <a:bodyPr/>
-          <a:lstStyle/>
-          <a:p>
-            <a:r>
-              <a:rPr lang="zh-TW" altLang="en-US" dirty="0"/>
-              <a:t>思考的</a:t>
-            </a:r>
-            <a:r>
-              <a:rPr lang="zh-TW" altLang="en-US" dirty="0" smtClean="0"/>
-              <a:t>步驟</a:t>
-            </a:r>
-            <a:r>
-              <a:rPr lang="en-US" altLang="zh-TW" dirty="0" smtClean="0"/>
-              <a:t/>
-            </a:r>
-            <a:br>
-              <a:rPr lang="en-US" altLang="zh-TW" dirty="0" smtClean="0"/>
-            </a:br>
-            <a:r>
-              <a:rPr lang="en-US" altLang="zh-TW" dirty="0"/>
-              <a:t>		--</a:t>
-            </a:r>
-            <a:r>
-              <a:rPr lang="zh-TW" altLang="en-US" dirty="0" smtClean="0"/>
-              <a:t>理解問題</a:t>
-            </a:r>
-            <a:endParaRPr lang="zh-TW" altLang="en-US" dirty="0"/>
-          </a:p>
-        </p:txBody>
-      </p:sp>
-      <p:sp>
-        <p:nvSpPr>
-          <p:cNvPr id="3" name="內容版面配置區 2"/>
-          <p:cNvSpPr>
-            <a:spLocks noGrp="1"/>
-          </p:cNvSpPr>
-          <p:nvPr>
-            <p:ph idx="1"/>
-          </p:nvPr>
-        </p:nvSpPr>
-        <p:spPr/>
-        <p:txBody>
-          <a:bodyPr/>
-          <a:lstStyle/>
-          <a:p>
-            <a:r>
-              <a:rPr lang="zh-TW" altLang="en-US" dirty="0"/>
-              <a:t>大多數難題之所以難的原因，正是因為你不理解它們，因此，解決問題的第一步就是確切地知道問題是什麼</a:t>
-            </a:r>
-            <a:r>
-              <a:rPr lang="zh-TW" altLang="en-US" dirty="0" smtClean="0"/>
-              <a:t>。</a:t>
-            </a:r>
-            <a:endParaRPr lang="en-US" altLang="zh-TW" dirty="0" smtClean="0"/>
-          </a:p>
-          <a:p>
-            <a:endParaRPr lang="en-US" altLang="zh-TW" dirty="0" smtClean="0"/>
-          </a:p>
-          <a:p>
-            <a:r>
-              <a:rPr lang="zh-TW" altLang="en-US" dirty="0"/>
-              <a:t>理解問題的標準是什麼呢</a:t>
-            </a:r>
-            <a:r>
-              <a:rPr lang="zh-TW" altLang="en-US" dirty="0" smtClean="0"/>
-              <a:t>？</a:t>
-            </a:r>
-            <a:r>
-              <a:rPr lang="zh-TW" altLang="en-US" dirty="0" smtClean="0">
-                <a:solidFill>
-                  <a:srgbClr val="C00000"/>
-                </a:solidFill>
-              </a:rPr>
-              <a:t>當</a:t>
-            </a:r>
-            <a:r>
-              <a:rPr lang="zh-TW" altLang="en-US" dirty="0">
-                <a:solidFill>
-                  <a:srgbClr val="C00000"/>
-                </a:solidFill>
-              </a:rPr>
-              <a:t>你能用簡單的語言解釋它的時候</a:t>
-            </a:r>
-            <a:r>
-              <a:rPr lang="zh-TW" altLang="en-US" dirty="0" smtClean="0">
-                <a:solidFill>
-                  <a:srgbClr val="C00000"/>
-                </a:solidFill>
-              </a:rPr>
-              <a:t>。</a:t>
-            </a:r>
-            <a:endParaRPr lang="en-US" altLang="zh-TW" dirty="0" smtClean="0">
-              <a:solidFill>
-                <a:srgbClr val="C00000"/>
-              </a:solidFill>
-            </a:endParaRPr>
-          </a:p>
-          <a:p>
-            <a:endParaRPr lang="en-US" altLang="zh-TW" dirty="0" smtClean="0">
-              <a:solidFill>
-                <a:srgbClr val="C00000"/>
-              </a:solidFill>
-            </a:endParaRPr>
-          </a:p>
-          <a:p>
-            <a:r>
-              <a:rPr lang="zh-TW" altLang="en-US" dirty="0" smtClean="0"/>
-              <a:t>建議方法：</a:t>
-            </a:r>
-            <a:r>
-              <a:rPr lang="zh-TW" altLang="en-US" dirty="0" smtClean="0">
-                <a:solidFill>
-                  <a:srgbClr val="C00000"/>
-                </a:solidFill>
-              </a:rPr>
-              <a:t>寫</a:t>
-            </a:r>
-            <a:r>
-              <a:rPr lang="zh-TW" altLang="en-US" dirty="0">
-                <a:solidFill>
-                  <a:srgbClr val="C00000"/>
-                </a:solidFill>
-              </a:rPr>
-              <a:t>下你的問題，畫個塗鴉，或者將它告訴別人</a:t>
-            </a:r>
-          </a:p>
-        </p:txBody>
-      </p:sp>
-    </p:spTree>
-    <p:extLst>
-      <p:ext uri="{BB962C8B-B14F-4D97-AF65-F5344CB8AC3E}">
-        <p14:creationId xmlns:p14="http://schemas.microsoft.com/office/powerpoint/2010/main" val="3714607728"/>
-      </p:ext>
-    </p:extLst>
-  </p:cSld>
-  <p:clrMapOvr>
-    <a:masterClrMapping/>
-  </p:clrMapOvr>
-  <p:timing>
-    <p:tnLst>
-      <p:par>
-        <p:cTn id="1" dur="indefinite" restart="never" nodeType="tmRoot"/>
-      </p:par>
-    </p:tnLst>
-  </p:timing>
-</p:sld>
-</file>
-
 <file path=ppt/slides/slide4.xml><?xml version="1.0" encoding="utf-8"?>
 <p:sld xmlns:a="http://schemas.openxmlformats.org/drawingml/2006/main" xmlns:r="http://schemas.openxmlformats.org/officeDocument/2006/relationships" xmlns:p="http://schemas.openxmlformats.org/presentationml/2006/main">
   <p:cSld>
@@ -10274,14 +11064,18 @@
           <a:p>
             <a:r>
               <a:rPr lang="zh-TW" altLang="en-US" dirty="0"/>
-              <a:t>思考的步驟</a:t>
-            </a:r>
-            <a:r>
-              <a:rPr lang="en-US" altLang="zh-TW" dirty="0"/>
+              <a:t>思考的</a:t>
+            </a:r>
+            <a:r>
+              <a:rPr lang="zh-TW" altLang="en-US" dirty="0" smtClean="0"/>
+              <a:t>步驟</a:t>
+            </a:r>
+            <a:r>
+              <a:rPr lang="en-US" altLang="zh-TW" dirty="0" smtClean="0"/>
               <a:t/>
             </a:r>
             <a:br>
-              <a:rPr lang="en-US" altLang="zh-TW" dirty="0"/>
+              <a:rPr lang="en-US" altLang="zh-TW" dirty="0" smtClean="0"/>
             </a:br>
             <a:r>
               <a:rPr lang="en-US" altLang="zh-TW" dirty="0"/>
@@ -10289,7 +11083,7 @@
             </a:r>
             <a:r>
               <a:rPr lang="zh-TW" altLang="en-US" dirty="0" smtClean="0"/>
-              <a:t>制定計畫</a:t>
+              <a:t>理解問題</a:t>
             </a:r>
             <a:endParaRPr lang="zh-TW" altLang="en-US" dirty="0"/>
           </a:p>
@@ -10311,30 +11105,8 @@
           <a:lstStyle/>
           <a:p>
             <a:r>
-              <a:rPr lang="zh-TW" altLang="en-US" dirty="0" smtClean="0"/>
-              <a:t>不要漫無目的</a:t>
-            </a:r>
-            <a:r>
               <a:rPr lang="zh-TW" altLang="en-US" dirty="0"/>
-              <a:t>地開始解決問題，要有明確的計畫</a:t>
-            </a:r>
-            <a:r>
-              <a:rPr lang="zh-TW" altLang="en-US" dirty="0" smtClean="0"/>
-              <a:t>！</a:t>
-            </a:r>
-            <a:endParaRPr lang="en-US" altLang="zh-TW" dirty="0" smtClean="0"/>
-          </a:p>
-          <a:p>
-            <a:endParaRPr lang="en-US" altLang="zh-TW" dirty="0" smtClean="0"/>
-          </a:p>
-          <a:p>
-            <a:r>
-              <a:rPr lang="zh-TW" altLang="en-US" dirty="0" smtClean="0"/>
-              <a:t>不要</a:t>
-            </a:r>
-            <a:r>
-              <a:rPr lang="zh-TW" altLang="en-US" dirty="0"/>
-              <a:t>立即開始動手幹活，要讓你的大腦有充分的時間分析問題，並對訊息進行整合</a:t>
+              <a:t>大多數難題之所以難的原因，正是因為你不理解它們，因此，解決問題的第一步就是確切地知道問題是什麼</a:t>
             </a:r>
             <a:r>
               <a:rPr lang="zh-TW" altLang="en-US" dirty="0" smtClean="0"/>
@@ -10343,6 +11115,41 @@
             <a:endParaRPr lang="en-US" altLang="zh-TW" dirty="0" smtClean="0"/>
           </a:p>
           <a:p>
+            <a:endParaRPr lang="en-US" altLang="zh-TW" dirty="0" smtClean="0"/>
+          </a:p>
+          <a:p>
+            <a:r>
+              <a:rPr lang="zh-TW" altLang="en-US" dirty="0"/>
+              <a:t>理解問題的標準是什麼呢</a:t>
+            </a:r>
+            <a:r>
+              <a:rPr lang="zh-TW" altLang="en-US" dirty="0" smtClean="0"/>
+              <a:t>？</a:t>
+            </a:r>
+            <a:r>
+              <a:rPr lang="zh-TW" altLang="en-US" dirty="0" smtClean="0">
+                <a:solidFill>
+                  <a:srgbClr val="C00000"/>
+                </a:solidFill>
+              </a:rPr>
+              <a:t>當</a:t>
+            </a:r>
+            <a:r>
+              <a:rPr lang="zh-TW" altLang="en-US" dirty="0">
+                <a:solidFill>
+                  <a:srgbClr val="C00000"/>
+                </a:solidFill>
+              </a:rPr>
+              <a:t>你能用簡單的語言解釋它的時候</a:t>
+            </a:r>
+            <a:r>
+              <a:rPr lang="zh-TW" altLang="en-US" dirty="0" smtClean="0">
+                <a:solidFill>
+                  <a:srgbClr val="C00000"/>
+                </a:solidFill>
+              </a:rPr>
+              <a:t>。</a:t>
+            </a:r>
             <a:endParaRPr lang="en-US" altLang="zh-TW" dirty="0" smtClean="0">
               <a:solidFill>
                 <a:srgbClr val="C00000"/>
@@ -10350,13 +11157,24 @@
             </a:endParaRPr>
           </a:p>
           <a:p>
+            <a:endParaRPr lang="en-US" altLang="zh-TW" dirty="0" smtClean="0">
+              <a:solidFill>
+                <a:srgbClr val="C00000"/>
+              </a:solidFill>
+            </a:endParaRPr>
+          </a:p>
+          <a:p>
+            <a:r>
+              <a:rPr lang="zh-TW" altLang="en-US" dirty="0" smtClean="0"/>
+              <a:t>建議方法：</a:t>
+            </a:r>
             <a:r>
               <a:rPr lang="zh-TW" altLang="en-US" dirty="0" smtClean="0">
                 <a:solidFill>
                   <a:srgbClr val="C00000"/>
                 </a:solidFill>
               </a:rPr>
-              <a:t>輸入</a:t>
+              <a:t>寫</a:t>
             </a:r>
             <a:r>
               <a:rPr lang="zh-TW" altLang="en-US" dirty="0">
@@ -10364,28 +11182,15 @@
                   <a:srgbClr val="C00000"/>
                 </a:solidFill>
               </a:rPr>
-              <a:t>甚麼？輸出甚麼</a:t>
-            </a:r>
-            <a:r>
-              <a:rPr lang="zh-TW" altLang="en-US" dirty="0" smtClean="0">
-                <a:solidFill>
-                  <a:srgbClr val="C00000"/>
-                </a:solidFill>
-              </a:rPr>
-              <a:t>？中間做了甚麼？</a:t>
-            </a:r>
-            <a:endParaRPr lang="zh-TW" altLang="en-US" dirty="0">
-              <a:solidFill>
-                <a:srgbClr val="C00000"/>
-              </a:solidFill>
-            </a:endParaRPr>
+              <a:t>下你的問題，畫個塗鴉，或者將它告訴別人</a:t>
+            </a:r>
           </a:p>
         </p:txBody>
       </p:sp>
     </p:spTree>
     <p:extLst>
       <p:ext uri="{BB962C8B-B14F-4D97-AF65-F5344CB8AC3E}">
-        <p14:creationId xmlns:p14="http://schemas.microsoft.com/office/powerpoint/2010/main" val="3128529521"/>
+        <p14:creationId xmlns:p14="http://schemas.microsoft.com/office/powerpoint/2010/main" val="3714607728"/>
       </p:ext>
     </p:extLst>
   </p:cSld>
@@ -10439,19 +11244,19 @@
               <a:t>思考的步驟</a:t>
             </a:r>
             <a:r>
-              <a:rPr lang="en-US" altLang="zh-TW" dirty="0" smtClean="0"/>
+              <a:rPr lang="en-US" altLang="zh-TW" dirty="0"/>
               <a:t/>
             </a:r>
             <a:br>
-              <a:rPr lang="en-US" altLang="zh-TW" dirty="0" smtClean="0"/>
+              <a:rPr lang="en-US" altLang="zh-TW" dirty="0"/>
             </a:br>
             <a:r>
-              <a:rPr lang="en-US" altLang="zh-TW" dirty="0" smtClean="0"/>
+              <a:rPr lang="en-US" altLang="zh-TW" dirty="0"/>
               <a:t>		--</a:t>
             </a:r>
             <a:r>
               <a:rPr lang="zh-TW" altLang="en-US" dirty="0" smtClean="0"/>
-              <a:t>分解問題</a:t>
+              <a:t>制定計畫</a:t>
             </a:r>
             <a:endParaRPr lang="zh-TW" altLang="en-US" dirty="0"/>
           </a:p>
@@ -10473,16 +11278,34 @@
           <a:lstStyle/>
           <a:p>
             <a:r>
+              <a:rPr lang="zh-TW" altLang="en-US" dirty="0" smtClean="0"/>
+              <a:t>不要漫無目的</a:t>
+            </a:r>
+            <a:r>
               <a:rPr lang="zh-TW" altLang="en-US" dirty="0"/>
-              <a:t>不要一開始就想解決一個大問題，你會被它虐哭</a:t>
+              <a:t>地開始解決問題，要有明確的計畫</a:t>
             </a:r>
             <a:r>
               <a:rPr lang="zh-TW" altLang="en-US" dirty="0" smtClean="0"/>
-              <a:t>的</a:t>
+              <a:t>！</a:t>
+            </a:r>
+            <a:endParaRPr lang="en-US" altLang="zh-TW" dirty="0" smtClean="0"/>
+          </a:p>
+          <a:p>
+            <a:endParaRPr lang="en-US" altLang="zh-TW" dirty="0" smtClean="0"/>
+          </a:p>
+          <a:p>
+            <a:r>
+              <a:rPr lang="zh-TW" altLang="en-US" dirty="0" smtClean="0"/>
+              <a:t>不要</a:t>
             </a:r>
             <a:r>
               <a:rPr lang="zh-TW" altLang="en-US" dirty="0"/>
-              <a:t>！</a:t>
+              <a:t>立即開始動手幹活，要讓你的大腦有充分的時間分析問題，並對訊息進行整合</a:t>
+            </a:r>
+            <a:r>
+              <a:rPr lang="zh-TW" altLang="en-US" dirty="0" smtClean="0"/>
+              <a:t>。</a:t>
             </a:r>
             <a:endParaRPr lang="en-US" altLang="zh-TW" dirty="0" smtClean="0"/>
           </a:p>
@@ -10500,7 +11323,7 @@
                   <a:srgbClr val="C00000"/>
                 </a:solidFill>
               </a:rPr>
-              <a:t>將大問題其</a:t>
+              <a:t>輸入</a:t>
             </a:r>
             <a:r>
               <a:rPr lang="zh-TW" altLang="en-US" dirty="0">
@@ -10508,7 +11331,7 @@
                   <a:srgbClr val="C00000"/>
                 </a:solidFill>
               </a:rPr>
-              <a:t>分解為多個子問題，這些子問題會更容易得到解決</a:t>
+              <a:t>甚麼？輸出甚麼</a:t>
             </a:r>
             <a:r>
               <a:rPr lang="zh-TW" altLang="en-US" dirty="0" smtClean="0">
@@ -10516,94 +11339,11 @@
                   <a:srgbClr val="C00000"/>
                 </a:solidFill>
               </a:rPr>
-              <a:t>。</a:t>
-            </a:r>
-            <a:endParaRPr lang="en-US" altLang="zh-TW" dirty="0" smtClean="0">
+              <a:t>？中間做了甚麼？</a:t>
+            </a:r>
+            <a:endParaRPr lang="zh-TW" altLang="en-US" dirty="0">
               <a:solidFill>
                 <a:srgbClr val="C00000"/>
-              </a:solidFill>
-            </a:endParaRPr>
-          </a:p>
-          <a:p>
-            <a:endParaRPr lang="en-US" altLang="zh-TW" dirty="0" smtClean="0">
-              <a:solidFill>
-                <a:srgbClr val="C00000"/>
-              </a:solidFill>
-            </a:endParaRPr>
-          </a:p>
-          <a:p>
-            <a:r>
-              <a:rPr lang="zh-TW" altLang="en-US" dirty="0" smtClean="0">
-                <a:solidFill>
-                  <a:srgbClr val="C00000"/>
-                </a:solidFill>
-              </a:rPr>
-              <a:t>子</a:t>
-            </a:r>
-            <a:r>
-              <a:rPr lang="zh-TW" altLang="en-US" dirty="0">
-                <a:solidFill>
-                  <a:srgbClr val="C00000"/>
-                </a:solidFill>
-              </a:rPr>
-              <a:t>問題還不能解決的話，繼續分解成更小的問題</a:t>
-            </a:r>
-            <a:r>
-              <a:rPr lang="zh-TW" altLang="en-US" dirty="0" smtClean="0">
-                <a:solidFill>
-                  <a:srgbClr val="C00000"/>
-                </a:solidFill>
-              </a:rPr>
-              <a:t>。</a:t>
-            </a:r>
-            <a:endParaRPr lang="en-US" altLang="zh-TW" dirty="0" smtClean="0">
-              <a:solidFill>
-                <a:srgbClr val="C00000"/>
-              </a:solidFill>
-            </a:endParaRPr>
-          </a:p>
-          <a:p>
-            <a:endParaRPr lang="en-US" altLang="zh-TW" dirty="0" smtClean="0">
-              <a:solidFill>
-                <a:srgbClr val="C00000"/>
-              </a:solidFill>
-            </a:endParaRPr>
-          </a:p>
-          <a:p>
-            <a:r>
-              <a:rPr lang="zh-TW" altLang="en-US" dirty="0" smtClean="0">
-                <a:solidFill>
-                  <a:srgbClr val="C00000"/>
-                </a:solidFill>
-              </a:rPr>
-              <a:t>解決</a:t>
-            </a:r>
-            <a:r>
-              <a:rPr lang="zh-TW" altLang="en-US" dirty="0">
-                <a:solidFill>
-                  <a:srgbClr val="C00000"/>
-                </a:solidFill>
-              </a:rPr>
-              <a:t>了每個子問題，就可以將它們連接起來</a:t>
-            </a:r>
-            <a:r>
-              <a:rPr lang="zh-TW" altLang="en-US" dirty="0" smtClean="0">
-                <a:solidFill>
-                  <a:srgbClr val="C00000"/>
-                </a:solidFill>
-              </a:rPr>
-              <a:t>。</a:t>
-            </a:r>
-            <a:endParaRPr lang="en-US" altLang="zh-TW" dirty="0" smtClean="0">
-              <a:solidFill>
-                <a:srgbClr val="C00000"/>
-              </a:solidFill>
-            </a:endParaRPr>
-          </a:p>
-          <a:p>
-            <a:endParaRPr lang="zh-TW" altLang="en-US" dirty="0">
-              <a:solidFill>
-                <a:srgbClr val="FF0000"/>
               </a:solidFill>
             </a:endParaRPr>
           </a:p>
@@ -10612,7 +11352,7 @@
     </p:spTree>
     <p:extLst>
       <p:ext uri="{BB962C8B-B14F-4D97-AF65-F5344CB8AC3E}">
-        <p14:creationId xmlns:p14="http://schemas.microsoft.com/office/powerpoint/2010/main" val="578329266"/>
+        <p14:creationId xmlns:p14="http://schemas.microsoft.com/office/powerpoint/2010/main" val="3128529521"/>
       </p:ext>
     </p:extLst>
   </p:cSld>
@@ -10662,6 +11402,233 @@
           <a:lstStyle/>
           <a:p>
             <a:r>
+              <a:rPr lang="zh-TW" altLang="en-US" dirty="0"/>
+              <a:t>思考的步驟</a:t>
+            </a:r>
+            <a:r>
+              <a:rPr lang="en-US" altLang="zh-TW" dirty="0" smtClean="0"/>
+              <a:t/>
+            </a:r>
+            <a:br>
+              <a:rPr lang="en-US" altLang="zh-TW" dirty="0" smtClean="0"/>
+            </a:br>
+            <a:r>
+              <a:rPr lang="en-US" altLang="zh-TW" dirty="0" smtClean="0"/>
+              <a:t>		--</a:t>
+            </a:r>
+            <a:r>
+              <a:rPr lang="zh-TW" altLang="en-US" dirty="0" smtClean="0"/>
+              <a:t>分解問題</a:t>
+            </a:r>
+            <a:endParaRPr lang="zh-TW" altLang="en-US" dirty="0"/>
+          </a:p>
+        </p:txBody>
+      </p:sp>
+      <p:sp>
+        <p:nvSpPr>
+          <p:cNvPr id="3" name="內容版面配置區 2"/>
+          <p:cNvSpPr>
+            <a:spLocks noGrp="1"/>
+          </p:cNvSpPr>
+          <p:nvPr>
+            <p:ph idx="1"/>
+          </p:nvPr>
+        </p:nvSpPr>
+        <p:spPr/>
+        <p:txBody>
+          <a:bodyPr/>
+          <a:lstStyle/>
+          <a:p>
+            <a:r>
+              <a:rPr lang="zh-TW" altLang="en-US" dirty="0"/>
+              <a:t>不要一開始就想解決一個大問題，你會被它虐哭</a:t>
+            </a:r>
+            <a:r>
+              <a:rPr lang="zh-TW" altLang="en-US" dirty="0" smtClean="0"/>
+              <a:t>的</a:t>
+            </a:r>
+            <a:r>
+              <a:rPr lang="zh-TW" altLang="en-US" dirty="0"/>
+              <a:t>！</a:t>
+            </a:r>
+            <a:endParaRPr lang="en-US" altLang="zh-TW" dirty="0" smtClean="0"/>
+          </a:p>
+          <a:p>
+            <a:endParaRPr lang="en-US" altLang="zh-TW" dirty="0" smtClean="0">
+              <a:solidFill>
+                <a:srgbClr val="C00000"/>
+              </a:solidFill>
+            </a:endParaRPr>
+          </a:p>
+          <a:p>
+            <a:r>
+              <a:rPr lang="zh-TW" altLang="en-US" dirty="0" smtClean="0">
+                <a:solidFill>
+                  <a:srgbClr val="C00000"/>
+                </a:solidFill>
+              </a:rPr>
+              <a:t>將大問題其</a:t>
+            </a:r>
+            <a:r>
+              <a:rPr lang="zh-TW" altLang="en-US" dirty="0">
+                <a:solidFill>
+                  <a:srgbClr val="C00000"/>
+                </a:solidFill>
+              </a:rPr>
+              <a:t>分解為多個子問題，這些子問題會更容易得到解決</a:t>
+            </a:r>
+            <a:r>
+              <a:rPr lang="zh-TW" altLang="en-US" dirty="0" smtClean="0">
+                <a:solidFill>
+                  <a:srgbClr val="C00000"/>
+                </a:solidFill>
+              </a:rPr>
+              <a:t>。</a:t>
+            </a:r>
+            <a:endParaRPr lang="en-US" altLang="zh-TW" dirty="0" smtClean="0">
+              <a:solidFill>
+                <a:srgbClr val="C00000"/>
+              </a:solidFill>
+            </a:endParaRPr>
+          </a:p>
+          <a:p>
+            <a:endParaRPr lang="en-US" altLang="zh-TW" dirty="0" smtClean="0">
+              <a:solidFill>
+                <a:srgbClr val="C00000"/>
+              </a:solidFill>
+            </a:endParaRPr>
+          </a:p>
+          <a:p>
+            <a:r>
+              <a:rPr lang="zh-TW" altLang="en-US" dirty="0" smtClean="0">
+                <a:solidFill>
+                  <a:srgbClr val="C00000"/>
+                </a:solidFill>
+              </a:rPr>
+              <a:t>子</a:t>
+            </a:r>
+            <a:r>
+              <a:rPr lang="zh-TW" altLang="en-US" dirty="0">
+                <a:solidFill>
+                  <a:srgbClr val="C00000"/>
+                </a:solidFill>
+              </a:rPr>
+              <a:t>問題還不能解決的話，繼續分解成更小的問題</a:t>
+            </a:r>
+            <a:r>
+              <a:rPr lang="zh-TW" altLang="en-US" dirty="0" smtClean="0">
+                <a:solidFill>
+                  <a:srgbClr val="C00000"/>
+                </a:solidFill>
+              </a:rPr>
+              <a:t>。</a:t>
+            </a:r>
+            <a:endParaRPr lang="en-US" altLang="zh-TW" dirty="0" smtClean="0">
+              <a:solidFill>
+                <a:srgbClr val="C00000"/>
+              </a:solidFill>
+            </a:endParaRPr>
+          </a:p>
+          <a:p>
+            <a:endParaRPr lang="en-US" altLang="zh-TW" dirty="0" smtClean="0">
+              <a:solidFill>
+                <a:srgbClr val="C00000"/>
+              </a:solidFill>
+            </a:endParaRPr>
+          </a:p>
+          <a:p>
+            <a:r>
+              <a:rPr lang="zh-TW" altLang="en-US" dirty="0" smtClean="0">
+                <a:solidFill>
+                  <a:srgbClr val="C00000"/>
+                </a:solidFill>
+              </a:rPr>
+              <a:t>解決</a:t>
+            </a:r>
+            <a:r>
+              <a:rPr lang="zh-TW" altLang="en-US" dirty="0">
+                <a:solidFill>
+                  <a:srgbClr val="C00000"/>
+                </a:solidFill>
+              </a:rPr>
+              <a:t>了每個子問題，就可以將它們連接起來</a:t>
+            </a:r>
+            <a:r>
+              <a:rPr lang="zh-TW" altLang="en-US" dirty="0" smtClean="0">
+                <a:solidFill>
+                  <a:srgbClr val="C00000"/>
+                </a:solidFill>
+              </a:rPr>
+              <a:t>。</a:t>
+            </a:r>
+            <a:endParaRPr lang="en-US" altLang="zh-TW" dirty="0" smtClean="0">
+              <a:solidFill>
+                <a:srgbClr val="C00000"/>
+              </a:solidFill>
+            </a:endParaRPr>
+          </a:p>
+          <a:p>
+            <a:endParaRPr lang="zh-TW" altLang="en-US" dirty="0">
+              <a:solidFill>
+                <a:srgbClr val="FF0000"/>
+              </a:solidFill>
+            </a:endParaRPr>
+          </a:p>
+        </p:txBody>
+      </p:sp>
+    </p:spTree>
+    <p:extLst>
+      <p:ext uri="{BB962C8B-B14F-4D97-AF65-F5344CB8AC3E}">
+        <p14:creationId xmlns:p14="http://schemas.microsoft.com/office/powerpoint/2010/main" val="578329266"/>
+      </p:ext>
+    </p:extLst>
+  </p:cSld>
+  <p:clrMapOvr>
+    <a:masterClrMapping/>
+  </p:clrMapOvr>
+  <p:timing>
+    <p:tnLst>
+      <p:par>
+        <p:cTn id="1" dur="indefinite" restart="never" nodeType="tmRoot"/>
+      </p:par>
+    </p:tnLst>
+  </p:timing>
+</p:sld>
+</file>
+
+<file path=ppt/slides/slide7.xml><?xml version="1.0" encoding="utf-8"?>
+<p:sld xmlns:a="http://schemas.openxmlformats.org/drawingml/2006/main" xmlns:r="http://schemas.openxmlformats.org/officeDocument/2006/relationships" xmlns:p="http://schemas.openxmlformats.org/presentationml/2006/main">
+  <p:cSld>
+    <p:spTree>
+      <p:nvGrpSpPr>
+        <p:cNvPr id="1" name=""/>
+        <p:cNvGrpSpPr/>
+        <p:nvPr/>
+      </p:nvGrpSpPr>
+      <p:grpSpPr>
+        <a:xfrm>
+          <a:off x="0" y="0"/>
+          <a:ext cx="0" cy="0"/>
+          <a:chOff x="0" y="0"/>
+          <a:chExt cx="0" cy="0"/>
+        </a:xfrm>
+      </p:grpSpPr>
+      <p:sp>
+        <p:nvSpPr>
+          <p:cNvPr id="2" name="標題 1"/>
+          <p:cNvSpPr>
+            <a:spLocks noGrp="1"/>
+          </p:cNvSpPr>
+          <p:nvPr>
+            <p:ph type="title"/>
+          </p:nvPr>
+        </p:nvSpPr>
+        <p:spPr/>
+        <p:txBody>
+          <a:bodyPr/>
+          <a:lstStyle/>
+          <a:p>
+            <a:r>
               <a:rPr lang="zh-TW" altLang="en-US" dirty="0" smtClean="0"/>
               <a:t>暖身練習</a:t>
             </a:r>
@@ -10779,7 +11746,7 @@
 </p:sld>
 </file>
 
-<file path=ppt/slides/slide7.xml><?xml version="1.0" encoding="utf-8"?>
+<file path=ppt/slides/slide8.xml><?xml version="1.0" encoding="utf-8"?>
 <p:sld xmlns:a="http://schemas.openxmlformats.org/drawingml/2006/main" xmlns:r="http://schemas.openxmlformats.org/officeDocument/2006/relationships" xmlns:p="http://schemas.openxmlformats.org/presentationml/2006/main">
   <p:cSld>
     <p:spTree>
@@ -14191,7 +15158,7 @@
 </p:sld>
 </file>
 
-<file path=ppt/slides/slide8.xml><?xml version="1.0" encoding="utf-8"?>
+<file path=ppt/slides/slide9.xml><?xml version="1.0" encoding="utf-8"?>
 <p:sld xmlns:a="http://schemas.openxmlformats.org/drawingml/2006/main" xmlns:r="http://schemas.openxmlformats.org/officeDocument/2006/relationships" xmlns:p="http://schemas.openxmlformats.org/presentationml/2006/main">
   <p:cSld>
     <p:spTree>
@@ -18391,99 +19358,6 @@
 </p:sld>
 </file>
 
-<file path=ppt/slides/slide9.xml><?xml version="1.0" encoding="utf-8"?>
-<p:sld xmlns:a="http://schemas.openxmlformats.org/drawingml/2006/main" xmlns:r="http://schemas.openxmlformats.org/officeDocument/2006/relationships" xmlns:p="http://schemas.openxmlformats.org/presentationml/2006/main">
-  <p:cSld>
-    <p:spTree>
-      <p:nvGrpSpPr>
-        <p:cNvPr id="1" name=""/>
-        <p:cNvGrpSpPr/>
-        <p:nvPr/>
-      </p:nvGrpSpPr>
-      <p:grpSpPr>
-        <a:xfrm>
-          <a:off x="0" y="0"/>
-          <a:ext cx="0" cy="0"/>
-          <a:chOff x="0" y="0"/>
-          <a:chExt cx="0" cy="0"/>
-        </a:xfrm>
-      </p:grpSpPr>
-      <p:sp>
-        <p:nvSpPr>
-          <p:cNvPr id="2" name="標題 1"/>
-          <p:cNvSpPr>
-            <a:spLocks noGrp="1"/>
-          </p:cNvSpPr>
-          <p:nvPr>
-            <p:ph type="title"/>
-          </p:nvPr>
-        </p:nvSpPr>
-        <p:spPr/>
-        <p:txBody>
-          <a:bodyPr/>
-          <a:lstStyle/>
-          <a:p>
-            <a:r>
-              <a:rPr lang="zh-TW" altLang="en-US" dirty="0" smtClean="0"/>
-              <a:t>練習三</a:t>
-            </a:r>
-            <a:endParaRPr lang="zh-TW" altLang="en-US" dirty="0"/>
-          </a:p>
-        </p:txBody>
-      </p:sp>
-      <p:sp>
-        <p:nvSpPr>
-          <p:cNvPr id="3" name="內容版面配置區 2"/>
-          <p:cNvSpPr>
-            <a:spLocks noGrp="1"/>
-          </p:cNvSpPr>
-          <p:nvPr>
-            <p:ph idx="1"/>
-          </p:nvPr>
-        </p:nvSpPr>
-        <p:spPr/>
-        <p:txBody>
-          <a:bodyPr/>
-          <a:lstStyle/>
-          <a:p>
-            <a:r>
-              <a:rPr lang="zh-TW" altLang="en-US" dirty="0" smtClean="0"/>
-              <a:t>給你十個數字，請找出最大的數字是多少？</a:t>
-            </a:r>
-            <a:endParaRPr lang="en-US" altLang="zh-TW" dirty="0" smtClean="0"/>
-          </a:p>
-          <a:p>
-            <a:endParaRPr lang="en-US" altLang="zh-TW" dirty="0"/>
-          </a:p>
-          <a:p>
-            <a:r>
-              <a:rPr lang="zh-TW" altLang="en-US" dirty="0" smtClean="0"/>
-              <a:t>人怎麼思考？拆解成小步驟。</a:t>
-            </a:r>
-            <a:endParaRPr lang="zh-TW" altLang="en-US" dirty="0"/>
-          </a:p>
-        </p:txBody>
-      </p:sp>
-    </p:spTree>
-    <p:extLst>
-      <p:ext uri="{BB962C8B-B14F-4D97-AF65-F5344CB8AC3E}">
-        <p14:creationId xmlns:p14="http://schemas.microsoft.com/office/powerpoint/2010/main" val="3596690339"/>
-      </p:ext>
-    </p:extLst>
-  </p:cSld>
-  <p:clrMapOvr>
-    <a:masterClrMapping/>
-  </p:clrMapOvr>
-  <p:timing>
-    <p:tnLst>
-      <p:par>
-        <p:cTn id="1" dur="indefinite" restart="never" nodeType="tmRoot"/>
-      </p:par>
-    </p:tnLst>
-  </p:timing>
-</p:sld>
-</file>
-
 <file path=ppt/theme/theme1.xml><?xml version="1.0" encoding="utf-8"?>
 <a:theme xmlns:a="http://schemas.openxmlformats.org/drawingml/2006/main" name="多面向">
   <a:themeElements>

--- a/LCC/Java/02_再嚐Java Coffee_運算思維.pptx
+++ b/LCC/Java/02_再嚐Java Coffee_運算思維.pptx
@@ -857,7 +857,7 @@
           <a:p>
             <a:fld id="{1C04B068-0BC1-4366-925A-40167D424D2E}" type="datetimeFigureOut">
               <a:rPr lang="zh-TW" altLang="en-US" smtClean="0"/>
-              <a:t>2022/6/12</a:t>
+              <a:t>2022/7/1</a:t>
             </a:fld>
             <a:endParaRPr lang="zh-TW" altLang="en-US"/>
           </a:p>
@@ -1108,7 +1108,7 @@
           <a:p>
             <a:fld id="{1C04B068-0BC1-4366-925A-40167D424D2E}" type="datetimeFigureOut">
               <a:rPr lang="zh-TW" altLang="en-US" smtClean="0"/>
-              <a:t>2022/6/12</a:t>
+              <a:t>2022/7/1</a:t>
             </a:fld>
             <a:endParaRPr lang="zh-TW" altLang="en-US"/>
           </a:p>
@@ -1422,7 +1422,7 @@
           <a:p>
             <a:fld id="{1C04B068-0BC1-4366-925A-40167D424D2E}" type="datetimeFigureOut">
               <a:rPr lang="zh-TW" altLang="en-US" smtClean="0"/>
-              <a:t>2022/6/12</a:t>
+              <a:t>2022/7/1</a:t>
             </a:fld>
             <a:endParaRPr lang="zh-TW" altLang="en-US"/>
           </a:p>
@@ -1763,7 +1763,7 @@
           <a:p>
             <a:fld id="{1C04B068-0BC1-4366-925A-40167D424D2E}" type="datetimeFigureOut">
               <a:rPr lang="zh-TW" altLang="en-US" smtClean="0"/>
-              <a:t>2022/6/12</a:t>
+              <a:t>2022/7/1</a:t>
             </a:fld>
             <a:endParaRPr lang="zh-TW" altLang="en-US"/>
           </a:p>
@@ -2077,7 +2077,7 @@
           <a:p>
             <a:fld id="{1C04B068-0BC1-4366-925A-40167D424D2E}" type="datetimeFigureOut">
               <a:rPr lang="zh-TW" altLang="en-US" smtClean="0"/>
-              <a:t>2022/6/12</a:t>
+              <a:t>2022/7/1</a:t>
             </a:fld>
             <a:endParaRPr lang="zh-TW" altLang="en-US"/>
           </a:p>
@@ -2470,7 +2470,7 @@
           <a:p>
             <a:fld id="{1C04B068-0BC1-4366-925A-40167D424D2E}" type="datetimeFigureOut">
               <a:rPr lang="zh-TW" altLang="en-US" smtClean="0"/>
-              <a:t>2022/6/12</a:t>
+              <a:t>2022/7/1</a:t>
             </a:fld>
             <a:endParaRPr lang="zh-TW" altLang="en-US"/>
           </a:p>
@@ -2640,7 +2640,7 @@
           <a:p>
             <a:fld id="{1C04B068-0BC1-4366-925A-40167D424D2E}" type="datetimeFigureOut">
               <a:rPr lang="zh-TW" altLang="en-US" smtClean="0"/>
-              <a:t>2022/6/12</a:t>
+              <a:t>2022/7/1</a:t>
             </a:fld>
             <a:endParaRPr lang="zh-TW" altLang="en-US"/>
           </a:p>
@@ -2820,7 +2820,7 @@
           <a:p>
             <a:fld id="{1C04B068-0BC1-4366-925A-40167D424D2E}" type="datetimeFigureOut">
               <a:rPr lang="zh-TW" altLang="en-US" smtClean="0"/>
-              <a:t>2022/6/12</a:t>
+              <a:t>2022/7/1</a:t>
             </a:fld>
             <a:endParaRPr lang="zh-TW" altLang="en-US"/>
           </a:p>
@@ -2996,7 +2996,7 @@
           <a:p>
             <a:fld id="{1C04B068-0BC1-4366-925A-40167D424D2E}" type="datetimeFigureOut">
               <a:rPr lang="zh-TW" altLang="en-US" smtClean="0"/>
-              <a:t>2022/6/12</a:t>
+              <a:t>2022/7/1</a:t>
             </a:fld>
             <a:endParaRPr lang="zh-TW" altLang="en-US"/>
           </a:p>
@@ -3243,7 +3243,7 @@
           <a:p>
             <a:fld id="{1C04B068-0BC1-4366-925A-40167D424D2E}" type="datetimeFigureOut">
               <a:rPr lang="zh-TW" altLang="en-US" smtClean="0"/>
-              <a:t>2022/6/12</a:t>
+              <a:t>2022/7/1</a:t>
             </a:fld>
             <a:endParaRPr lang="zh-TW" altLang="en-US"/>
           </a:p>
@@ -3475,7 +3475,7 @@
           <a:p>
             <a:fld id="{1C04B068-0BC1-4366-925A-40167D424D2E}" type="datetimeFigureOut">
               <a:rPr lang="zh-TW" altLang="en-US" smtClean="0"/>
-              <a:t>2022/6/12</a:t>
+              <a:t>2022/7/1</a:t>
             </a:fld>
             <a:endParaRPr lang="zh-TW" altLang="en-US"/>
           </a:p>
@@ -3849,7 +3849,7 @@
           <a:p>
             <a:fld id="{1C04B068-0BC1-4366-925A-40167D424D2E}" type="datetimeFigureOut">
               <a:rPr lang="zh-TW" altLang="en-US" smtClean="0"/>
-              <a:t>2022/6/12</a:t>
+              <a:t>2022/7/1</a:t>
             </a:fld>
             <a:endParaRPr lang="zh-TW" altLang="en-US"/>
           </a:p>
@@ -3972,7 +3972,7 @@
           <a:p>
             <a:fld id="{1C04B068-0BC1-4366-925A-40167D424D2E}" type="datetimeFigureOut">
               <a:rPr lang="zh-TW" altLang="en-US" smtClean="0"/>
-              <a:t>2022/6/12</a:t>
+              <a:t>2022/7/1</a:t>
             </a:fld>
             <a:endParaRPr lang="zh-TW" altLang="en-US"/>
           </a:p>
@@ -4067,7 +4067,7 @@
           <a:p>
             <a:fld id="{1C04B068-0BC1-4366-925A-40167D424D2E}" type="datetimeFigureOut">
               <a:rPr lang="zh-TW" altLang="en-US" smtClean="0"/>
-              <a:t>2022/6/12</a:t>
+              <a:t>2022/7/1</a:t>
             </a:fld>
             <a:endParaRPr lang="zh-TW" altLang="en-US"/>
           </a:p>
@@ -4322,7 +4322,7 @@
           <a:p>
             <a:fld id="{1C04B068-0BC1-4366-925A-40167D424D2E}" type="datetimeFigureOut">
               <a:rPr lang="zh-TW" altLang="en-US" smtClean="0"/>
-              <a:t>2022/6/12</a:t>
+              <a:t>2022/7/1</a:t>
             </a:fld>
             <a:endParaRPr lang="zh-TW" altLang="en-US"/>
           </a:p>
@@ -4585,7 +4585,7 @@
           <a:p>
             <a:fld id="{1C04B068-0BC1-4366-925A-40167D424D2E}" type="datetimeFigureOut">
               <a:rPr lang="zh-TW" altLang="en-US" smtClean="0"/>
-              <a:t>2022/6/12</a:t>
+              <a:t>2022/7/1</a:t>
             </a:fld>
             <a:endParaRPr lang="zh-TW" altLang="en-US"/>
           </a:p>
@@ -5328,7 +5328,7 @@
           <a:p>
             <a:fld id="{1C04B068-0BC1-4366-925A-40167D424D2E}" type="datetimeFigureOut">
               <a:rPr lang="zh-TW" altLang="en-US" smtClean="0"/>
-              <a:t>2022/6/12</a:t>
+              <a:t>2022/7/1</a:t>
             </a:fld>
             <a:endParaRPr lang="zh-TW" altLang="en-US"/>
           </a:p>
@@ -5568,7 +5568,7 @@
           <a:p>
             <a:r>
               <a:rPr lang="fr-FR" altLang="zh-TW" dirty="0" smtClean="0"/>
-              <a:t>https://reurl.cc/2Dom14</a:t>
+              <a:t>https://reurl.cc/Kb1Xmg</a:t>
             </a:r>
             <a:endParaRPr lang="zh-TW" altLang="en-US" dirty="0"/>
           </a:p>
@@ -6093,7 +6093,7 @@
             <a:pPr algn="r"/>
             <a:fld id="{DA74FC97-8647-474D-B375-8E81E8B358FB}" type="datetime4">
               <a:rPr lang="zh-TW" altLang="zh-TW"/>
-              <a:t>111年6月12日星期日</a:t>
+              <a:t>111年7月1日星期五</a:t>
             </a:fld>
             <a:endParaRPr lang="zh-TW" altLang="en-US" dirty="0"/>
           </a:p>
@@ -6140,39 +6140,9 @@
           </a:extLst>
         </p:spPr>
       </p:pic>
-      <p:pic>
-        <p:nvPicPr>
-          <p:cNvPr id="5" name="圖片 4"/>
-          <p:cNvPicPr>
-            <a:picLocks noChangeAspect="1"/>
-          </p:cNvPicPr>
-          <p:nvPr/>
-        </p:nvPicPr>
-        <p:blipFill>
-          <a:blip r:embed="rId3">
-            <a:extLst>
-              <a:ext uri="{28A0092B-C50C-407E-A947-70E740481C1C}">
-                <a14:useLocalDpi xmlns:a14="http://schemas.microsoft.com/office/drawing/2010/main" val="0"/>
-              </a:ext>
-            </a:extLst>
-          </a:blip>
-          <a:stretch>
-            <a:fillRect/>
-          </a:stretch>
-        </p:blipFill>
-        <p:spPr>
-          <a:xfrm>
-            <a:off x="927354" y="457267"/>
-            <a:ext cx="1428750" cy="1428750"/>
-          </a:xfrm>
-          <a:prstGeom prst="rect">
-            <a:avLst/>
-          </a:prstGeom>
-        </p:spPr>
-      </p:pic>
       <p:sp>
         <p:nvSpPr>
-          <p:cNvPr id="6" name="矩形 5"/>
+          <p:cNvPr id="7" name="矩形 6"/>
           <p:cNvSpPr/>
           <p:nvPr/>
         </p:nvSpPr>
@@ -6286,13 +6256,37 @@
           </a:lstStyle>
           <a:p>
             <a:r>
-              <a:rPr lang="fr-FR" altLang="zh-TW" dirty="0" smtClean="0"/>
-              <a:t>https://reurl.cc/2Dom14</a:t>
+              <a:rPr lang="fr-FR" altLang="zh-TW" dirty="0"/>
+              <a:t>https://reurl.cc/Kb1Xmg</a:t>
             </a:r>
             <a:endParaRPr lang="zh-TW" altLang="en-US" dirty="0"/>
           </a:p>
         </p:txBody>
       </p:sp>
+      <p:pic>
+        <p:nvPicPr>
+          <p:cNvPr id="8" name="圖片 7"/>
+          <p:cNvPicPr>
+            <a:picLocks noChangeAspect="1"/>
+          </p:cNvPicPr>
+          <p:nvPr/>
+        </p:nvPicPr>
+        <p:blipFill>
+          <a:blip r:embed="rId3"/>
+          <a:stretch>
+            <a:fillRect/>
+          </a:stretch>
+        </p:blipFill>
+        <p:spPr>
+          <a:xfrm>
+            <a:off x="929852" y="503981"/>
+            <a:ext cx="1428750" cy="1428750"/>
+          </a:xfrm>
+          <a:prstGeom prst="rect">
+            <a:avLst/>
+          </a:prstGeom>
+        </p:spPr>
+      </p:pic>
     </p:spTree>
     <p:extLst>
       <p:ext uri="{BB962C8B-B14F-4D97-AF65-F5344CB8AC3E}">

--- a/LCC/Java/02_再嚐Java Coffee_運算思維.pptx
+++ b/LCC/Java/02_再嚐Java Coffee_運算思維.pptx
@@ -857,7 +857,7 @@
           <a:p>
             <a:fld id="{1C04B068-0BC1-4366-925A-40167D424D2E}" type="datetimeFigureOut">
               <a:rPr lang="zh-TW" altLang="en-US" smtClean="0"/>
-              <a:t>2022/7/1</a:t>
+              <a:t>2022/8/10</a:t>
             </a:fld>
             <a:endParaRPr lang="zh-TW" altLang="en-US"/>
           </a:p>
@@ -1108,7 +1108,7 @@
           <a:p>
             <a:fld id="{1C04B068-0BC1-4366-925A-40167D424D2E}" type="datetimeFigureOut">
               <a:rPr lang="zh-TW" altLang="en-US" smtClean="0"/>
-              <a:t>2022/7/1</a:t>
+              <a:t>2022/8/10</a:t>
             </a:fld>
             <a:endParaRPr lang="zh-TW" altLang="en-US"/>
           </a:p>
@@ -1422,7 +1422,7 @@
           <a:p>
             <a:fld id="{1C04B068-0BC1-4366-925A-40167D424D2E}" type="datetimeFigureOut">
               <a:rPr lang="zh-TW" altLang="en-US" smtClean="0"/>
-              <a:t>2022/7/1</a:t>
+              <a:t>2022/8/10</a:t>
             </a:fld>
             <a:endParaRPr lang="zh-TW" altLang="en-US"/>
           </a:p>
@@ -1763,7 +1763,7 @@
           <a:p>
             <a:fld id="{1C04B068-0BC1-4366-925A-40167D424D2E}" type="datetimeFigureOut">
               <a:rPr lang="zh-TW" altLang="en-US" smtClean="0"/>
-              <a:t>2022/7/1</a:t>
+              <a:t>2022/8/10</a:t>
             </a:fld>
             <a:endParaRPr lang="zh-TW" altLang="en-US"/>
           </a:p>
@@ -2077,7 +2077,7 @@
           <a:p>
             <a:fld id="{1C04B068-0BC1-4366-925A-40167D424D2E}" type="datetimeFigureOut">
               <a:rPr lang="zh-TW" altLang="en-US" smtClean="0"/>
-              <a:t>2022/7/1</a:t>
+              <a:t>2022/8/10</a:t>
             </a:fld>
             <a:endParaRPr lang="zh-TW" altLang="en-US"/>
           </a:p>
@@ -2470,7 +2470,7 @@
           <a:p>
             <a:fld id="{1C04B068-0BC1-4366-925A-40167D424D2E}" type="datetimeFigureOut">
               <a:rPr lang="zh-TW" altLang="en-US" smtClean="0"/>
-              <a:t>2022/7/1</a:t>
+              <a:t>2022/8/10</a:t>
             </a:fld>
             <a:endParaRPr lang="zh-TW" altLang="en-US"/>
           </a:p>
@@ -2640,7 +2640,7 @@
           <a:p>
             <a:fld id="{1C04B068-0BC1-4366-925A-40167D424D2E}" type="datetimeFigureOut">
               <a:rPr lang="zh-TW" altLang="en-US" smtClean="0"/>
-              <a:t>2022/7/1</a:t>
+              <a:t>2022/8/10</a:t>
             </a:fld>
             <a:endParaRPr lang="zh-TW" altLang="en-US"/>
           </a:p>
@@ -2820,7 +2820,7 @@
           <a:p>
             <a:fld id="{1C04B068-0BC1-4366-925A-40167D424D2E}" type="datetimeFigureOut">
               <a:rPr lang="zh-TW" altLang="en-US" smtClean="0"/>
-              <a:t>2022/7/1</a:t>
+              <a:t>2022/8/10</a:t>
             </a:fld>
             <a:endParaRPr lang="zh-TW" altLang="en-US"/>
           </a:p>
@@ -2996,7 +2996,7 @@
           <a:p>
             <a:fld id="{1C04B068-0BC1-4366-925A-40167D424D2E}" type="datetimeFigureOut">
               <a:rPr lang="zh-TW" altLang="en-US" smtClean="0"/>
-              <a:t>2022/7/1</a:t>
+              <a:t>2022/8/10</a:t>
             </a:fld>
             <a:endParaRPr lang="zh-TW" altLang="en-US"/>
           </a:p>
@@ -3243,7 +3243,7 @@
           <a:p>
             <a:fld id="{1C04B068-0BC1-4366-925A-40167D424D2E}" type="datetimeFigureOut">
               <a:rPr lang="zh-TW" altLang="en-US" smtClean="0"/>
-              <a:t>2022/7/1</a:t>
+              <a:t>2022/8/10</a:t>
             </a:fld>
             <a:endParaRPr lang="zh-TW" altLang="en-US"/>
           </a:p>
@@ -3475,7 +3475,7 @@
           <a:p>
             <a:fld id="{1C04B068-0BC1-4366-925A-40167D424D2E}" type="datetimeFigureOut">
               <a:rPr lang="zh-TW" altLang="en-US" smtClean="0"/>
-              <a:t>2022/7/1</a:t>
+              <a:t>2022/8/10</a:t>
             </a:fld>
             <a:endParaRPr lang="zh-TW" altLang="en-US"/>
           </a:p>
@@ -3849,7 +3849,7 @@
           <a:p>
             <a:fld id="{1C04B068-0BC1-4366-925A-40167D424D2E}" type="datetimeFigureOut">
               <a:rPr lang="zh-TW" altLang="en-US" smtClean="0"/>
-              <a:t>2022/7/1</a:t>
+              <a:t>2022/8/10</a:t>
             </a:fld>
             <a:endParaRPr lang="zh-TW" altLang="en-US"/>
           </a:p>
@@ -3972,7 +3972,7 @@
           <a:p>
             <a:fld id="{1C04B068-0BC1-4366-925A-40167D424D2E}" type="datetimeFigureOut">
               <a:rPr lang="zh-TW" altLang="en-US" smtClean="0"/>
-              <a:t>2022/7/1</a:t>
+              <a:t>2022/8/10</a:t>
             </a:fld>
             <a:endParaRPr lang="zh-TW" altLang="en-US"/>
           </a:p>
@@ -4067,7 +4067,7 @@
           <a:p>
             <a:fld id="{1C04B068-0BC1-4366-925A-40167D424D2E}" type="datetimeFigureOut">
               <a:rPr lang="zh-TW" altLang="en-US" smtClean="0"/>
-              <a:t>2022/7/1</a:t>
+              <a:t>2022/8/10</a:t>
             </a:fld>
             <a:endParaRPr lang="zh-TW" altLang="en-US"/>
           </a:p>
@@ -4322,7 +4322,7 @@
           <a:p>
             <a:fld id="{1C04B068-0BC1-4366-925A-40167D424D2E}" type="datetimeFigureOut">
               <a:rPr lang="zh-TW" altLang="en-US" smtClean="0"/>
-              <a:t>2022/7/1</a:t>
+              <a:t>2022/8/10</a:t>
             </a:fld>
             <a:endParaRPr lang="zh-TW" altLang="en-US"/>
           </a:p>
@@ -4585,7 +4585,7 @@
           <a:p>
             <a:fld id="{1C04B068-0BC1-4366-925A-40167D424D2E}" type="datetimeFigureOut">
               <a:rPr lang="zh-TW" altLang="en-US" smtClean="0"/>
-              <a:t>2022/7/1</a:t>
+              <a:t>2022/8/10</a:t>
             </a:fld>
             <a:endParaRPr lang="zh-TW" altLang="en-US"/>
           </a:p>
@@ -5328,7 +5328,7 @@
           <a:p>
             <a:fld id="{1C04B068-0BC1-4366-925A-40167D424D2E}" type="datetimeFigureOut">
               <a:rPr lang="zh-TW" altLang="en-US" smtClean="0"/>
-              <a:t>2022/7/1</a:t>
+              <a:t>2022/8/10</a:t>
             </a:fld>
             <a:endParaRPr lang="zh-TW" altLang="en-US"/>
           </a:p>
@@ -6093,7 +6093,7 @@
             <a:pPr algn="r"/>
             <a:fld id="{DA74FC97-8647-474D-B375-8E81E8B358FB}" type="datetime4">
               <a:rPr lang="zh-TW" altLang="zh-TW"/>
-              <a:t>111年7月1日星期五</a:t>
+              <a:t>111年8月10日星期三</a:t>
             </a:fld>
             <a:endParaRPr lang="zh-TW" altLang="en-US" dirty="0"/>
           </a:p>
@@ -9823,186 +9823,6 @@
       </p:grpSpPr>
       <p:sp>
         <p:nvSpPr>
-          <p:cNvPr id="16" name="圓角矩形 15"/>
-          <p:cNvSpPr/>
-          <p:nvPr/>
-        </p:nvSpPr>
-        <p:spPr>
-          <a:xfrm>
-            <a:off x="3986944" y="4737397"/>
-            <a:ext cx="2924954" cy="1835454"/>
-          </a:xfrm>
-          <a:prstGeom prst="roundRect">
-            <a:avLst/>
-          </a:prstGeom>
-          <a:solidFill>
-            <a:srgbClr val="F94DDC">
-              <a:alpha val="41961"/>
-            </a:srgbClr>
-          </a:solidFill>
-        </p:spPr>
-        <p:style>
-          <a:lnRef idx="2">
-            <a:schemeClr val="accent1">
-              <a:shade val="50000"/>
-            </a:schemeClr>
-          </a:lnRef>
-          <a:fillRef idx="1">
-            <a:schemeClr val="accent1"/>
-          </a:fillRef>
-          <a:effectRef idx="0">
-            <a:schemeClr val="accent1"/>
-          </a:effectRef>
-          <a:fontRef idx="minor">
-            <a:schemeClr val="lt1"/>
-          </a:fontRef>
-        </p:style>
-        <p:txBody>
-          <a:bodyPr rtlCol="0" anchor="ctr"/>
-          <a:lstStyle/>
-          <a:p>
-            <a:pPr algn="ctr"/>
-            <a:endParaRPr lang="zh-TW" altLang="en-US"/>
-          </a:p>
-        </p:txBody>
-      </p:sp>
-      <p:sp>
-        <p:nvSpPr>
-          <p:cNvPr id="15" name="圓角矩形 14"/>
-          <p:cNvSpPr/>
-          <p:nvPr/>
-        </p:nvSpPr>
-        <p:spPr>
-          <a:xfrm>
-            <a:off x="3985853" y="1539925"/>
-            <a:ext cx="2926045" cy="2735239"/>
-          </a:xfrm>
-          <a:prstGeom prst="roundRect">
-            <a:avLst/>
-          </a:prstGeom>
-          <a:solidFill>
-            <a:srgbClr val="F94DDC">
-              <a:alpha val="41961"/>
-            </a:srgbClr>
-          </a:solidFill>
-        </p:spPr>
-        <p:style>
-          <a:lnRef idx="2">
-            <a:schemeClr val="accent1">
-              <a:shade val="50000"/>
-            </a:schemeClr>
-          </a:lnRef>
-          <a:fillRef idx="1">
-            <a:schemeClr val="accent1"/>
-          </a:fillRef>
-          <a:effectRef idx="0">
-            <a:schemeClr val="accent1"/>
-          </a:effectRef>
-          <a:fontRef idx="minor">
-            <a:schemeClr val="lt1"/>
-          </a:fontRef>
-        </p:style>
-        <p:txBody>
-          <a:bodyPr rtlCol="0" anchor="ctr"/>
-          <a:lstStyle/>
-          <a:p>
-            <a:pPr algn="ctr"/>
-            <a:endParaRPr lang="zh-TW" altLang="en-US"/>
-          </a:p>
-        </p:txBody>
-      </p:sp>
-      <p:sp>
-        <p:nvSpPr>
-          <p:cNvPr id="14" name="圓角矩形 13"/>
-          <p:cNvSpPr/>
-          <p:nvPr/>
-        </p:nvSpPr>
-        <p:spPr>
-          <a:xfrm>
-            <a:off x="7271788" y="1930400"/>
-            <a:ext cx="2057400" cy="3812032"/>
-          </a:xfrm>
-          <a:prstGeom prst="roundRect">
-            <a:avLst/>
-          </a:prstGeom>
-          <a:solidFill>
-            <a:srgbClr val="06D8E2">
-              <a:alpha val="41961"/>
-            </a:srgbClr>
-          </a:solidFill>
-        </p:spPr>
-        <p:style>
-          <a:lnRef idx="2">
-            <a:schemeClr val="accent1">
-              <a:shade val="50000"/>
-            </a:schemeClr>
-          </a:lnRef>
-          <a:fillRef idx="1">
-            <a:schemeClr val="accent1"/>
-          </a:fillRef>
-          <a:effectRef idx="0">
-            <a:schemeClr val="accent1"/>
-          </a:effectRef>
-          <a:fontRef idx="minor">
-            <a:schemeClr val="lt1"/>
-          </a:fontRef>
-        </p:style>
-        <p:txBody>
-          <a:bodyPr rtlCol="0" anchor="ctr"/>
-          <a:lstStyle/>
-          <a:p>
-            <a:pPr algn="ctr"/>
-            <a:endParaRPr lang="zh-TW" altLang="en-US"/>
-          </a:p>
-        </p:txBody>
-      </p:sp>
-      <p:sp>
-        <p:nvSpPr>
-          <p:cNvPr id="12" name="圓角矩形 11"/>
-          <p:cNvSpPr/>
-          <p:nvPr/>
-        </p:nvSpPr>
-        <p:spPr>
-          <a:xfrm>
-            <a:off x="1444752" y="1930400"/>
-            <a:ext cx="2057400" cy="3812032"/>
-          </a:xfrm>
-          <a:prstGeom prst="roundRect">
-            <a:avLst/>
-          </a:prstGeom>
-          <a:solidFill>
-            <a:srgbClr val="A2DF09">
-              <a:alpha val="41961"/>
-            </a:srgbClr>
-          </a:solidFill>
-        </p:spPr>
-        <p:style>
-          <a:lnRef idx="2">
-            <a:schemeClr val="accent1">
-              <a:shade val="50000"/>
-            </a:schemeClr>
-          </a:lnRef>
-          <a:fillRef idx="1">
-            <a:schemeClr val="accent1"/>
-          </a:fillRef>
-          <a:effectRef idx="0">
-            <a:schemeClr val="accent1"/>
-          </a:effectRef>
-          <a:fontRef idx="minor">
-            <a:schemeClr val="lt1"/>
-          </a:fontRef>
-        </p:style>
-        <p:txBody>
-          <a:bodyPr rtlCol="0" anchor="ctr"/>
-          <a:lstStyle/>
-          <a:p>
-            <a:pPr algn="ctr"/>
-            <a:endParaRPr lang="zh-TW" altLang="en-US"/>
-          </a:p>
-        </p:txBody>
-      </p:sp>
-      <p:sp>
-        <p:nvSpPr>
           <p:cNvPr id="2" name="標題 1"/>
           <p:cNvSpPr>
             <a:spLocks noGrp="1"/>
@@ -10024,646 +9844,1033 @@
           </a:p>
         </p:txBody>
       </p:sp>
-      <p:pic>
-        <p:nvPicPr>
-          <p:cNvPr id="5" name="圖片 4"/>
-          <p:cNvPicPr>
-            <a:picLocks noChangeAspect="1"/>
-          </p:cNvPicPr>
+      <p:grpSp>
+        <p:nvGrpSpPr>
+          <p:cNvPr id="38" name="群組 37"/>
+          <p:cNvGrpSpPr/>
           <p:nvPr/>
-        </p:nvPicPr>
-        <p:blipFill>
-          <a:blip r:embed="rId2">
+        </p:nvGrpSpPr>
+        <p:grpSpPr>
+          <a:xfrm>
+            <a:off x="1444752" y="1047422"/>
+            <a:ext cx="7884436" cy="5525429"/>
+            <a:chOff x="1444752" y="1047422"/>
+            <a:chExt cx="7884436" cy="5525429"/>
+          </a:xfrm>
+        </p:grpSpPr>
+        <p:sp>
+          <p:nvSpPr>
+            <p:cNvPr id="16" name="圓角矩形 15"/>
+            <p:cNvSpPr/>
+            <p:nvPr/>
+          </p:nvSpPr>
+          <p:spPr>
+            <a:xfrm>
+              <a:off x="3986944" y="4737397"/>
+              <a:ext cx="2924954" cy="1835454"/>
+            </a:xfrm>
+            <a:prstGeom prst="roundRect">
+              <a:avLst/>
+            </a:prstGeom>
+            <a:solidFill>
+              <a:srgbClr val="F94DDC">
+                <a:alpha val="41961"/>
+              </a:srgbClr>
+            </a:solidFill>
+          </p:spPr>
+          <p:style>
+            <a:lnRef idx="2">
+              <a:schemeClr val="accent1">
+                <a:shade val="50000"/>
+              </a:schemeClr>
+            </a:lnRef>
+            <a:fillRef idx="1">
+              <a:schemeClr val="accent1"/>
+            </a:fillRef>
+            <a:effectRef idx="0">
+              <a:schemeClr val="accent1"/>
+            </a:effectRef>
+            <a:fontRef idx="minor">
+              <a:schemeClr val="lt1"/>
+            </a:fontRef>
+          </p:style>
+          <p:txBody>
+            <a:bodyPr rtlCol="0" anchor="ctr"/>
+            <a:lstStyle/>
+            <a:p>
+              <a:pPr algn="ctr"/>
+              <a:endParaRPr lang="zh-TW" altLang="en-US"/>
+            </a:p>
+          </p:txBody>
+        </p:sp>
+        <p:sp>
+          <p:nvSpPr>
+            <p:cNvPr id="15" name="圓角矩形 14"/>
+            <p:cNvSpPr/>
+            <p:nvPr/>
+          </p:nvSpPr>
+          <p:spPr>
+            <a:xfrm>
+              <a:off x="3985853" y="1539925"/>
+              <a:ext cx="2926045" cy="2735239"/>
+            </a:xfrm>
+            <a:prstGeom prst="roundRect">
+              <a:avLst/>
+            </a:prstGeom>
+            <a:solidFill>
+              <a:srgbClr val="F94DDC">
+                <a:alpha val="41961"/>
+              </a:srgbClr>
+            </a:solidFill>
+          </p:spPr>
+          <p:style>
+            <a:lnRef idx="2">
+              <a:schemeClr val="accent1">
+                <a:shade val="50000"/>
+              </a:schemeClr>
+            </a:lnRef>
+            <a:fillRef idx="1">
+              <a:schemeClr val="accent1"/>
+            </a:fillRef>
+            <a:effectRef idx="0">
+              <a:schemeClr val="accent1"/>
+            </a:effectRef>
+            <a:fontRef idx="minor">
+              <a:schemeClr val="lt1"/>
+            </a:fontRef>
+          </p:style>
+          <p:txBody>
+            <a:bodyPr rtlCol="0" anchor="ctr"/>
+            <a:lstStyle/>
+            <a:p>
+              <a:pPr algn="ctr"/>
+              <a:endParaRPr lang="zh-TW" altLang="en-US" dirty="0"/>
+            </a:p>
+          </p:txBody>
+        </p:sp>
+        <p:sp>
+          <p:nvSpPr>
+            <p:cNvPr id="14" name="圓角矩形 13"/>
+            <p:cNvSpPr/>
+            <p:nvPr/>
+          </p:nvSpPr>
+          <p:spPr>
+            <a:xfrm>
+              <a:off x="7271788" y="1930400"/>
+              <a:ext cx="2057400" cy="3812032"/>
+            </a:xfrm>
+            <a:prstGeom prst="roundRect">
+              <a:avLst/>
+            </a:prstGeom>
+            <a:solidFill>
+              <a:srgbClr val="06D8E2">
+                <a:alpha val="41961"/>
+              </a:srgbClr>
+            </a:solidFill>
+          </p:spPr>
+          <p:style>
+            <a:lnRef idx="2">
+              <a:schemeClr val="accent1">
+                <a:shade val="50000"/>
+              </a:schemeClr>
+            </a:lnRef>
+            <a:fillRef idx="1">
+              <a:schemeClr val="accent1"/>
+            </a:fillRef>
+            <a:effectRef idx="0">
+              <a:schemeClr val="accent1"/>
+            </a:effectRef>
+            <a:fontRef idx="minor">
+              <a:schemeClr val="lt1"/>
+            </a:fontRef>
+          </p:style>
+          <p:txBody>
+            <a:bodyPr rtlCol="0" anchor="ctr"/>
+            <a:lstStyle/>
+            <a:p>
+              <a:pPr algn="ctr"/>
+              <a:endParaRPr lang="zh-TW" altLang="en-US"/>
+            </a:p>
+          </p:txBody>
+        </p:sp>
+        <p:sp>
+          <p:nvSpPr>
+            <p:cNvPr id="12" name="圓角矩形 11"/>
+            <p:cNvSpPr/>
+            <p:nvPr/>
+          </p:nvSpPr>
+          <p:spPr>
+            <a:xfrm>
+              <a:off x="1444752" y="1930400"/>
+              <a:ext cx="2057400" cy="3812032"/>
+            </a:xfrm>
+            <a:prstGeom prst="roundRect">
+              <a:avLst/>
+            </a:prstGeom>
+            <a:solidFill>
+              <a:srgbClr val="A2DF09">
+                <a:alpha val="41961"/>
+              </a:srgbClr>
+            </a:solidFill>
+          </p:spPr>
+          <p:style>
+            <a:lnRef idx="2">
+              <a:schemeClr val="accent1">
+                <a:shade val="50000"/>
+              </a:schemeClr>
+            </a:lnRef>
+            <a:fillRef idx="1">
+              <a:schemeClr val="accent1"/>
+            </a:fillRef>
+            <a:effectRef idx="0">
+              <a:schemeClr val="accent1"/>
+            </a:effectRef>
+            <a:fontRef idx="minor">
+              <a:schemeClr val="lt1"/>
+            </a:fontRef>
+          </p:style>
+          <p:txBody>
+            <a:bodyPr rtlCol="0" anchor="ctr"/>
+            <a:lstStyle/>
+            <a:p>
+              <a:pPr algn="ctr"/>
+              <a:endParaRPr lang="zh-TW" altLang="en-US"/>
+            </a:p>
+          </p:txBody>
+        </p:sp>
+        <p:pic>
+          <p:nvPicPr>
+            <p:cNvPr id="5" name="圖片 4"/>
+            <p:cNvPicPr>
+              <a:picLocks noChangeAspect="1"/>
+            </p:cNvPicPr>
+            <p:nvPr/>
+          </p:nvPicPr>
+          <p:blipFill>
+            <a:blip r:embed="rId2">
+              <a:extLst>
+                <a:ext uri="{28A0092B-C50C-407E-A947-70E740481C1C}">
+                  <a14:useLocalDpi xmlns:a14="http://schemas.microsoft.com/office/drawing/2010/main" val="0"/>
+                </a:ext>
+              </a:extLst>
+            </a:blip>
+            <a:stretch>
+              <a:fillRect/>
+            </a:stretch>
+          </p:blipFill>
+          <p:spPr>
+            <a:xfrm>
+              <a:off x="1834301" y="3820965"/>
+              <a:ext cx="1505070" cy="1523289"/>
+            </a:xfrm>
+            <a:prstGeom prst="rect">
+              <a:avLst/>
+            </a:prstGeom>
+          </p:spPr>
+        </p:pic>
+        <p:pic>
+          <p:nvPicPr>
+            <p:cNvPr id="6" name="圖片 5"/>
+            <p:cNvPicPr>
+              <a:picLocks noChangeAspect="1"/>
+            </p:cNvPicPr>
+            <p:nvPr/>
+          </p:nvPicPr>
+          <p:blipFill>
+            <a:blip r:embed="rId3" cstate="print">
+              <a:extLst>
+                <a:ext uri="{28A0092B-C50C-407E-A947-70E740481C1C}">
+                  <a14:useLocalDpi xmlns:a14="http://schemas.microsoft.com/office/drawing/2010/main" val="0"/>
+                </a:ext>
+              </a:extLst>
+            </a:blip>
+            <a:stretch>
+              <a:fillRect/>
+            </a:stretch>
+          </p:blipFill>
+          <p:spPr>
+            <a:xfrm>
+              <a:off x="1993362" y="2273742"/>
+              <a:ext cx="881042" cy="881042"/>
+            </a:xfrm>
+            <a:prstGeom prst="rect">
+              <a:avLst/>
+            </a:prstGeom>
+          </p:spPr>
+        </p:pic>
+        <p:pic>
+          <p:nvPicPr>
+            <p:cNvPr id="7" name="圖片 6"/>
+            <p:cNvPicPr>
+              <a:picLocks noChangeAspect="1"/>
+            </p:cNvPicPr>
+            <p:nvPr/>
+          </p:nvPicPr>
+          <p:blipFill>
+            <a:blip r:embed="rId4">
+              <a:extLst>
+                <a:ext uri="{28A0092B-C50C-407E-A947-70E740481C1C}">
+                  <a14:useLocalDpi xmlns:a14="http://schemas.microsoft.com/office/drawing/2010/main" val="0"/>
+                </a:ext>
+              </a:extLst>
+            </a:blip>
+            <a:stretch>
+              <a:fillRect/>
+            </a:stretch>
+          </p:blipFill>
+          <p:spPr>
+            <a:xfrm>
+              <a:off x="7619464" y="2279759"/>
+              <a:ext cx="1219370" cy="1219370"/>
+            </a:xfrm>
+            <a:prstGeom prst="rect">
+              <a:avLst/>
+            </a:prstGeom>
+          </p:spPr>
+        </p:pic>
+        <p:pic>
+          <p:nvPicPr>
+            <p:cNvPr id="8" name="圖片 7"/>
+            <p:cNvPicPr>
+              <a:picLocks noChangeAspect="1"/>
+            </p:cNvPicPr>
+            <p:nvPr/>
+          </p:nvPicPr>
+          <p:blipFill>
+            <a:blip r:embed="rId5">
+              <a:extLst>
+                <a:ext uri="{28A0092B-C50C-407E-A947-70E740481C1C}">
+                  <a14:useLocalDpi xmlns:a14="http://schemas.microsoft.com/office/drawing/2010/main" val="0"/>
+                </a:ext>
+              </a:extLst>
+            </a:blip>
+            <a:stretch>
+              <a:fillRect/>
+            </a:stretch>
+          </p:blipFill>
+          <p:spPr>
+            <a:xfrm>
+              <a:off x="2015707" y="4807968"/>
+              <a:ext cx="942587" cy="942587"/>
+            </a:xfrm>
+            <a:prstGeom prst="rect">
+              <a:avLst/>
+            </a:prstGeom>
+          </p:spPr>
+        </p:pic>
+        <p:pic>
+          <p:nvPicPr>
+            <p:cNvPr id="9" name="圖片 8"/>
+            <p:cNvPicPr>
+              <a:picLocks noChangeAspect="1"/>
+            </p:cNvPicPr>
+            <p:nvPr/>
+          </p:nvPicPr>
+          <p:blipFill>
+            <a:blip r:embed="rId6">
+              <a:extLst>
+                <a:ext uri="{28A0092B-C50C-407E-A947-70E740481C1C}">
+                  <a14:useLocalDpi xmlns:a14="http://schemas.microsoft.com/office/drawing/2010/main" val="0"/>
+                </a:ext>
+              </a:extLst>
+            </a:blip>
+            <a:stretch>
+              <a:fillRect/>
+            </a:stretch>
+          </p:blipFill>
+          <p:spPr>
+            <a:xfrm>
+              <a:off x="7666961" y="4429326"/>
+              <a:ext cx="1171873" cy="1171873"/>
+            </a:xfrm>
+            <a:prstGeom prst="rect">
+              <a:avLst/>
+            </a:prstGeom>
+          </p:spPr>
+        </p:pic>
+        <p:pic>
+          <p:nvPicPr>
+            <p:cNvPr id="10" name="圖片 9"/>
+            <p:cNvPicPr>
+              <a:picLocks noChangeAspect="1"/>
+            </p:cNvPicPr>
+            <p:nvPr/>
+          </p:nvPicPr>
+          <p:blipFill>
+            <a:blip r:embed="rId7" cstate="print">
+              <a:extLst>
+                <a:ext uri="{28A0092B-C50C-407E-A947-70E740481C1C}">
+                  <a14:useLocalDpi xmlns:a14="http://schemas.microsoft.com/office/drawing/2010/main" val="0"/>
+                </a:ext>
+              </a:extLst>
+            </a:blip>
+            <a:stretch>
+              <a:fillRect/>
+            </a:stretch>
+          </p:blipFill>
+          <p:spPr>
+            <a:xfrm>
+              <a:off x="5075553" y="5641899"/>
+              <a:ext cx="816399" cy="816399"/>
+            </a:xfrm>
+            <a:prstGeom prst="rect">
+              <a:avLst/>
+            </a:prstGeom>
+          </p:spPr>
+        </p:pic>
+        <p:pic>
+          <p:nvPicPr>
+            <p:cNvPr id="11" name="圖片 10"/>
+            <p:cNvPicPr>
+              <a:picLocks noChangeAspect="1"/>
+            </p:cNvPicPr>
+            <p:nvPr/>
+          </p:nvPicPr>
+          <p:blipFill>
+            <a:blip r:embed="rId8" cstate="print">
+              <a:extLst>
+                <a:ext uri="{28A0092B-C50C-407E-A947-70E740481C1C}">
+                  <a14:useLocalDpi xmlns:a14="http://schemas.microsoft.com/office/drawing/2010/main" val="0"/>
+                </a:ext>
+              </a:extLst>
+            </a:blip>
+            <a:stretch>
+              <a:fillRect/>
+            </a:stretch>
+          </p:blipFill>
+          <p:spPr>
+            <a:xfrm>
+              <a:off x="5916680" y="5530506"/>
+              <a:ext cx="920128" cy="920128"/>
+            </a:xfrm>
+            <a:prstGeom prst="rect">
+              <a:avLst/>
+            </a:prstGeom>
+          </p:spPr>
+        </p:pic>
+        <p:pic>
+          <p:nvPicPr>
+            <p:cNvPr id="1026" name="Picture 2" descr="https://img.technews.tw/wp-content/uploads/2021/11/08153913/shutterstock_1978792358-624x413.jpg"/>
+            <p:cNvPicPr>
+              <a:picLocks noChangeAspect="1" noChangeArrowheads="1"/>
+            </p:cNvPicPr>
+            <p:nvPr/>
+          </p:nvPicPr>
+          <p:blipFill>
+            <a:blip r:embed="rId9" cstate="print">
+              <a:extLst>
+                <a:ext uri="{BEBA8EAE-BF5A-486C-A8C5-ECC9F3942E4B}">
+                  <a14:imgProps xmlns:a14="http://schemas.microsoft.com/office/drawing/2010/main">
+                    <a14:imgLayer r:embed="rId10">
+                      <a14:imgEffect>
+                        <a14:backgroundRemoval t="242" b="98063" l="0" r="99840"/>
+                      </a14:imgEffect>
+                    </a14:imgLayer>
+                  </a14:imgProps>
+                </a:ext>
+                <a:ext uri="{28A0092B-C50C-407E-A947-70E740481C1C}">
+                  <a14:useLocalDpi xmlns:a14="http://schemas.microsoft.com/office/drawing/2010/main" val="0"/>
+                </a:ext>
+              </a:extLst>
+            </a:blip>
+            <a:srcRect/>
+            <a:stretch>
+              <a:fillRect/>
+            </a:stretch>
+          </p:blipFill>
+          <p:spPr bwMode="auto">
+            <a:xfrm>
+              <a:off x="3900773" y="5530506"/>
+              <a:ext cx="1260057" cy="833980"/>
+            </a:xfrm>
+            <a:prstGeom prst="rect">
+              <a:avLst/>
+            </a:prstGeom>
+            <a:noFill/>
             <a:extLst>
-              <a:ext uri="{28A0092B-C50C-407E-A947-70E740481C1C}">
-                <a14:useLocalDpi xmlns:a14="http://schemas.microsoft.com/office/drawing/2010/main" val="0"/>
+              <a:ext uri="{909E8E84-426E-40DD-AFC4-6F175D3DCCD1}">
+                <a14:hiddenFill xmlns:a14="http://schemas.microsoft.com/office/drawing/2010/main">
+                  <a:solidFill>
+                    <a:srgbClr val="FFFFFF"/>
+                  </a:solidFill>
+                </a14:hiddenFill>
               </a:ext>
             </a:extLst>
-          </a:blip>
-          <a:stretch>
-            <a:fillRect/>
-          </a:stretch>
-        </p:blipFill>
-        <p:spPr>
-          <a:xfrm>
-            <a:off x="1825946" y="3083880"/>
-            <a:ext cx="1505070" cy="1523289"/>
-          </a:xfrm>
-          <a:prstGeom prst="rect">
-            <a:avLst/>
-          </a:prstGeom>
-        </p:spPr>
-      </p:pic>
-      <p:pic>
-        <p:nvPicPr>
-          <p:cNvPr id="6" name="圖片 5"/>
-          <p:cNvPicPr>
-            <a:picLocks noChangeAspect="1"/>
-          </p:cNvPicPr>
-          <p:nvPr/>
-        </p:nvPicPr>
-        <p:blipFill>
-          <a:blip r:embed="rId3" cstate="print">
-            <a:extLst>
-              <a:ext uri="{28A0092B-C50C-407E-A947-70E740481C1C}">
-                <a14:useLocalDpi xmlns:a14="http://schemas.microsoft.com/office/drawing/2010/main" val="0"/>
-              </a:ext>
-            </a:extLst>
-          </a:blip>
-          <a:stretch>
-            <a:fillRect/>
-          </a:stretch>
-        </p:blipFill>
-        <p:spPr>
-          <a:xfrm>
-            <a:off x="1993362" y="2273742"/>
-            <a:ext cx="881042" cy="881042"/>
-          </a:xfrm>
-          <a:prstGeom prst="rect">
-            <a:avLst/>
-          </a:prstGeom>
-        </p:spPr>
-      </p:pic>
-      <p:pic>
-        <p:nvPicPr>
-          <p:cNvPr id="7" name="圖片 6"/>
-          <p:cNvPicPr>
-            <a:picLocks noChangeAspect="1"/>
-          </p:cNvPicPr>
-          <p:nvPr/>
-        </p:nvPicPr>
-        <p:blipFill>
-          <a:blip r:embed="rId4">
-            <a:extLst>
-              <a:ext uri="{28A0092B-C50C-407E-A947-70E740481C1C}">
-                <a14:useLocalDpi xmlns:a14="http://schemas.microsoft.com/office/drawing/2010/main" val="0"/>
-              </a:ext>
-            </a:extLst>
-          </a:blip>
-          <a:stretch>
-            <a:fillRect/>
-          </a:stretch>
-        </p:blipFill>
-        <p:spPr>
-          <a:xfrm>
-            <a:off x="7619464" y="2279759"/>
-            <a:ext cx="1219370" cy="1219370"/>
-          </a:xfrm>
-          <a:prstGeom prst="rect">
-            <a:avLst/>
-          </a:prstGeom>
-        </p:spPr>
-      </p:pic>
-      <p:pic>
-        <p:nvPicPr>
-          <p:cNvPr id="8" name="圖片 7"/>
-          <p:cNvPicPr>
-            <a:picLocks noChangeAspect="1"/>
-          </p:cNvPicPr>
-          <p:nvPr/>
-        </p:nvPicPr>
-        <p:blipFill>
-          <a:blip r:embed="rId5">
-            <a:extLst>
-              <a:ext uri="{28A0092B-C50C-407E-A947-70E740481C1C}">
-                <a14:useLocalDpi xmlns:a14="http://schemas.microsoft.com/office/drawing/2010/main" val="0"/>
-              </a:ext>
-            </a:extLst>
-          </a:blip>
-          <a:stretch>
-            <a:fillRect/>
-          </a:stretch>
-        </p:blipFill>
-        <p:spPr>
-          <a:xfrm>
-            <a:off x="2037498" y="4194346"/>
-            <a:ext cx="942587" cy="942587"/>
-          </a:xfrm>
-          <a:prstGeom prst="rect">
-            <a:avLst/>
-          </a:prstGeom>
-        </p:spPr>
-      </p:pic>
-      <p:pic>
-        <p:nvPicPr>
-          <p:cNvPr id="9" name="圖片 8"/>
-          <p:cNvPicPr>
-            <a:picLocks noChangeAspect="1"/>
-          </p:cNvPicPr>
-          <p:nvPr/>
-        </p:nvPicPr>
-        <p:blipFill>
-          <a:blip r:embed="rId6">
-            <a:extLst>
-              <a:ext uri="{28A0092B-C50C-407E-A947-70E740481C1C}">
-                <a14:useLocalDpi xmlns:a14="http://schemas.microsoft.com/office/drawing/2010/main" val="0"/>
-              </a:ext>
-            </a:extLst>
-          </a:blip>
-          <a:stretch>
-            <a:fillRect/>
-          </a:stretch>
-        </p:blipFill>
-        <p:spPr>
-          <a:xfrm>
-            <a:off x="7724030" y="3435297"/>
-            <a:ext cx="1171873" cy="1171873"/>
-          </a:xfrm>
-          <a:prstGeom prst="rect">
-            <a:avLst/>
-          </a:prstGeom>
-        </p:spPr>
-      </p:pic>
-      <p:pic>
-        <p:nvPicPr>
-          <p:cNvPr id="10" name="圖片 9"/>
-          <p:cNvPicPr>
-            <a:picLocks noChangeAspect="1"/>
-          </p:cNvPicPr>
-          <p:nvPr/>
-        </p:nvPicPr>
-        <p:blipFill>
-          <a:blip r:embed="rId7" cstate="print">
-            <a:extLst>
-              <a:ext uri="{28A0092B-C50C-407E-A947-70E740481C1C}">
-                <a14:useLocalDpi xmlns:a14="http://schemas.microsoft.com/office/drawing/2010/main" val="0"/>
-              </a:ext>
-            </a:extLst>
-          </a:blip>
-          <a:stretch>
-            <a:fillRect/>
-          </a:stretch>
-        </p:blipFill>
-        <p:spPr>
-          <a:xfrm>
-            <a:off x="4736727" y="5091213"/>
-            <a:ext cx="1019973" cy="1019973"/>
-          </a:xfrm>
-          <a:prstGeom prst="rect">
-            <a:avLst/>
-          </a:prstGeom>
-        </p:spPr>
-      </p:pic>
-      <p:pic>
-        <p:nvPicPr>
-          <p:cNvPr id="11" name="圖片 10"/>
-          <p:cNvPicPr>
-            <a:picLocks noChangeAspect="1"/>
-          </p:cNvPicPr>
-          <p:nvPr/>
-        </p:nvPicPr>
-        <p:blipFill>
-          <a:blip r:embed="rId8" cstate="print">
-            <a:extLst>
-              <a:ext uri="{28A0092B-C50C-407E-A947-70E740481C1C}">
-                <a14:useLocalDpi xmlns:a14="http://schemas.microsoft.com/office/drawing/2010/main" val="0"/>
-              </a:ext>
-            </a:extLst>
-          </a:blip>
-          <a:stretch>
-            <a:fillRect/>
-          </a:stretch>
-        </p:blipFill>
-        <p:spPr>
-          <a:xfrm>
-            <a:off x="5780441" y="5061861"/>
-            <a:ext cx="1049325" cy="1049325"/>
-          </a:xfrm>
-          <a:prstGeom prst="rect">
-            <a:avLst/>
-          </a:prstGeom>
-        </p:spPr>
-      </p:pic>
-      <p:pic>
-        <p:nvPicPr>
-          <p:cNvPr id="1026" name="Picture 2" descr="https://img.technews.tw/wp-content/uploads/2021/11/08153913/shutterstock_1978792358-624x413.jpg"/>
-          <p:cNvPicPr>
-            <a:picLocks noChangeAspect="1" noChangeArrowheads="1"/>
-          </p:cNvPicPr>
-          <p:nvPr/>
-        </p:nvPicPr>
-        <p:blipFill>
-          <a:blip r:embed="rId9" cstate="print">
-            <a:extLst>
-              <a:ext uri="{BEBA8EAE-BF5A-486C-A8C5-ECC9F3942E4B}">
-                <a14:imgProps xmlns:a14="http://schemas.microsoft.com/office/drawing/2010/main">
-                  <a14:imgLayer r:embed="rId10">
-                    <a14:imgEffect>
-                      <a14:backgroundRemoval t="242" b="98063" l="0" r="99840"/>
-                    </a14:imgEffect>
-                  </a14:imgLayer>
-                </a14:imgProps>
-              </a:ext>
-              <a:ext uri="{28A0092B-C50C-407E-A947-70E740481C1C}">
-                <a14:useLocalDpi xmlns:a14="http://schemas.microsoft.com/office/drawing/2010/main" val="0"/>
-              </a:ext>
-            </a:extLst>
-          </a:blip>
-          <a:srcRect/>
-          <a:stretch>
-            <a:fillRect/>
-          </a:stretch>
-        </p:blipFill>
-        <p:spPr bwMode="auto">
-          <a:xfrm>
-            <a:off x="3843613" y="4899469"/>
-            <a:ext cx="1400573" cy="926982"/>
-          </a:xfrm>
-          <a:prstGeom prst="rect">
-            <a:avLst/>
-          </a:prstGeom>
-          <a:noFill/>
-          <a:extLst>
-            <a:ext uri="{909E8E84-426E-40DD-AFC4-6F175D3DCCD1}">
-              <a14:hiddenFill xmlns:a14="http://schemas.microsoft.com/office/drawing/2010/main">
-                <a:solidFill>
-                  <a:srgbClr val="FFFFFF"/>
-                </a:solidFill>
-              </a14:hiddenFill>
-            </a:ext>
-          </a:extLst>
-        </p:spPr>
-      </p:pic>
-      <p:sp>
-        <p:nvSpPr>
-          <p:cNvPr id="13" name="文字方塊 12"/>
-          <p:cNvSpPr txBox="1"/>
-          <p:nvPr/>
-        </p:nvSpPr>
-        <p:spPr>
-          <a:xfrm>
-            <a:off x="1771965" y="5197945"/>
-            <a:ext cx="1415772" cy="461665"/>
-          </a:xfrm>
-          <a:prstGeom prst="rect">
-            <a:avLst/>
-          </a:prstGeom>
-          <a:noFill/>
-        </p:spPr>
-        <p:txBody>
-          <a:bodyPr wrap="none" rtlCol="0">
-            <a:spAutoFit/>
-          </a:bodyPr>
-          <a:lstStyle/>
-          <a:p>
-            <a:r>
-              <a:rPr lang="zh-TW" altLang="en-US" sz="2400" b="1" dirty="0" smtClean="0"/>
-              <a:t>輸入單元</a:t>
-            </a:r>
-            <a:endParaRPr lang="zh-TW" altLang="en-US" sz="2400" b="1" dirty="0"/>
-          </a:p>
-        </p:txBody>
-      </p:sp>
-      <p:sp>
-        <p:nvSpPr>
-          <p:cNvPr id="18" name="文字方塊 17"/>
-          <p:cNvSpPr txBox="1"/>
-          <p:nvPr/>
-        </p:nvSpPr>
-        <p:spPr>
-          <a:xfrm>
-            <a:off x="7660270" y="5067859"/>
-            <a:ext cx="1415772" cy="461665"/>
-          </a:xfrm>
-          <a:prstGeom prst="rect">
-            <a:avLst/>
-          </a:prstGeom>
-          <a:noFill/>
-        </p:spPr>
-        <p:txBody>
-          <a:bodyPr wrap="none" rtlCol="0">
-            <a:spAutoFit/>
-          </a:bodyPr>
-          <a:lstStyle/>
-          <a:p>
-            <a:r>
-              <a:rPr lang="zh-TW" altLang="en-US" sz="2400" b="1" dirty="0" smtClean="0"/>
-              <a:t>輸出單元</a:t>
-            </a:r>
-            <a:endParaRPr lang="zh-TW" altLang="en-US" sz="2400" b="1" dirty="0"/>
-          </a:p>
-        </p:txBody>
-      </p:sp>
-      <p:sp>
-        <p:nvSpPr>
-          <p:cNvPr id="19" name="文字方塊 18"/>
-          <p:cNvSpPr txBox="1"/>
-          <p:nvPr/>
-        </p:nvSpPr>
-        <p:spPr>
-          <a:xfrm>
-            <a:off x="4757641" y="6111186"/>
-            <a:ext cx="1415772" cy="461665"/>
-          </a:xfrm>
-          <a:prstGeom prst="rect">
-            <a:avLst/>
-          </a:prstGeom>
-          <a:noFill/>
-        </p:spPr>
-        <p:txBody>
-          <a:bodyPr wrap="none" rtlCol="0">
-            <a:spAutoFit/>
-          </a:bodyPr>
-          <a:lstStyle/>
-          <a:p>
-            <a:r>
-              <a:rPr lang="zh-TW" altLang="en-US" sz="2400" b="1" dirty="0" smtClean="0"/>
-              <a:t>記憶單元</a:t>
-            </a:r>
-            <a:endParaRPr lang="zh-TW" altLang="en-US" sz="2400" b="1" dirty="0"/>
-          </a:p>
-        </p:txBody>
-      </p:sp>
-      <p:sp>
-        <p:nvSpPr>
-          <p:cNvPr id="20" name="文字方塊 19"/>
-          <p:cNvSpPr txBox="1"/>
-          <p:nvPr/>
-        </p:nvSpPr>
-        <p:spPr>
-          <a:xfrm>
-            <a:off x="4680410" y="1634963"/>
-            <a:ext cx="1415772" cy="461665"/>
-          </a:xfrm>
-          <a:prstGeom prst="rect">
-            <a:avLst/>
-          </a:prstGeom>
-          <a:noFill/>
-        </p:spPr>
-        <p:txBody>
-          <a:bodyPr wrap="none" rtlCol="0">
-            <a:spAutoFit/>
-          </a:bodyPr>
-          <a:lstStyle/>
-          <a:p>
-            <a:r>
-              <a:rPr lang="zh-TW" altLang="en-US" sz="2400" b="1" dirty="0" smtClean="0"/>
-              <a:t>控制單元</a:t>
-            </a:r>
-            <a:endParaRPr lang="zh-TW" altLang="en-US" sz="2400" b="1" dirty="0"/>
-          </a:p>
-        </p:txBody>
-      </p:sp>
-      <p:sp>
-        <p:nvSpPr>
-          <p:cNvPr id="21" name="文字方塊 20"/>
-          <p:cNvSpPr txBox="1"/>
-          <p:nvPr/>
-        </p:nvSpPr>
-        <p:spPr>
-          <a:xfrm>
-            <a:off x="4361198" y="3620830"/>
-            <a:ext cx="2339102" cy="461665"/>
-          </a:xfrm>
-          <a:prstGeom prst="rect">
-            <a:avLst/>
-          </a:prstGeom>
-          <a:noFill/>
-        </p:spPr>
-        <p:txBody>
-          <a:bodyPr wrap="none" rtlCol="0">
-            <a:spAutoFit/>
-          </a:bodyPr>
-          <a:lstStyle/>
-          <a:p>
-            <a:r>
-              <a:rPr lang="zh-TW" altLang="en-US" sz="2400" b="1" dirty="0" smtClean="0"/>
-              <a:t>算術與邏輯單元</a:t>
-            </a:r>
-            <a:endParaRPr lang="zh-TW" altLang="en-US" sz="2400" b="1" dirty="0"/>
-          </a:p>
-        </p:txBody>
-      </p:sp>
-      <p:sp>
-        <p:nvSpPr>
-          <p:cNvPr id="17" name="向右箭號 16"/>
-          <p:cNvSpPr/>
-          <p:nvPr/>
-        </p:nvSpPr>
-        <p:spPr>
-          <a:xfrm>
-            <a:off x="3400806" y="3100571"/>
-            <a:ext cx="724094" cy="512064"/>
-          </a:xfrm>
-          <a:prstGeom prst="rightArrow">
-            <a:avLst/>
-          </a:prstGeom>
-          <a:solidFill>
-            <a:srgbClr val="FF0000"/>
-          </a:solidFill>
-          <a:ln>
+          </p:spPr>
+        </p:pic>
+        <p:sp>
+          <p:nvSpPr>
+            <p:cNvPr id="13" name="文字方塊 12"/>
+            <p:cNvSpPr txBox="1"/>
+            <p:nvPr/>
+          </p:nvSpPr>
+          <p:spPr>
+            <a:xfrm>
+              <a:off x="1779114" y="3582009"/>
+              <a:ext cx="1415772" cy="461665"/>
+            </a:xfrm>
+            <a:prstGeom prst="rect">
+              <a:avLst/>
+            </a:prstGeom>
+            <a:solidFill>
+              <a:schemeClr val="accent3">
+                <a:lumMod val="40000"/>
+                <a:lumOff val="60000"/>
+              </a:schemeClr>
+            </a:solidFill>
+          </p:spPr>
+          <p:txBody>
+            <a:bodyPr wrap="none" rtlCol="0">
+              <a:spAutoFit/>
+            </a:bodyPr>
+            <a:lstStyle/>
+            <a:p>
+              <a:r>
+                <a:rPr lang="zh-TW" altLang="en-US" sz="2400" b="1" dirty="0" smtClean="0"/>
+                <a:t>輸入單元</a:t>
+              </a:r>
+              <a:endParaRPr lang="zh-TW" altLang="en-US" sz="2400" b="1" dirty="0"/>
+            </a:p>
+          </p:txBody>
+        </p:sp>
+        <p:sp>
+          <p:nvSpPr>
+            <p:cNvPr id="18" name="文字方塊 17"/>
+            <p:cNvSpPr txBox="1"/>
+            <p:nvPr/>
+          </p:nvSpPr>
+          <p:spPr>
+            <a:xfrm>
+              <a:off x="7636646" y="3618440"/>
+              <a:ext cx="1415772" cy="461665"/>
+            </a:xfrm>
+            <a:prstGeom prst="rect">
+              <a:avLst/>
+            </a:prstGeom>
+            <a:solidFill>
+              <a:schemeClr val="accent3">
+                <a:lumMod val="40000"/>
+                <a:lumOff val="60000"/>
+              </a:schemeClr>
+            </a:solidFill>
+          </p:spPr>
+          <p:txBody>
+            <a:bodyPr wrap="none" rtlCol="0">
+              <a:spAutoFit/>
+            </a:bodyPr>
+            <a:lstStyle/>
+            <a:p>
+              <a:r>
+                <a:rPr lang="zh-TW" altLang="en-US" sz="2400" b="1" dirty="0" smtClean="0"/>
+                <a:t>輸出單元</a:t>
+              </a:r>
+              <a:endParaRPr lang="zh-TW" altLang="en-US" sz="2400" b="1" dirty="0"/>
+            </a:p>
+          </p:txBody>
+        </p:sp>
+        <p:sp>
+          <p:nvSpPr>
+            <p:cNvPr id="19" name="文字方塊 18"/>
+            <p:cNvSpPr txBox="1"/>
+            <p:nvPr/>
+          </p:nvSpPr>
+          <p:spPr>
+            <a:xfrm>
+              <a:off x="4740989" y="5023414"/>
+              <a:ext cx="1415772" cy="461665"/>
+            </a:xfrm>
+            <a:prstGeom prst="rect">
+              <a:avLst/>
+            </a:prstGeom>
+            <a:solidFill>
+              <a:schemeClr val="accent3">
+                <a:lumMod val="40000"/>
+                <a:lumOff val="60000"/>
+              </a:schemeClr>
+            </a:solidFill>
+          </p:spPr>
+          <p:txBody>
+            <a:bodyPr wrap="none" rtlCol="0">
+              <a:spAutoFit/>
+            </a:bodyPr>
+            <a:lstStyle/>
+            <a:p>
+              <a:r>
+                <a:rPr lang="zh-TW" altLang="en-US" sz="2400" b="1" dirty="0" smtClean="0"/>
+                <a:t>記憶單元</a:t>
+              </a:r>
+              <a:endParaRPr lang="zh-TW" altLang="en-US" sz="2400" b="1" dirty="0"/>
+            </a:p>
+          </p:txBody>
+        </p:sp>
+        <p:sp>
+          <p:nvSpPr>
+            <p:cNvPr id="20" name="文字方塊 19"/>
+            <p:cNvSpPr txBox="1"/>
+            <p:nvPr/>
+          </p:nvSpPr>
+          <p:spPr>
+            <a:xfrm>
+              <a:off x="4757641" y="2554705"/>
+              <a:ext cx="1415772" cy="461665"/>
+            </a:xfrm>
+            <a:prstGeom prst="rect">
+              <a:avLst/>
+            </a:prstGeom>
+            <a:solidFill>
+              <a:schemeClr val="accent3">
+                <a:lumMod val="40000"/>
+                <a:lumOff val="60000"/>
+              </a:schemeClr>
+            </a:solidFill>
+          </p:spPr>
+          <p:txBody>
+            <a:bodyPr wrap="none" rtlCol="0">
+              <a:spAutoFit/>
+            </a:bodyPr>
+            <a:lstStyle/>
+            <a:p>
+              <a:r>
+                <a:rPr lang="zh-TW" altLang="en-US" sz="2400" b="1" dirty="0" smtClean="0"/>
+                <a:t>控制單元</a:t>
+              </a:r>
+              <a:endParaRPr lang="zh-TW" altLang="en-US" sz="2400" b="1" dirty="0"/>
+            </a:p>
+          </p:txBody>
+        </p:sp>
+        <p:sp>
+          <p:nvSpPr>
+            <p:cNvPr id="21" name="文字方塊 20"/>
+            <p:cNvSpPr txBox="1"/>
+            <p:nvPr/>
+          </p:nvSpPr>
+          <p:spPr>
+            <a:xfrm>
+              <a:off x="4295976" y="3615507"/>
+              <a:ext cx="2339102" cy="461665"/>
+            </a:xfrm>
+            <a:prstGeom prst="rect">
+              <a:avLst/>
+            </a:prstGeom>
+            <a:solidFill>
+              <a:schemeClr val="accent3">
+                <a:lumMod val="40000"/>
+                <a:lumOff val="60000"/>
+              </a:schemeClr>
+            </a:solidFill>
+          </p:spPr>
+          <p:txBody>
+            <a:bodyPr wrap="none" rtlCol="0">
+              <a:spAutoFit/>
+            </a:bodyPr>
+            <a:lstStyle/>
+            <a:p>
+              <a:r>
+                <a:rPr lang="zh-TW" altLang="en-US" sz="2400" b="1" dirty="0" smtClean="0"/>
+                <a:t>算術與邏輯單元</a:t>
+              </a:r>
+              <a:endParaRPr lang="zh-TW" altLang="en-US" sz="2400" b="1" dirty="0"/>
+            </a:p>
+          </p:txBody>
+        </p:sp>
+        <p:sp>
+          <p:nvSpPr>
+            <p:cNvPr id="17" name="向右箭號 16"/>
+            <p:cNvSpPr/>
+            <p:nvPr/>
+          </p:nvSpPr>
+          <p:spPr>
+            <a:xfrm>
+              <a:off x="3250073" y="3715863"/>
+              <a:ext cx="959965" cy="267972"/>
+            </a:xfrm>
+            <a:prstGeom prst="rightArrow">
+              <a:avLst/>
+            </a:prstGeom>
             <a:solidFill>
               <a:srgbClr val="FF0000"/>
             </a:solidFill>
-          </a:ln>
-        </p:spPr>
-        <p:style>
-          <a:lnRef idx="2">
-            <a:schemeClr val="accent1">
-              <a:shade val="50000"/>
-            </a:schemeClr>
-          </a:lnRef>
-          <a:fillRef idx="1">
-            <a:schemeClr val="accent1"/>
-          </a:fillRef>
-          <a:effectRef idx="0">
-            <a:schemeClr val="accent1"/>
-          </a:effectRef>
-          <a:fontRef idx="minor">
-            <a:schemeClr val="lt1"/>
-          </a:fontRef>
-        </p:style>
-        <p:txBody>
-          <a:bodyPr rtlCol="0" anchor="ctr"/>
-          <a:lstStyle/>
-          <a:p>
-            <a:pPr algn="ctr"/>
-            <a:endParaRPr lang="zh-TW" altLang="en-US"/>
-          </a:p>
-        </p:txBody>
-      </p:sp>
-      <p:sp>
-        <p:nvSpPr>
-          <p:cNvPr id="23" name="向右箭號 22"/>
-          <p:cNvSpPr/>
-          <p:nvPr/>
-        </p:nvSpPr>
-        <p:spPr>
-          <a:xfrm>
-            <a:off x="6736030" y="3088268"/>
-            <a:ext cx="724094" cy="512064"/>
-          </a:xfrm>
-          <a:prstGeom prst="rightArrow">
-            <a:avLst/>
-          </a:prstGeom>
-          <a:solidFill>
-            <a:srgbClr val="FF0000"/>
-          </a:solidFill>
-          <a:ln>
+            <a:ln>
+              <a:solidFill>
+                <a:srgbClr val="FF0000"/>
+              </a:solidFill>
+            </a:ln>
+          </p:spPr>
+          <p:style>
+            <a:lnRef idx="2">
+              <a:schemeClr val="accent1">
+                <a:shade val="50000"/>
+              </a:schemeClr>
+            </a:lnRef>
+            <a:fillRef idx="1">
+              <a:schemeClr val="accent1"/>
+            </a:fillRef>
+            <a:effectRef idx="0">
+              <a:schemeClr val="accent1"/>
+            </a:effectRef>
+            <a:fontRef idx="minor">
+              <a:schemeClr val="lt1"/>
+            </a:fontRef>
+          </p:style>
+          <p:txBody>
+            <a:bodyPr rtlCol="0" anchor="ctr"/>
+            <a:lstStyle/>
+            <a:p>
+              <a:pPr algn="ctr"/>
+              <a:endParaRPr lang="zh-TW" altLang="en-US"/>
+            </a:p>
+          </p:txBody>
+        </p:sp>
+        <p:sp>
+          <p:nvSpPr>
+            <p:cNvPr id="23" name="向右箭號 22"/>
+            <p:cNvSpPr/>
+            <p:nvPr/>
+          </p:nvSpPr>
+          <p:spPr>
+            <a:xfrm>
+              <a:off x="6692630" y="3715863"/>
+              <a:ext cx="898448" cy="267972"/>
+            </a:xfrm>
+            <a:prstGeom prst="rightArrow">
+              <a:avLst/>
+            </a:prstGeom>
             <a:solidFill>
               <a:srgbClr val="FF0000"/>
             </a:solidFill>
-          </a:ln>
-        </p:spPr>
-        <p:style>
-          <a:lnRef idx="2">
-            <a:schemeClr val="accent1">
-              <a:shade val="50000"/>
-            </a:schemeClr>
-          </a:lnRef>
-          <a:fillRef idx="1">
-            <a:schemeClr val="accent1"/>
-          </a:fillRef>
-          <a:effectRef idx="0">
-            <a:schemeClr val="accent1"/>
-          </a:effectRef>
-          <a:fontRef idx="minor">
-            <a:schemeClr val="lt1"/>
-          </a:fontRef>
-        </p:style>
-        <p:txBody>
-          <a:bodyPr rtlCol="0" anchor="ctr"/>
-          <a:lstStyle/>
-          <a:p>
-            <a:pPr algn="ctr"/>
-            <a:endParaRPr lang="zh-TW" altLang="en-US"/>
-          </a:p>
-        </p:txBody>
-      </p:sp>
-      <p:sp>
-        <p:nvSpPr>
-          <p:cNvPr id="22" name="上-下雙向箭號 21"/>
-          <p:cNvSpPr/>
-          <p:nvPr/>
-        </p:nvSpPr>
-        <p:spPr>
-          <a:xfrm>
-            <a:off x="5198663" y="4021234"/>
-            <a:ext cx="533728" cy="897815"/>
-          </a:xfrm>
-          <a:prstGeom prst="upDownArrow">
-            <a:avLst/>
-          </a:prstGeom>
-          <a:solidFill>
-            <a:srgbClr val="FF0000"/>
-          </a:solidFill>
-          <a:ln>
+            <a:ln>
+              <a:solidFill>
+                <a:srgbClr val="FF0000"/>
+              </a:solidFill>
+            </a:ln>
+          </p:spPr>
+          <p:style>
+            <a:lnRef idx="2">
+              <a:schemeClr val="accent1">
+                <a:shade val="50000"/>
+              </a:schemeClr>
+            </a:lnRef>
+            <a:fillRef idx="1">
+              <a:schemeClr val="accent1"/>
+            </a:fillRef>
+            <a:effectRef idx="0">
+              <a:schemeClr val="accent1"/>
+            </a:effectRef>
+            <a:fontRef idx="minor">
+              <a:schemeClr val="lt1"/>
+            </a:fontRef>
+          </p:style>
+          <p:txBody>
+            <a:bodyPr rtlCol="0" anchor="ctr"/>
+            <a:lstStyle/>
+            <a:p>
+              <a:pPr algn="ctr"/>
+              <a:endParaRPr lang="zh-TW" altLang="en-US"/>
+            </a:p>
+          </p:txBody>
+        </p:sp>
+        <p:pic>
+          <p:nvPicPr>
+            <p:cNvPr id="25" name="圖片 24"/>
+            <p:cNvPicPr>
+              <a:picLocks noChangeAspect="1"/>
+            </p:cNvPicPr>
+            <p:nvPr/>
+          </p:nvPicPr>
+          <p:blipFill>
+            <a:blip r:embed="rId11">
+              <a:extLst>
+                <a:ext uri="{BEBA8EAE-BF5A-486C-A8C5-ECC9F3942E4B}">
+                  <a14:imgProps xmlns:a14="http://schemas.microsoft.com/office/drawing/2010/main">
+                    <a14:imgLayer r:embed="rId12">
+                      <a14:imgEffect>
+                        <a14:backgroundRemoval t="1087" b="98913" l="730" r="97810"/>
+                      </a14:imgEffect>
+                    </a14:imgLayer>
+                  </a14:imgProps>
+                </a:ext>
+              </a:extLst>
+            </a:blip>
+            <a:stretch>
+              <a:fillRect/>
+            </a:stretch>
+          </p:blipFill>
+          <p:spPr>
+            <a:xfrm>
+              <a:off x="4598126" y="1479797"/>
+              <a:ext cx="1428992" cy="959615"/>
+            </a:xfrm>
+            <a:prstGeom prst="rect">
+              <a:avLst/>
+            </a:prstGeom>
+          </p:spPr>
+        </p:pic>
+        <p:sp>
+          <p:nvSpPr>
+            <p:cNvPr id="3" name="文字方塊 2"/>
+            <p:cNvSpPr txBox="1"/>
+            <p:nvPr/>
+          </p:nvSpPr>
+          <p:spPr>
+            <a:xfrm>
+              <a:off x="4266621" y="1047422"/>
+              <a:ext cx="2528256" cy="461665"/>
+            </a:xfrm>
+            <a:prstGeom prst="rect">
+              <a:avLst/>
+            </a:prstGeom>
+            <a:solidFill>
+              <a:schemeClr val="accent1">
+                <a:lumMod val="20000"/>
+                <a:lumOff val="80000"/>
+              </a:schemeClr>
+            </a:solidFill>
+          </p:spPr>
+          <p:txBody>
+            <a:bodyPr wrap="none" rtlCol="0">
+              <a:spAutoFit/>
+            </a:bodyPr>
+            <a:lstStyle/>
+            <a:p>
+              <a:r>
+                <a:rPr lang="zh-TW" altLang="en-US" sz="2400" b="1" dirty="0" smtClean="0">
+                  <a:solidFill>
+                    <a:srgbClr val="FF0000"/>
+                  </a:solidFill>
+                </a:rPr>
+                <a:t>中央處理器</a:t>
+              </a:r>
+              <a:r>
+                <a:rPr lang="en-US" altLang="zh-TW" sz="2400" b="1" dirty="0" smtClean="0">
+                  <a:solidFill>
+                    <a:srgbClr val="FF0000"/>
+                  </a:solidFill>
+                </a:rPr>
+                <a:t>(CPU)</a:t>
+              </a:r>
+              <a:endParaRPr lang="zh-TW" altLang="en-US" sz="2400" b="1" dirty="0">
+                <a:solidFill>
+                  <a:srgbClr val="FF0000"/>
+                </a:solidFill>
+              </a:endParaRPr>
+            </a:p>
+          </p:txBody>
+        </p:sp>
+        <p:cxnSp>
+          <p:nvCxnSpPr>
+            <p:cNvPr id="24" name="直線單箭頭接點 23"/>
+            <p:cNvCxnSpPr>
+              <a:stCxn id="20" idx="1"/>
+            </p:cNvCxnSpPr>
+            <p:nvPr/>
+          </p:nvCxnSpPr>
+          <p:spPr>
+            <a:xfrm flipH="1" flipV="1">
+              <a:off x="3502152" y="2785537"/>
+              <a:ext cx="1255489" cy="1"/>
+            </a:xfrm>
+            <a:prstGeom prst="straightConnector1">
+              <a:avLst/>
+            </a:prstGeom>
+            <a:ln w="38100">
+              <a:solidFill>
+                <a:srgbClr val="0070C0"/>
+              </a:solidFill>
+              <a:prstDash val="sysDot"/>
+              <a:tailEnd type="triangle"/>
+            </a:ln>
+          </p:spPr>
+          <p:style>
+            <a:lnRef idx="1">
+              <a:schemeClr val="accent1"/>
+            </a:lnRef>
+            <a:fillRef idx="0">
+              <a:schemeClr val="accent1"/>
+            </a:fillRef>
+            <a:effectRef idx="0">
+              <a:schemeClr val="accent1"/>
+            </a:effectRef>
+            <a:fontRef idx="minor">
+              <a:schemeClr val="tx1"/>
+            </a:fontRef>
+          </p:style>
+        </p:cxnSp>
+        <p:cxnSp>
+          <p:nvCxnSpPr>
+            <p:cNvPr id="30" name="直線單箭頭接點 29"/>
+            <p:cNvCxnSpPr>
+              <a:stCxn id="20" idx="3"/>
+            </p:cNvCxnSpPr>
+            <p:nvPr/>
+          </p:nvCxnSpPr>
+          <p:spPr>
+            <a:xfrm flipV="1">
+              <a:off x="6173413" y="2775614"/>
+              <a:ext cx="1098375" cy="9924"/>
+            </a:xfrm>
+            <a:prstGeom prst="straightConnector1">
+              <a:avLst/>
+            </a:prstGeom>
+            <a:ln w="38100">
+              <a:solidFill>
+                <a:srgbClr val="0070C0"/>
+              </a:solidFill>
+              <a:prstDash val="sysDot"/>
+              <a:tailEnd type="triangle"/>
+            </a:ln>
+          </p:spPr>
+          <p:style>
+            <a:lnRef idx="1">
+              <a:schemeClr val="accent1"/>
+            </a:lnRef>
+            <a:fillRef idx="0">
+              <a:schemeClr val="accent1"/>
+            </a:fillRef>
+            <a:effectRef idx="0">
+              <a:schemeClr val="accent1"/>
+            </a:effectRef>
+            <a:fontRef idx="minor">
+              <a:schemeClr val="tx1"/>
+            </a:fontRef>
+          </p:style>
+        </p:cxnSp>
+        <p:cxnSp>
+          <p:nvCxnSpPr>
+            <p:cNvPr id="34" name="直線單箭頭接點 33"/>
+            <p:cNvCxnSpPr>
+              <a:stCxn id="20" idx="2"/>
+              <a:endCxn id="21" idx="0"/>
+            </p:cNvCxnSpPr>
+            <p:nvPr/>
+          </p:nvCxnSpPr>
+          <p:spPr>
+            <a:xfrm>
+              <a:off x="5465527" y="3016370"/>
+              <a:ext cx="0" cy="599137"/>
+            </a:xfrm>
+            <a:prstGeom prst="straightConnector1">
+              <a:avLst/>
+            </a:prstGeom>
+            <a:ln w="38100">
+              <a:solidFill>
+                <a:srgbClr val="0070C0"/>
+              </a:solidFill>
+              <a:prstDash val="sysDot"/>
+              <a:tailEnd type="triangle"/>
+            </a:ln>
+          </p:spPr>
+          <p:style>
+            <a:lnRef idx="1">
+              <a:schemeClr val="accent1"/>
+            </a:lnRef>
+            <a:fillRef idx="0">
+              <a:schemeClr val="accent1"/>
+            </a:fillRef>
+            <a:effectRef idx="0">
+              <a:schemeClr val="accent1"/>
+            </a:effectRef>
+            <a:fontRef idx="minor">
+              <a:schemeClr val="tx1"/>
+            </a:fontRef>
+          </p:style>
+        </p:cxnSp>
+        <p:sp>
+          <p:nvSpPr>
+            <p:cNvPr id="39" name="向右箭號 38"/>
+            <p:cNvSpPr/>
+            <p:nvPr/>
+          </p:nvSpPr>
+          <p:spPr>
+            <a:xfrm rot="5400000">
+              <a:off x="4729412" y="4429401"/>
+              <a:ext cx="898448" cy="267972"/>
+            </a:xfrm>
+            <a:prstGeom prst="rightArrow">
+              <a:avLst/>
+            </a:prstGeom>
             <a:solidFill>
               <a:srgbClr val="FF0000"/>
             </a:solidFill>
-          </a:ln>
-        </p:spPr>
-        <p:style>
-          <a:lnRef idx="2">
-            <a:schemeClr val="accent1">
-              <a:shade val="50000"/>
-            </a:schemeClr>
-          </a:lnRef>
-          <a:fillRef idx="1">
-            <a:schemeClr val="accent1"/>
-          </a:fillRef>
-          <a:effectRef idx="0">
-            <a:schemeClr val="accent1"/>
-          </a:effectRef>
-          <a:fontRef idx="minor">
-            <a:schemeClr val="lt1"/>
-          </a:fontRef>
-        </p:style>
-        <p:txBody>
-          <a:bodyPr rtlCol="0" anchor="ctr"/>
-          <a:lstStyle/>
-          <a:p>
-            <a:pPr algn="ctr"/>
-            <a:endParaRPr lang="zh-TW" altLang="en-US"/>
-          </a:p>
-        </p:txBody>
-      </p:sp>
-      <p:sp>
-        <p:nvSpPr>
-          <p:cNvPr id="27" name="弧形 26"/>
-          <p:cNvSpPr/>
-          <p:nvPr/>
-        </p:nvSpPr>
-        <p:spPr>
-          <a:xfrm>
-            <a:off x="4732815" y="2152504"/>
-            <a:ext cx="1432120" cy="1191796"/>
-          </a:xfrm>
-          <a:prstGeom prst="arc">
-            <a:avLst>
-              <a:gd name="adj1" fmla="val 2541222"/>
-              <a:gd name="adj2" fmla="val 311641"/>
-            </a:avLst>
-          </a:prstGeom>
-          <a:ln w="219075">
+            <a:ln>
+              <a:solidFill>
+                <a:srgbClr val="FF0000"/>
+              </a:solidFill>
+            </a:ln>
+          </p:spPr>
+          <p:style>
+            <a:lnRef idx="2">
+              <a:schemeClr val="accent1">
+                <a:shade val="50000"/>
+              </a:schemeClr>
+            </a:lnRef>
+            <a:fillRef idx="1">
+              <a:schemeClr val="accent1"/>
+            </a:fillRef>
+            <a:effectRef idx="0">
+              <a:schemeClr val="accent1"/>
+            </a:effectRef>
+            <a:fontRef idx="minor">
+              <a:schemeClr val="lt1"/>
+            </a:fontRef>
+          </p:style>
+          <p:txBody>
+            <a:bodyPr rtlCol="0" anchor="ctr"/>
+            <a:lstStyle/>
+            <a:p>
+              <a:pPr algn="ctr"/>
+              <a:endParaRPr lang="zh-TW" altLang="en-US"/>
+            </a:p>
+          </p:txBody>
+        </p:sp>
+        <p:sp>
+          <p:nvSpPr>
+            <p:cNvPr id="40" name="向右箭號 39"/>
+            <p:cNvSpPr/>
+            <p:nvPr/>
+          </p:nvSpPr>
+          <p:spPr>
+            <a:xfrm rot="16200000">
+              <a:off x="5223288" y="4403213"/>
+              <a:ext cx="898448" cy="267972"/>
+            </a:xfrm>
+            <a:prstGeom prst="rightArrow">
+              <a:avLst/>
+            </a:prstGeom>
             <a:solidFill>
-              <a:srgbClr val="00FF00">
-                <a:alpha val="47843"/>
-              </a:srgbClr>
+              <a:srgbClr val="FF0000"/>
             </a:solidFill>
-            <a:headEnd type="triangle"/>
-            <a:tailEnd type="none" w="lg" len="lg"/>
-          </a:ln>
-        </p:spPr>
-        <p:style>
-          <a:lnRef idx="1">
-            <a:schemeClr val="accent1"/>
-          </a:lnRef>
-          <a:fillRef idx="0">
-            <a:schemeClr val="accent1"/>
-          </a:fillRef>
-          <a:effectRef idx="0">
-            <a:schemeClr val="accent1"/>
-          </a:effectRef>
-          <a:fontRef idx="minor">
-            <a:schemeClr val="tx1"/>
-          </a:fontRef>
-        </p:style>
-        <p:txBody>
-          <a:bodyPr rtlCol="0" anchor="ctr"/>
-          <a:lstStyle/>
-          <a:p>
-            <a:pPr algn="ctr"/>
-            <a:endParaRPr lang="zh-TW" altLang="en-US"/>
-          </a:p>
-        </p:txBody>
-      </p:sp>
-      <p:pic>
-        <p:nvPicPr>
-          <p:cNvPr id="25" name="圖片 24"/>
-          <p:cNvPicPr>
-            <a:picLocks noChangeAspect="1"/>
-          </p:cNvPicPr>
-          <p:nvPr/>
-        </p:nvPicPr>
-        <p:blipFill>
-          <a:blip r:embed="rId11">
-            <a:extLst>
-              <a:ext uri="{BEBA8EAE-BF5A-486C-A8C5-ECC9F3942E4B}">
-                <a14:imgProps xmlns:a14="http://schemas.microsoft.com/office/drawing/2010/main">
-                  <a14:imgLayer r:embed="rId12">
-                    <a14:imgEffect>
-                      <a14:backgroundRemoval t="1087" b="98913" l="730" r="97810"/>
-                    </a14:imgEffect>
-                  </a14:imgLayer>
-                </a14:imgProps>
-              </a:ext>
-            </a:extLst>
-          </a:blip>
-          <a:stretch>
-            <a:fillRect/>
-          </a:stretch>
-        </p:blipFill>
-        <p:spPr>
-          <a:xfrm>
-            <a:off x="4683572" y="2279759"/>
-            <a:ext cx="1428992" cy="959615"/>
-          </a:xfrm>
-          <a:prstGeom prst="rect">
-            <a:avLst/>
-          </a:prstGeom>
-        </p:spPr>
-      </p:pic>
+            <a:ln>
+              <a:solidFill>
+                <a:srgbClr val="FF0000"/>
+              </a:solidFill>
+            </a:ln>
+          </p:spPr>
+          <p:style>
+            <a:lnRef idx="2">
+              <a:schemeClr val="accent1">
+                <a:shade val="50000"/>
+              </a:schemeClr>
+            </a:lnRef>
+            <a:fillRef idx="1">
+              <a:schemeClr val="accent1"/>
+            </a:fillRef>
+            <a:effectRef idx="0">
+              <a:schemeClr val="accent1"/>
+            </a:effectRef>
+            <a:fontRef idx="minor">
+              <a:schemeClr val="lt1"/>
+            </a:fontRef>
+          </p:style>
+          <p:txBody>
+            <a:bodyPr rtlCol="0" anchor="ctr"/>
+            <a:lstStyle/>
+            <a:p>
+              <a:pPr algn="ctr"/>
+              <a:endParaRPr lang="zh-TW" altLang="en-US"/>
+            </a:p>
+          </p:txBody>
+        </p:sp>
+      </p:grpSp>
     </p:spTree>
     <p:extLst>
       <p:ext uri="{BB962C8B-B14F-4D97-AF65-F5344CB8AC3E}">

--- a/LCC/Java/02_再嚐Java Coffee_運算思維.pptx
+++ b/LCC/Java/02_再嚐Java Coffee_運算思維.pptx
@@ -857,7 +857,7 @@
           <a:p>
             <a:fld id="{1C04B068-0BC1-4366-925A-40167D424D2E}" type="datetimeFigureOut">
               <a:rPr lang="zh-TW" altLang="en-US" smtClean="0"/>
-              <a:t>2022/8/10</a:t>
+              <a:t>2024/4/24</a:t>
             </a:fld>
             <a:endParaRPr lang="zh-TW" altLang="en-US"/>
           </a:p>
@@ -1108,7 +1108,7 @@
           <a:p>
             <a:fld id="{1C04B068-0BC1-4366-925A-40167D424D2E}" type="datetimeFigureOut">
               <a:rPr lang="zh-TW" altLang="en-US" smtClean="0"/>
-              <a:t>2022/8/10</a:t>
+              <a:t>2024/4/24</a:t>
             </a:fld>
             <a:endParaRPr lang="zh-TW" altLang="en-US"/>
           </a:p>
@@ -1422,7 +1422,7 @@
           <a:p>
             <a:fld id="{1C04B068-0BC1-4366-925A-40167D424D2E}" type="datetimeFigureOut">
               <a:rPr lang="zh-TW" altLang="en-US" smtClean="0"/>
-              <a:t>2022/8/10</a:t>
+              <a:t>2024/4/24</a:t>
             </a:fld>
             <a:endParaRPr lang="zh-TW" altLang="en-US"/>
           </a:p>
@@ -1763,7 +1763,7 @@
           <a:p>
             <a:fld id="{1C04B068-0BC1-4366-925A-40167D424D2E}" type="datetimeFigureOut">
               <a:rPr lang="zh-TW" altLang="en-US" smtClean="0"/>
-              <a:t>2022/8/10</a:t>
+              <a:t>2024/4/24</a:t>
             </a:fld>
             <a:endParaRPr lang="zh-TW" altLang="en-US"/>
           </a:p>
@@ -2077,7 +2077,7 @@
           <a:p>
             <a:fld id="{1C04B068-0BC1-4366-925A-40167D424D2E}" type="datetimeFigureOut">
               <a:rPr lang="zh-TW" altLang="en-US" smtClean="0"/>
-              <a:t>2022/8/10</a:t>
+              <a:t>2024/4/24</a:t>
             </a:fld>
             <a:endParaRPr lang="zh-TW" altLang="en-US"/>
           </a:p>
@@ -2470,7 +2470,7 @@
           <a:p>
             <a:fld id="{1C04B068-0BC1-4366-925A-40167D424D2E}" type="datetimeFigureOut">
               <a:rPr lang="zh-TW" altLang="en-US" smtClean="0"/>
-              <a:t>2022/8/10</a:t>
+              <a:t>2024/4/24</a:t>
             </a:fld>
             <a:endParaRPr lang="zh-TW" altLang="en-US"/>
           </a:p>
@@ -2640,7 +2640,7 @@
           <a:p>
             <a:fld id="{1C04B068-0BC1-4366-925A-40167D424D2E}" type="datetimeFigureOut">
               <a:rPr lang="zh-TW" altLang="en-US" smtClean="0"/>
-              <a:t>2022/8/10</a:t>
+              <a:t>2024/4/24</a:t>
             </a:fld>
             <a:endParaRPr lang="zh-TW" altLang="en-US"/>
           </a:p>
@@ -2820,7 +2820,7 @@
           <a:p>
             <a:fld id="{1C04B068-0BC1-4366-925A-40167D424D2E}" type="datetimeFigureOut">
               <a:rPr lang="zh-TW" altLang="en-US" smtClean="0"/>
-              <a:t>2022/8/10</a:t>
+              <a:t>2024/4/24</a:t>
             </a:fld>
             <a:endParaRPr lang="zh-TW" altLang="en-US"/>
           </a:p>
@@ -2996,7 +2996,7 @@
           <a:p>
             <a:fld id="{1C04B068-0BC1-4366-925A-40167D424D2E}" type="datetimeFigureOut">
               <a:rPr lang="zh-TW" altLang="en-US" smtClean="0"/>
-              <a:t>2022/8/10</a:t>
+              <a:t>2024/4/24</a:t>
             </a:fld>
             <a:endParaRPr lang="zh-TW" altLang="en-US"/>
           </a:p>
@@ -3243,7 +3243,7 @@
           <a:p>
             <a:fld id="{1C04B068-0BC1-4366-925A-40167D424D2E}" type="datetimeFigureOut">
               <a:rPr lang="zh-TW" altLang="en-US" smtClean="0"/>
-              <a:t>2022/8/10</a:t>
+              <a:t>2024/4/24</a:t>
             </a:fld>
             <a:endParaRPr lang="zh-TW" altLang="en-US"/>
           </a:p>
@@ -3475,7 +3475,7 @@
           <a:p>
             <a:fld id="{1C04B068-0BC1-4366-925A-40167D424D2E}" type="datetimeFigureOut">
               <a:rPr lang="zh-TW" altLang="en-US" smtClean="0"/>
-              <a:t>2022/8/10</a:t>
+              <a:t>2024/4/24</a:t>
             </a:fld>
             <a:endParaRPr lang="zh-TW" altLang="en-US"/>
           </a:p>
@@ -3849,7 +3849,7 @@
           <a:p>
             <a:fld id="{1C04B068-0BC1-4366-925A-40167D424D2E}" type="datetimeFigureOut">
               <a:rPr lang="zh-TW" altLang="en-US" smtClean="0"/>
-              <a:t>2022/8/10</a:t>
+              <a:t>2024/4/24</a:t>
             </a:fld>
             <a:endParaRPr lang="zh-TW" altLang="en-US"/>
           </a:p>
@@ -3972,7 +3972,7 @@
           <a:p>
             <a:fld id="{1C04B068-0BC1-4366-925A-40167D424D2E}" type="datetimeFigureOut">
               <a:rPr lang="zh-TW" altLang="en-US" smtClean="0"/>
-              <a:t>2022/8/10</a:t>
+              <a:t>2024/4/24</a:t>
             </a:fld>
             <a:endParaRPr lang="zh-TW" altLang="en-US"/>
           </a:p>
@@ -4067,7 +4067,7 @@
           <a:p>
             <a:fld id="{1C04B068-0BC1-4366-925A-40167D424D2E}" type="datetimeFigureOut">
               <a:rPr lang="zh-TW" altLang="en-US" smtClean="0"/>
-              <a:t>2022/8/10</a:t>
+              <a:t>2024/4/24</a:t>
             </a:fld>
             <a:endParaRPr lang="zh-TW" altLang="en-US"/>
           </a:p>
@@ -4322,7 +4322,7 @@
           <a:p>
             <a:fld id="{1C04B068-0BC1-4366-925A-40167D424D2E}" type="datetimeFigureOut">
               <a:rPr lang="zh-TW" altLang="en-US" smtClean="0"/>
-              <a:t>2022/8/10</a:t>
+              <a:t>2024/4/24</a:t>
             </a:fld>
             <a:endParaRPr lang="zh-TW" altLang="en-US"/>
           </a:p>
@@ -4585,7 +4585,7 @@
           <a:p>
             <a:fld id="{1C04B068-0BC1-4366-925A-40167D424D2E}" type="datetimeFigureOut">
               <a:rPr lang="zh-TW" altLang="en-US" smtClean="0"/>
-              <a:t>2022/8/10</a:t>
+              <a:t>2024/4/24</a:t>
             </a:fld>
             <a:endParaRPr lang="zh-TW" altLang="en-US"/>
           </a:p>
@@ -5328,7 +5328,7 @@
           <a:p>
             <a:fld id="{1C04B068-0BC1-4366-925A-40167D424D2E}" type="datetimeFigureOut">
               <a:rPr lang="zh-TW" altLang="en-US" smtClean="0"/>
-              <a:t>2022/8/10</a:t>
+              <a:t>2024/4/24</a:t>
             </a:fld>
             <a:endParaRPr lang="zh-TW" altLang="en-US"/>
           </a:p>
@@ -5460,7 +5460,7 @@
         <p:spPr>
           <a:xfrm>
             <a:off x="379705" y="6488668"/>
-            <a:ext cx="2800767" cy="369332"/>
+            <a:ext cx="2850460" cy="369332"/>
           </a:xfrm>
           <a:prstGeom prst="rect">
             <a:avLst/>
@@ -5568,9 +5568,8 @@
           <a:p>
             <a:r>
               <a:rPr lang="fr-FR" altLang="zh-TW" dirty="0" smtClean="0"/>
-              <a:t>https://reurl.cc/Kb1Xmg</a:t>
-            </a:r>
-            <a:endParaRPr lang="zh-TW" altLang="en-US" dirty="0"/>
+              <a:t>https://reurl.cc/WxELMO</a:t>
+            </a:r>
           </a:p>
         </p:txBody>
       </p:sp>
@@ -6093,7 +6092,7 @@
             <a:pPr algn="r"/>
             <a:fld id="{DA74FC97-8647-474D-B375-8E81E8B358FB}" type="datetime4">
               <a:rPr lang="zh-TW" altLang="zh-TW"/>
-              <a:t>111年8月10日星期三</a:t>
+              <a:t>113年4月24日星期三</a:t>
             </a:fld>
             <a:endParaRPr lang="zh-TW" altLang="en-US" dirty="0"/>
           </a:p>
@@ -6142,14 +6141,14 @@
       </p:pic>
       <p:sp>
         <p:nvSpPr>
-          <p:cNvPr id="7" name="矩形 6"/>
+          <p:cNvPr id="9" name="矩形 8"/>
           <p:cNvSpPr/>
           <p:nvPr/>
         </p:nvSpPr>
         <p:spPr>
           <a:xfrm>
             <a:off x="827704" y="87935"/>
-            <a:ext cx="2800767" cy="369332"/>
+            <a:ext cx="2850460" cy="369332"/>
           </a:xfrm>
           <a:prstGeom prst="rect">
             <a:avLst/>
@@ -6257,7 +6256,7 @@
           <a:p>
             <a:r>
               <a:rPr lang="fr-FR" altLang="zh-TW" dirty="0"/>
-              <a:t>https://reurl.cc/Kb1Xmg</a:t>
+              <a:t>https://reurl.cc/WxELMO</a:t>
             </a:r>
             <a:endParaRPr lang="zh-TW" altLang="en-US" dirty="0"/>
           </a:p>
@@ -6265,7 +6264,7 @@
       </p:sp>
       <p:pic>
         <p:nvPicPr>
-          <p:cNvPr id="8" name="圖片 7"/>
+          <p:cNvPr id="10" name="圖片 9"/>
           <p:cNvPicPr>
             <a:picLocks noChangeAspect="1"/>
           </p:cNvPicPr>
@@ -6279,8 +6278,8 @@
         </p:blipFill>
         <p:spPr>
           <a:xfrm>
-            <a:off x="929852" y="503981"/>
-            <a:ext cx="1428750" cy="1428750"/>
+            <a:off x="915266" y="457267"/>
+            <a:ext cx="1818698" cy="1818698"/>
           </a:xfrm>
           <a:prstGeom prst="rect">
             <a:avLst/>

--- a/LCC/Java/02_再嚐Java Coffee_運算思維.pptx
+++ b/LCC/Java/02_再嚐Java Coffee_運算思維.pptx
@@ -6376,6 +6376,36 @@
               <a:t>人怎麼思考？拆解成小步驟。</a:t>
             </a:r>
             <a:endParaRPr lang="zh-TW" altLang="en-US" dirty="0"/>
+          </a:p>
+        </p:txBody>
+      </p:sp>
+      <p:sp>
+        <p:nvSpPr>
+          <p:cNvPr id="4" name="文字方塊 3"/>
+          <p:cNvSpPr txBox="1"/>
+          <p:nvPr/>
+        </p:nvSpPr>
+        <p:spPr>
+          <a:xfrm>
+            <a:off x="1855262" y="3907073"/>
+            <a:ext cx="6240811" cy="646331"/>
+          </a:xfrm>
+          <a:prstGeom prst="rect">
+            <a:avLst/>
+          </a:prstGeom>
+          <a:noFill/>
+        </p:spPr>
+        <p:txBody>
+          <a:bodyPr wrap="none" rtlCol="0">
+            <a:spAutoFit/>
+          </a:bodyPr>
+          <a:lstStyle/>
+          <a:p>
+            <a:r>
+              <a:rPr lang="en-US" altLang="zh-TW" sz="3600" dirty="0" smtClean="0"/>
+              <a:t>1,2,3,4,5,3,28,19,0,2345,346</a:t>
+            </a:r>
+            <a:endParaRPr lang="zh-TW" altLang="en-US" sz="3600" dirty="0"/>
           </a:p>
         </p:txBody>
       </p:sp>
@@ -10880,6 +10910,13 @@
   <p:clrMapOvr>
     <a:masterClrMapping/>
   </p:clrMapOvr>
+  <p:timing>
+    <p:tnLst>
+      <p:par>
+        <p:cTn id="1" dur="indefinite" restart="never" nodeType="tmRoot"/>
+      </p:par>
+    </p:tnLst>
+  </p:timing>
 </p:sld>
 </file>
 
